--- a/Files/Unsere Folien.pptx
+++ b/Files/Unsere Folien.pptx
@@ -6,11 +6,14 @@
     <p:sldMasterId id="2147484165" r:id="rId2"/>
   </p:sldMasterIdLst>
   <p:notesMasterIdLst>
-    <p:notesMasterId r:id="rId5"/>
+    <p:notesMasterId r:id="rId8"/>
   </p:notesMasterIdLst>
   <p:sldIdLst>
     <p:sldId id="256" r:id="rId3"/>
     <p:sldId id="257" r:id="rId4"/>
+    <p:sldId id="258" r:id="rId5"/>
+    <p:sldId id="259" r:id="rId6"/>
+    <p:sldId id="260" r:id="rId7"/>
   </p:sldIdLst>
   <p:sldSz cx="12192000" cy="6858000"/>
   <p:notesSz cx="6858000" cy="9144000"/>
@@ -109,7 +112,2762 @@
       </a:defRPr>
     </a:lvl9pPr>
   </p:defaultTextStyle>
+  <p:extLst>
+    <p:ext uri="{EFAFB233-063F-42B5-8137-9DF3F51BA10A}">
+      <p15:sldGuideLst xmlns:p15="http://schemas.microsoft.com/office/powerpoint/2012/main"/>
+    </p:ext>
+  </p:extLst>
 </p:presentation>
+</file>
+
+<file path=ppt/diagrams/colors1.xml><?xml version="1.0" encoding="utf-8"?>
+<dgm:colorsDef xmlns:dgm="http://schemas.openxmlformats.org/drawingml/2006/diagram" xmlns:a="http://schemas.openxmlformats.org/drawingml/2006/main" uniqueId="urn:microsoft.com/office/officeart/2005/8/colors/accent1_2">
+  <dgm:title val=""/>
+  <dgm:desc val=""/>
+  <dgm:catLst>
+    <dgm:cat type="accent1" pri="11200"/>
+  </dgm:catLst>
+  <dgm:styleLbl name="node0">
+    <dgm:fillClrLst meth="repeat">
+      <a:schemeClr val="accent1"/>
+    </dgm:fillClrLst>
+    <dgm:linClrLst meth="repeat">
+      <a:schemeClr val="lt1"/>
+    </dgm:linClrLst>
+    <dgm:effectClrLst/>
+    <dgm:txLinClrLst/>
+    <dgm:txFillClrLst/>
+    <dgm:txEffectClrLst/>
+  </dgm:styleLbl>
+  <dgm:styleLbl name="alignNode1">
+    <dgm:fillClrLst meth="repeat">
+      <a:schemeClr val="accent1"/>
+    </dgm:fillClrLst>
+    <dgm:linClrLst meth="repeat">
+      <a:schemeClr val="accent1"/>
+    </dgm:linClrLst>
+    <dgm:effectClrLst/>
+    <dgm:txLinClrLst/>
+    <dgm:txFillClrLst/>
+    <dgm:txEffectClrLst/>
+  </dgm:styleLbl>
+  <dgm:styleLbl name="node1">
+    <dgm:fillClrLst meth="repeat">
+      <a:schemeClr val="accent1"/>
+    </dgm:fillClrLst>
+    <dgm:linClrLst meth="repeat">
+      <a:schemeClr val="lt1"/>
+    </dgm:linClrLst>
+    <dgm:effectClrLst/>
+    <dgm:txLinClrLst/>
+    <dgm:txFillClrLst/>
+    <dgm:txEffectClrLst/>
+  </dgm:styleLbl>
+  <dgm:styleLbl name="lnNode1">
+    <dgm:fillClrLst meth="repeat">
+      <a:schemeClr val="accent1"/>
+    </dgm:fillClrLst>
+    <dgm:linClrLst meth="repeat">
+      <a:schemeClr val="lt1"/>
+    </dgm:linClrLst>
+    <dgm:effectClrLst/>
+    <dgm:txLinClrLst/>
+    <dgm:txFillClrLst/>
+    <dgm:txEffectClrLst/>
+  </dgm:styleLbl>
+  <dgm:styleLbl name="vennNode1">
+    <dgm:fillClrLst meth="repeat">
+      <a:schemeClr val="accent1">
+        <a:alpha val="50000"/>
+      </a:schemeClr>
+    </dgm:fillClrLst>
+    <dgm:linClrLst meth="repeat">
+      <a:schemeClr val="lt1"/>
+    </dgm:linClrLst>
+    <dgm:effectClrLst/>
+    <dgm:txLinClrLst/>
+    <dgm:txFillClrLst/>
+    <dgm:txEffectClrLst/>
+  </dgm:styleLbl>
+  <dgm:styleLbl name="node2">
+    <dgm:fillClrLst meth="repeat">
+      <a:schemeClr val="accent1"/>
+    </dgm:fillClrLst>
+    <dgm:linClrLst meth="repeat">
+      <a:schemeClr val="lt1"/>
+    </dgm:linClrLst>
+    <dgm:effectClrLst/>
+    <dgm:txLinClrLst/>
+    <dgm:txFillClrLst/>
+    <dgm:txEffectClrLst/>
+  </dgm:styleLbl>
+  <dgm:styleLbl name="node3">
+    <dgm:fillClrLst meth="repeat">
+      <a:schemeClr val="accent1"/>
+    </dgm:fillClrLst>
+    <dgm:linClrLst meth="repeat">
+      <a:schemeClr val="lt1"/>
+    </dgm:linClrLst>
+    <dgm:effectClrLst/>
+    <dgm:txLinClrLst/>
+    <dgm:txFillClrLst/>
+    <dgm:txEffectClrLst/>
+  </dgm:styleLbl>
+  <dgm:styleLbl name="node4">
+    <dgm:fillClrLst meth="repeat">
+      <a:schemeClr val="accent1"/>
+    </dgm:fillClrLst>
+    <dgm:linClrLst meth="repeat">
+      <a:schemeClr val="lt1"/>
+    </dgm:linClrLst>
+    <dgm:effectClrLst/>
+    <dgm:txLinClrLst/>
+    <dgm:txFillClrLst/>
+    <dgm:txEffectClrLst/>
+  </dgm:styleLbl>
+  <dgm:styleLbl name="fgImgPlace1">
+    <dgm:fillClrLst meth="repeat">
+      <a:schemeClr val="accent1">
+        <a:tint val="50000"/>
+      </a:schemeClr>
+    </dgm:fillClrLst>
+    <dgm:linClrLst meth="repeat">
+      <a:schemeClr val="lt1"/>
+    </dgm:linClrLst>
+    <dgm:effectClrLst/>
+    <dgm:txLinClrLst/>
+    <dgm:txFillClrLst meth="repeat">
+      <a:schemeClr val="lt1"/>
+    </dgm:txFillClrLst>
+    <dgm:txEffectClrLst/>
+  </dgm:styleLbl>
+  <dgm:styleLbl name="alignImgPlace1">
+    <dgm:fillClrLst meth="repeat">
+      <a:schemeClr val="accent1">
+        <a:tint val="50000"/>
+      </a:schemeClr>
+    </dgm:fillClrLst>
+    <dgm:linClrLst meth="repeat">
+      <a:schemeClr val="lt1"/>
+    </dgm:linClrLst>
+    <dgm:effectClrLst/>
+    <dgm:txLinClrLst/>
+    <dgm:txFillClrLst meth="repeat">
+      <a:schemeClr val="lt1"/>
+    </dgm:txFillClrLst>
+    <dgm:txEffectClrLst/>
+  </dgm:styleLbl>
+  <dgm:styleLbl name="bgImgPlace1">
+    <dgm:fillClrLst meth="repeat">
+      <a:schemeClr val="accent1">
+        <a:tint val="50000"/>
+      </a:schemeClr>
+    </dgm:fillClrLst>
+    <dgm:linClrLst meth="repeat">
+      <a:schemeClr val="lt1"/>
+    </dgm:linClrLst>
+    <dgm:effectClrLst/>
+    <dgm:txLinClrLst/>
+    <dgm:txFillClrLst meth="repeat">
+      <a:schemeClr val="lt1"/>
+    </dgm:txFillClrLst>
+    <dgm:txEffectClrLst/>
+  </dgm:styleLbl>
+  <dgm:styleLbl name="sibTrans2D1">
+    <dgm:fillClrLst meth="repeat">
+      <a:schemeClr val="accent1">
+        <a:tint val="60000"/>
+      </a:schemeClr>
+    </dgm:fillClrLst>
+    <dgm:linClrLst meth="repeat">
+      <a:schemeClr val="accent1">
+        <a:tint val="60000"/>
+      </a:schemeClr>
+    </dgm:linClrLst>
+    <dgm:effectClrLst/>
+    <dgm:txLinClrLst/>
+    <dgm:txFillClrLst/>
+    <dgm:txEffectClrLst/>
+  </dgm:styleLbl>
+  <dgm:styleLbl name="fgSibTrans2D1">
+    <dgm:fillClrLst meth="repeat">
+      <a:schemeClr val="accent1">
+        <a:tint val="60000"/>
+      </a:schemeClr>
+    </dgm:fillClrLst>
+    <dgm:linClrLst meth="repeat">
+      <a:schemeClr val="accent1">
+        <a:tint val="60000"/>
+      </a:schemeClr>
+    </dgm:linClrLst>
+    <dgm:effectClrLst/>
+    <dgm:txLinClrLst/>
+    <dgm:txFillClrLst/>
+    <dgm:txEffectClrLst/>
+  </dgm:styleLbl>
+  <dgm:styleLbl name="bgSibTrans2D1">
+    <dgm:fillClrLst meth="repeat">
+      <a:schemeClr val="accent1">
+        <a:tint val="60000"/>
+      </a:schemeClr>
+    </dgm:fillClrLst>
+    <dgm:linClrLst meth="repeat">
+      <a:schemeClr val="accent1">
+        <a:tint val="60000"/>
+      </a:schemeClr>
+    </dgm:linClrLst>
+    <dgm:effectClrLst/>
+    <dgm:txLinClrLst/>
+    <dgm:txFillClrLst/>
+    <dgm:txEffectClrLst/>
+  </dgm:styleLbl>
+  <dgm:styleLbl name="sibTrans1D1">
+    <dgm:fillClrLst meth="repeat">
+      <a:schemeClr val="accent1"/>
+    </dgm:fillClrLst>
+    <dgm:linClrLst meth="repeat">
+      <a:schemeClr val="accent1"/>
+    </dgm:linClrLst>
+    <dgm:effectClrLst/>
+    <dgm:txLinClrLst/>
+    <dgm:txFillClrLst meth="repeat">
+      <a:schemeClr val="tx1"/>
+    </dgm:txFillClrLst>
+    <dgm:txEffectClrLst/>
+  </dgm:styleLbl>
+  <dgm:styleLbl name="callout">
+    <dgm:fillClrLst meth="repeat">
+      <a:schemeClr val="accent1"/>
+    </dgm:fillClrLst>
+    <dgm:linClrLst meth="repeat">
+      <a:schemeClr val="accent1">
+        <a:tint val="50000"/>
+      </a:schemeClr>
+    </dgm:linClrLst>
+    <dgm:effectClrLst/>
+    <dgm:txLinClrLst/>
+    <dgm:txFillClrLst meth="repeat">
+      <a:schemeClr val="tx1"/>
+    </dgm:txFillClrLst>
+    <dgm:txEffectClrLst/>
+  </dgm:styleLbl>
+  <dgm:styleLbl name="asst0">
+    <dgm:fillClrLst meth="repeat">
+      <a:schemeClr val="accent1"/>
+    </dgm:fillClrLst>
+    <dgm:linClrLst meth="repeat">
+      <a:schemeClr val="lt1"/>
+    </dgm:linClrLst>
+    <dgm:effectClrLst/>
+    <dgm:txLinClrLst/>
+    <dgm:txFillClrLst/>
+    <dgm:txEffectClrLst/>
+  </dgm:styleLbl>
+  <dgm:styleLbl name="asst1">
+    <dgm:fillClrLst meth="repeat">
+      <a:schemeClr val="accent1"/>
+    </dgm:fillClrLst>
+    <dgm:linClrLst meth="repeat">
+      <a:schemeClr val="lt1"/>
+    </dgm:linClrLst>
+    <dgm:effectClrLst/>
+    <dgm:txLinClrLst/>
+    <dgm:txFillClrLst/>
+    <dgm:txEffectClrLst/>
+  </dgm:styleLbl>
+  <dgm:styleLbl name="asst2">
+    <dgm:fillClrLst meth="repeat">
+      <a:schemeClr val="accent1"/>
+    </dgm:fillClrLst>
+    <dgm:linClrLst meth="repeat">
+      <a:schemeClr val="lt1"/>
+    </dgm:linClrLst>
+    <dgm:effectClrLst/>
+    <dgm:txLinClrLst/>
+    <dgm:txFillClrLst/>
+    <dgm:txEffectClrLst/>
+  </dgm:styleLbl>
+  <dgm:styleLbl name="asst3">
+    <dgm:fillClrLst meth="repeat">
+      <a:schemeClr val="accent1"/>
+    </dgm:fillClrLst>
+    <dgm:linClrLst meth="repeat">
+      <a:schemeClr val="lt1"/>
+    </dgm:linClrLst>
+    <dgm:effectClrLst/>
+    <dgm:txLinClrLst/>
+    <dgm:txFillClrLst/>
+    <dgm:txEffectClrLst/>
+  </dgm:styleLbl>
+  <dgm:styleLbl name="asst4">
+    <dgm:fillClrLst meth="repeat">
+      <a:schemeClr val="accent1"/>
+    </dgm:fillClrLst>
+    <dgm:linClrLst meth="repeat">
+      <a:schemeClr val="lt1"/>
+    </dgm:linClrLst>
+    <dgm:effectClrLst/>
+    <dgm:txLinClrLst/>
+    <dgm:txFillClrLst/>
+    <dgm:txEffectClrLst/>
+  </dgm:styleLbl>
+  <dgm:styleLbl name="parChTrans2D1">
+    <dgm:fillClrLst meth="repeat">
+      <a:schemeClr val="accent1">
+        <a:tint val="60000"/>
+      </a:schemeClr>
+    </dgm:fillClrLst>
+    <dgm:linClrLst meth="repeat">
+      <a:schemeClr val="accent1">
+        <a:tint val="60000"/>
+      </a:schemeClr>
+    </dgm:linClrLst>
+    <dgm:effectClrLst/>
+    <dgm:txLinClrLst/>
+    <dgm:txFillClrLst meth="repeat">
+      <a:schemeClr val="lt1"/>
+    </dgm:txFillClrLst>
+    <dgm:txEffectClrLst/>
+  </dgm:styleLbl>
+  <dgm:styleLbl name="parChTrans2D2">
+    <dgm:fillClrLst meth="repeat">
+      <a:schemeClr val="accent1"/>
+    </dgm:fillClrLst>
+    <dgm:linClrLst meth="repeat">
+      <a:schemeClr val="accent1"/>
+    </dgm:linClrLst>
+    <dgm:effectClrLst/>
+    <dgm:txLinClrLst/>
+    <dgm:txFillClrLst meth="repeat">
+      <a:schemeClr val="lt1"/>
+    </dgm:txFillClrLst>
+    <dgm:txEffectClrLst/>
+  </dgm:styleLbl>
+  <dgm:styleLbl name="parChTrans2D3">
+    <dgm:fillClrLst meth="repeat">
+      <a:schemeClr val="accent1"/>
+    </dgm:fillClrLst>
+    <dgm:linClrLst meth="repeat">
+      <a:schemeClr val="accent1"/>
+    </dgm:linClrLst>
+    <dgm:effectClrLst/>
+    <dgm:txLinClrLst/>
+    <dgm:txFillClrLst meth="repeat">
+      <a:schemeClr val="lt1"/>
+    </dgm:txFillClrLst>
+    <dgm:txEffectClrLst/>
+  </dgm:styleLbl>
+  <dgm:styleLbl name="parChTrans2D4">
+    <dgm:fillClrLst meth="repeat">
+      <a:schemeClr val="accent1"/>
+    </dgm:fillClrLst>
+    <dgm:linClrLst meth="repeat">
+      <a:schemeClr val="accent1"/>
+    </dgm:linClrLst>
+    <dgm:effectClrLst/>
+    <dgm:txLinClrLst/>
+    <dgm:txFillClrLst meth="repeat">
+      <a:schemeClr val="lt1"/>
+    </dgm:txFillClrLst>
+    <dgm:txEffectClrLst/>
+  </dgm:styleLbl>
+  <dgm:styleLbl name="parChTrans1D1">
+    <dgm:fillClrLst meth="repeat">
+      <a:schemeClr val="accent1"/>
+    </dgm:fillClrLst>
+    <dgm:linClrLst meth="repeat">
+      <a:schemeClr val="accent1">
+        <a:shade val="60000"/>
+      </a:schemeClr>
+    </dgm:linClrLst>
+    <dgm:effectClrLst/>
+    <dgm:txLinClrLst/>
+    <dgm:txFillClrLst meth="repeat">
+      <a:schemeClr val="tx1"/>
+    </dgm:txFillClrLst>
+    <dgm:txEffectClrLst/>
+  </dgm:styleLbl>
+  <dgm:styleLbl name="parChTrans1D2">
+    <dgm:fillClrLst meth="repeat">
+      <a:schemeClr val="accent1"/>
+    </dgm:fillClrLst>
+    <dgm:linClrLst meth="repeat">
+      <a:schemeClr val="accent1">
+        <a:shade val="60000"/>
+      </a:schemeClr>
+    </dgm:linClrLst>
+    <dgm:effectClrLst/>
+    <dgm:txLinClrLst/>
+    <dgm:txFillClrLst meth="repeat">
+      <a:schemeClr val="tx1"/>
+    </dgm:txFillClrLst>
+    <dgm:txEffectClrLst/>
+  </dgm:styleLbl>
+  <dgm:styleLbl name="parChTrans1D3">
+    <dgm:fillClrLst meth="repeat">
+      <a:schemeClr val="accent1"/>
+    </dgm:fillClrLst>
+    <dgm:linClrLst meth="repeat">
+      <a:schemeClr val="accent1">
+        <a:shade val="80000"/>
+      </a:schemeClr>
+    </dgm:linClrLst>
+    <dgm:effectClrLst/>
+    <dgm:txLinClrLst/>
+    <dgm:txFillClrLst meth="repeat">
+      <a:schemeClr val="tx1"/>
+    </dgm:txFillClrLst>
+    <dgm:txEffectClrLst/>
+  </dgm:styleLbl>
+  <dgm:styleLbl name="parChTrans1D4">
+    <dgm:fillClrLst meth="repeat">
+      <a:schemeClr val="accent1"/>
+    </dgm:fillClrLst>
+    <dgm:linClrLst meth="repeat">
+      <a:schemeClr val="accent1">
+        <a:shade val="80000"/>
+      </a:schemeClr>
+    </dgm:linClrLst>
+    <dgm:effectClrLst/>
+    <dgm:txLinClrLst/>
+    <dgm:txFillClrLst meth="repeat">
+      <a:schemeClr val="tx1"/>
+    </dgm:txFillClrLst>
+    <dgm:txEffectClrLst/>
+  </dgm:styleLbl>
+  <dgm:styleLbl name="fgAcc1">
+    <dgm:fillClrLst meth="repeat">
+      <a:schemeClr val="lt1">
+        <a:alpha val="90000"/>
+      </a:schemeClr>
+    </dgm:fillClrLst>
+    <dgm:linClrLst meth="repeat">
+      <a:schemeClr val="accent1"/>
+    </dgm:linClrLst>
+    <dgm:effectClrLst/>
+    <dgm:txLinClrLst/>
+    <dgm:txFillClrLst meth="repeat">
+      <a:schemeClr val="dk1"/>
+    </dgm:txFillClrLst>
+    <dgm:txEffectClrLst/>
+  </dgm:styleLbl>
+  <dgm:styleLbl name="conFgAcc1">
+    <dgm:fillClrLst meth="repeat">
+      <a:schemeClr val="lt1">
+        <a:alpha val="90000"/>
+      </a:schemeClr>
+    </dgm:fillClrLst>
+    <dgm:linClrLst meth="repeat">
+      <a:schemeClr val="accent1"/>
+    </dgm:linClrLst>
+    <dgm:effectClrLst/>
+    <dgm:txLinClrLst/>
+    <dgm:txFillClrLst meth="repeat">
+      <a:schemeClr val="dk1"/>
+    </dgm:txFillClrLst>
+    <dgm:txEffectClrLst/>
+  </dgm:styleLbl>
+  <dgm:styleLbl name="alignAcc1">
+    <dgm:fillClrLst meth="repeat">
+      <a:schemeClr val="lt1">
+        <a:alpha val="90000"/>
+      </a:schemeClr>
+    </dgm:fillClrLst>
+    <dgm:linClrLst meth="repeat">
+      <a:schemeClr val="accent1"/>
+    </dgm:linClrLst>
+    <dgm:effectClrLst/>
+    <dgm:txLinClrLst/>
+    <dgm:txFillClrLst meth="repeat">
+      <a:schemeClr val="dk1"/>
+    </dgm:txFillClrLst>
+    <dgm:txEffectClrLst/>
+  </dgm:styleLbl>
+  <dgm:styleLbl name="trAlignAcc1">
+    <dgm:fillClrLst meth="repeat">
+      <a:schemeClr val="lt1">
+        <a:alpha val="40000"/>
+      </a:schemeClr>
+    </dgm:fillClrLst>
+    <dgm:linClrLst meth="repeat">
+      <a:schemeClr val="accent1"/>
+    </dgm:linClrLst>
+    <dgm:effectClrLst/>
+    <dgm:txLinClrLst/>
+    <dgm:txFillClrLst meth="repeat">
+      <a:schemeClr val="dk1"/>
+    </dgm:txFillClrLst>
+    <dgm:txEffectClrLst/>
+  </dgm:styleLbl>
+  <dgm:styleLbl name="bgAcc1">
+    <dgm:fillClrLst meth="repeat">
+      <a:schemeClr val="lt1">
+        <a:alpha val="90000"/>
+      </a:schemeClr>
+    </dgm:fillClrLst>
+    <dgm:linClrLst meth="repeat">
+      <a:schemeClr val="accent1"/>
+    </dgm:linClrLst>
+    <dgm:effectClrLst/>
+    <dgm:txLinClrLst/>
+    <dgm:txFillClrLst meth="repeat">
+      <a:schemeClr val="dk1"/>
+    </dgm:txFillClrLst>
+    <dgm:txEffectClrLst/>
+  </dgm:styleLbl>
+  <dgm:styleLbl name="solidFgAcc1">
+    <dgm:fillClrLst meth="repeat">
+      <a:schemeClr val="lt1"/>
+    </dgm:fillClrLst>
+    <dgm:linClrLst meth="repeat">
+      <a:schemeClr val="accent1"/>
+    </dgm:linClrLst>
+    <dgm:effectClrLst/>
+    <dgm:txLinClrLst/>
+    <dgm:txFillClrLst meth="repeat">
+      <a:schemeClr val="dk1"/>
+    </dgm:txFillClrLst>
+    <dgm:txEffectClrLst/>
+  </dgm:styleLbl>
+  <dgm:styleLbl name="solidAlignAcc1">
+    <dgm:fillClrLst meth="repeat">
+      <a:schemeClr val="lt1"/>
+    </dgm:fillClrLst>
+    <dgm:linClrLst meth="repeat">
+      <a:schemeClr val="accent1"/>
+    </dgm:linClrLst>
+    <dgm:effectClrLst/>
+    <dgm:txLinClrLst/>
+    <dgm:txFillClrLst meth="repeat">
+      <a:schemeClr val="dk1"/>
+    </dgm:txFillClrLst>
+    <dgm:txEffectClrLst/>
+  </dgm:styleLbl>
+  <dgm:styleLbl name="solidBgAcc1">
+    <dgm:fillClrLst meth="repeat">
+      <a:schemeClr val="lt1"/>
+    </dgm:fillClrLst>
+    <dgm:linClrLst meth="repeat">
+      <a:schemeClr val="accent1"/>
+    </dgm:linClrLst>
+    <dgm:effectClrLst/>
+    <dgm:txLinClrLst/>
+    <dgm:txFillClrLst meth="repeat">
+      <a:schemeClr val="dk1"/>
+    </dgm:txFillClrLst>
+    <dgm:txEffectClrLst/>
+  </dgm:styleLbl>
+  <dgm:styleLbl name="fgAccFollowNode1">
+    <dgm:fillClrLst meth="repeat">
+      <a:schemeClr val="accent1">
+        <a:alpha val="90000"/>
+        <a:tint val="40000"/>
+      </a:schemeClr>
+    </dgm:fillClrLst>
+    <dgm:linClrLst meth="repeat">
+      <a:schemeClr val="accent1">
+        <a:alpha val="90000"/>
+        <a:tint val="40000"/>
+      </a:schemeClr>
+    </dgm:linClrLst>
+    <dgm:effectClrLst/>
+    <dgm:txLinClrLst/>
+    <dgm:txFillClrLst meth="repeat">
+      <a:schemeClr val="dk1"/>
+    </dgm:txFillClrLst>
+    <dgm:txEffectClrLst/>
+  </dgm:styleLbl>
+  <dgm:styleLbl name="alignAccFollowNode1">
+    <dgm:fillClrLst meth="repeat">
+      <a:schemeClr val="accent1">
+        <a:alpha val="90000"/>
+        <a:tint val="40000"/>
+      </a:schemeClr>
+    </dgm:fillClrLst>
+    <dgm:linClrLst meth="repeat">
+      <a:schemeClr val="accent1">
+        <a:alpha val="90000"/>
+        <a:tint val="40000"/>
+      </a:schemeClr>
+    </dgm:linClrLst>
+    <dgm:effectClrLst/>
+    <dgm:txLinClrLst/>
+    <dgm:txFillClrLst meth="repeat">
+      <a:schemeClr val="dk1"/>
+    </dgm:txFillClrLst>
+    <dgm:txEffectClrLst/>
+  </dgm:styleLbl>
+  <dgm:styleLbl name="bgAccFollowNode1">
+    <dgm:fillClrLst meth="repeat">
+      <a:schemeClr val="accent1">
+        <a:alpha val="90000"/>
+        <a:tint val="40000"/>
+      </a:schemeClr>
+    </dgm:fillClrLst>
+    <dgm:linClrLst meth="repeat">
+      <a:schemeClr val="accent1">
+        <a:alpha val="90000"/>
+        <a:tint val="40000"/>
+      </a:schemeClr>
+    </dgm:linClrLst>
+    <dgm:effectClrLst/>
+    <dgm:txLinClrLst/>
+    <dgm:txFillClrLst meth="repeat">
+      <a:schemeClr val="dk1"/>
+    </dgm:txFillClrLst>
+    <dgm:txEffectClrLst/>
+  </dgm:styleLbl>
+  <dgm:styleLbl name="fgAcc0">
+    <dgm:fillClrLst meth="repeat">
+      <a:schemeClr val="lt1">
+        <a:alpha val="90000"/>
+      </a:schemeClr>
+    </dgm:fillClrLst>
+    <dgm:linClrLst meth="repeat">
+      <a:schemeClr val="accent1"/>
+    </dgm:linClrLst>
+    <dgm:effectClrLst/>
+    <dgm:txLinClrLst/>
+    <dgm:txFillClrLst meth="repeat">
+      <a:schemeClr val="dk1"/>
+    </dgm:txFillClrLst>
+    <dgm:txEffectClrLst/>
+  </dgm:styleLbl>
+  <dgm:styleLbl name="fgAcc2">
+    <dgm:fillClrLst meth="repeat">
+      <a:schemeClr val="lt1">
+        <a:alpha val="90000"/>
+      </a:schemeClr>
+    </dgm:fillClrLst>
+    <dgm:linClrLst meth="repeat">
+      <a:schemeClr val="accent1"/>
+    </dgm:linClrLst>
+    <dgm:effectClrLst/>
+    <dgm:txLinClrLst/>
+    <dgm:txFillClrLst meth="repeat">
+      <a:schemeClr val="dk1"/>
+    </dgm:txFillClrLst>
+    <dgm:txEffectClrLst/>
+  </dgm:styleLbl>
+  <dgm:styleLbl name="fgAcc3">
+    <dgm:fillClrLst meth="repeat">
+      <a:schemeClr val="lt1">
+        <a:alpha val="90000"/>
+      </a:schemeClr>
+    </dgm:fillClrLst>
+    <dgm:linClrLst meth="repeat">
+      <a:schemeClr val="accent1"/>
+    </dgm:linClrLst>
+    <dgm:effectClrLst/>
+    <dgm:txLinClrLst/>
+    <dgm:txFillClrLst meth="repeat">
+      <a:schemeClr val="dk1"/>
+    </dgm:txFillClrLst>
+    <dgm:txEffectClrLst/>
+  </dgm:styleLbl>
+  <dgm:styleLbl name="fgAcc4">
+    <dgm:fillClrLst meth="repeat">
+      <a:schemeClr val="lt1">
+        <a:alpha val="90000"/>
+      </a:schemeClr>
+    </dgm:fillClrLst>
+    <dgm:linClrLst meth="repeat">
+      <a:schemeClr val="accent1"/>
+    </dgm:linClrLst>
+    <dgm:effectClrLst/>
+    <dgm:txLinClrLst/>
+    <dgm:txFillClrLst meth="repeat">
+      <a:schemeClr val="dk1"/>
+    </dgm:txFillClrLst>
+    <dgm:txEffectClrLst/>
+  </dgm:styleLbl>
+  <dgm:styleLbl name="bgShp">
+    <dgm:fillClrLst meth="repeat">
+      <a:schemeClr val="accent1">
+        <a:tint val="40000"/>
+      </a:schemeClr>
+    </dgm:fillClrLst>
+    <dgm:linClrLst meth="repeat">
+      <a:schemeClr val="accent1"/>
+    </dgm:linClrLst>
+    <dgm:effectClrLst/>
+    <dgm:txLinClrLst/>
+    <dgm:txFillClrLst meth="repeat">
+      <a:schemeClr val="dk1"/>
+    </dgm:txFillClrLst>
+    <dgm:txEffectClrLst/>
+  </dgm:styleLbl>
+  <dgm:styleLbl name="dkBgShp">
+    <dgm:fillClrLst meth="repeat">
+      <a:schemeClr val="accent1">
+        <a:shade val="80000"/>
+      </a:schemeClr>
+    </dgm:fillClrLst>
+    <dgm:linClrLst meth="repeat">
+      <a:schemeClr val="accent1"/>
+    </dgm:linClrLst>
+    <dgm:effectClrLst/>
+    <dgm:txLinClrLst/>
+    <dgm:txFillClrLst meth="repeat">
+      <a:schemeClr val="lt1"/>
+    </dgm:txFillClrLst>
+    <dgm:txEffectClrLst/>
+  </dgm:styleLbl>
+  <dgm:styleLbl name="trBgShp">
+    <dgm:fillClrLst meth="repeat">
+      <a:schemeClr val="accent1">
+        <a:tint val="50000"/>
+        <a:alpha val="40000"/>
+      </a:schemeClr>
+    </dgm:fillClrLst>
+    <dgm:linClrLst meth="repeat">
+      <a:schemeClr val="accent1"/>
+    </dgm:linClrLst>
+    <dgm:effectClrLst/>
+    <dgm:txLinClrLst/>
+    <dgm:txFillClrLst meth="repeat">
+      <a:schemeClr val="lt1"/>
+    </dgm:txFillClrLst>
+    <dgm:txEffectClrLst/>
+  </dgm:styleLbl>
+  <dgm:styleLbl name="fgShp">
+    <dgm:fillClrLst meth="repeat">
+      <a:schemeClr val="accent1">
+        <a:tint val="60000"/>
+      </a:schemeClr>
+    </dgm:fillClrLst>
+    <dgm:linClrLst meth="repeat">
+      <a:schemeClr val="lt1"/>
+    </dgm:linClrLst>
+    <dgm:effectClrLst/>
+    <dgm:txLinClrLst/>
+    <dgm:txFillClrLst meth="repeat">
+      <a:schemeClr val="dk1"/>
+    </dgm:txFillClrLst>
+    <dgm:txEffectClrLst/>
+  </dgm:styleLbl>
+  <dgm:styleLbl name="revTx">
+    <dgm:fillClrLst meth="repeat">
+      <a:schemeClr val="lt1">
+        <a:alpha val="0"/>
+      </a:schemeClr>
+    </dgm:fillClrLst>
+    <dgm:linClrLst meth="repeat">
+      <a:schemeClr val="dk1">
+        <a:alpha val="0"/>
+      </a:schemeClr>
+    </dgm:linClrLst>
+    <dgm:effectClrLst/>
+    <dgm:txLinClrLst/>
+    <dgm:txFillClrLst meth="repeat">
+      <a:schemeClr val="tx1"/>
+    </dgm:txFillClrLst>
+    <dgm:txEffectClrLst/>
+  </dgm:styleLbl>
+</dgm:colorsDef>
+</file>
+
+<file path=ppt/diagrams/data1.xml><?xml version="1.0" encoding="utf-8"?>
+<dgm:dataModel xmlns:dgm="http://schemas.openxmlformats.org/drawingml/2006/diagram" xmlns:a="http://schemas.openxmlformats.org/drawingml/2006/main">
+  <dgm:ptLst>
+    <dgm:pt modelId="{FA50B08F-5E8E-4026-8017-78A5BFCAAE13}" type="doc">
+      <dgm:prSet loTypeId="urn:microsoft.com/office/officeart/2005/8/layout/equation2" loCatId="process" qsTypeId="urn:microsoft.com/office/officeart/2005/8/quickstyle/3d5" qsCatId="3D" csTypeId="urn:microsoft.com/office/officeart/2005/8/colors/accent1_2" csCatId="accent1" phldr="1"/>
+      <dgm:spPr/>
+    </dgm:pt>
+    <dgm:pt modelId="{1D4EB301-489D-41AA-8055-0C355BDC6999}">
+      <dgm:prSet phldrT="[Text]"/>
+      <dgm:spPr/>
+      <dgm:t>
+        <a:bodyPr/>
+        <a:lstStyle/>
+        <a:p>
+          <a:r>
+            <a:rPr lang="de-DE" dirty="0" smtClean="0"/>
+            <a:t>Cash</a:t>
+          </a:r>
+          <a:endParaRPr lang="de-DE" dirty="0"/>
+        </a:p>
+      </dgm:t>
+    </dgm:pt>
+    <dgm:pt modelId="{361BA697-99F7-4892-A464-8FCC566A6214}" type="parTrans" cxnId="{63F281F8-61D8-4402-95D7-C58AC8A41BE3}">
+      <dgm:prSet/>
+      <dgm:spPr/>
+      <dgm:t>
+        <a:bodyPr/>
+        <a:lstStyle/>
+        <a:p>
+          <a:endParaRPr lang="de-DE"/>
+        </a:p>
+      </dgm:t>
+    </dgm:pt>
+    <dgm:pt modelId="{9316DE0C-5B20-4932-9855-C84620EAFE6D}" type="sibTrans" cxnId="{63F281F8-61D8-4402-95D7-C58AC8A41BE3}">
+      <dgm:prSet/>
+      <dgm:spPr/>
+      <dgm:t>
+        <a:bodyPr/>
+        <a:lstStyle/>
+        <a:p>
+          <a:endParaRPr lang="de-DE"/>
+        </a:p>
+      </dgm:t>
+    </dgm:pt>
+    <dgm:pt modelId="{FF3A8904-8F2A-4559-B5BF-5408E7B67053}">
+      <dgm:prSet phldrT="[Text]"/>
+      <dgm:spPr/>
+      <dgm:t>
+        <a:bodyPr/>
+        <a:lstStyle/>
+        <a:p>
+          <a:r>
+            <a:rPr lang="de-DE" dirty="0" smtClean="0"/>
+            <a:t>Stock Portfolio</a:t>
+          </a:r>
+          <a:endParaRPr lang="de-DE" dirty="0"/>
+        </a:p>
+      </dgm:t>
+    </dgm:pt>
+    <dgm:pt modelId="{AEA02D2B-669D-4D28-9BC3-F0C30169FBC5}" type="parTrans" cxnId="{125E46AD-80C3-43BD-9C90-48F3F4E026ED}">
+      <dgm:prSet/>
+      <dgm:spPr/>
+      <dgm:t>
+        <a:bodyPr/>
+        <a:lstStyle/>
+        <a:p>
+          <a:endParaRPr lang="de-DE"/>
+        </a:p>
+      </dgm:t>
+    </dgm:pt>
+    <dgm:pt modelId="{95953F9B-BD98-402A-B504-03F80E4E30A9}" type="sibTrans" cxnId="{125E46AD-80C3-43BD-9C90-48F3F4E026ED}">
+      <dgm:prSet/>
+      <dgm:spPr/>
+      <dgm:t>
+        <a:bodyPr/>
+        <a:lstStyle/>
+        <a:p>
+          <a:endParaRPr lang="de-DE"/>
+        </a:p>
+      </dgm:t>
+    </dgm:pt>
+    <dgm:pt modelId="{2EF1A071-594C-4D20-8D51-62FE82CBB4CA}">
+      <dgm:prSet phldrT="[Text]"/>
+      <dgm:spPr/>
+      <dgm:t>
+        <a:bodyPr/>
+        <a:lstStyle/>
+        <a:p>
+          <a:r>
+            <a:rPr lang="de-DE" dirty="0" smtClean="0"/>
+            <a:t>Cash &amp; Stock Portfolio</a:t>
+          </a:r>
+          <a:endParaRPr lang="de-DE" dirty="0"/>
+        </a:p>
+      </dgm:t>
+    </dgm:pt>
+    <dgm:pt modelId="{6363C4D0-C04C-4EEA-BA29-22A1AA940E4C}" type="parTrans" cxnId="{E1372815-022B-4530-BF1D-65FFF5936FA5}">
+      <dgm:prSet/>
+      <dgm:spPr/>
+      <dgm:t>
+        <a:bodyPr/>
+        <a:lstStyle/>
+        <a:p>
+          <a:endParaRPr lang="de-DE"/>
+        </a:p>
+      </dgm:t>
+    </dgm:pt>
+    <dgm:pt modelId="{0D4F5E03-A9E9-4BFF-B178-E9FCDC067B07}" type="sibTrans" cxnId="{E1372815-022B-4530-BF1D-65FFF5936FA5}">
+      <dgm:prSet/>
+      <dgm:spPr/>
+      <dgm:t>
+        <a:bodyPr/>
+        <a:lstStyle/>
+        <a:p>
+          <a:endParaRPr lang="de-DE"/>
+        </a:p>
+      </dgm:t>
+    </dgm:pt>
+    <dgm:pt modelId="{5EB86B4D-08CA-4F23-BF05-DA0BF5DE96C0}" type="pres">
+      <dgm:prSet presAssocID="{FA50B08F-5E8E-4026-8017-78A5BFCAAE13}" presName="Name0" presStyleCnt="0">
+        <dgm:presLayoutVars>
+          <dgm:dir/>
+          <dgm:resizeHandles val="exact"/>
+        </dgm:presLayoutVars>
+      </dgm:prSet>
+      <dgm:spPr/>
+    </dgm:pt>
+    <dgm:pt modelId="{FC733417-C474-4401-9E46-0EF3974E17EC}" type="pres">
+      <dgm:prSet presAssocID="{FA50B08F-5E8E-4026-8017-78A5BFCAAE13}" presName="vNodes" presStyleCnt="0"/>
+      <dgm:spPr/>
+    </dgm:pt>
+    <dgm:pt modelId="{EFAEB83F-7869-474B-AA5D-EBDCAB86A0B9}" type="pres">
+      <dgm:prSet presAssocID="{1D4EB301-489D-41AA-8055-0C355BDC6999}" presName="node" presStyleLbl="node1" presStyleIdx="0" presStyleCnt="3">
+        <dgm:presLayoutVars>
+          <dgm:bulletEnabled val="1"/>
+        </dgm:presLayoutVars>
+      </dgm:prSet>
+      <dgm:spPr/>
+      <dgm:t>
+        <a:bodyPr/>
+        <a:lstStyle/>
+        <a:p>
+          <a:endParaRPr lang="de-DE"/>
+        </a:p>
+      </dgm:t>
+    </dgm:pt>
+    <dgm:pt modelId="{495F9EC5-277F-4077-8F40-0A2C926126B5}" type="pres">
+      <dgm:prSet presAssocID="{9316DE0C-5B20-4932-9855-C84620EAFE6D}" presName="spacerT" presStyleCnt="0"/>
+      <dgm:spPr/>
+    </dgm:pt>
+    <dgm:pt modelId="{7F16B40C-BE7A-461D-9E88-E6EF8E5F919C}" type="pres">
+      <dgm:prSet presAssocID="{9316DE0C-5B20-4932-9855-C84620EAFE6D}" presName="sibTrans" presStyleLbl="sibTrans2D1" presStyleIdx="0" presStyleCnt="2"/>
+      <dgm:spPr/>
+    </dgm:pt>
+    <dgm:pt modelId="{3C036747-BB95-4371-8E48-32A9C920F744}" type="pres">
+      <dgm:prSet presAssocID="{9316DE0C-5B20-4932-9855-C84620EAFE6D}" presName="spacerB" presStyleCnt="0"/>
+      <dgm:spPr/>
+    </dgm:pt>
+    <dgm:pt modelId="{A6820B18-74D0-4AA7-89C9-D6D8B6583D87}" type="pres">
+      <dgm:prSet presAssocID="{FF3A8904-8F2A-4559-B5BF-5408E7B67053}" presName="node" presStyleLbl="node1" presStyleIdx="1" presStyleCnt="3">
+        <dgm:presLayoutVars>
+          <dgm:bulletEnabled val="1"/>
+        </dgm:presLayoutVars>
+      </dgm:prSet>
+      <dgm:spPr/>
+      <dgm:t>
+        <a:bodyPr/>
+        <a:lstStyle/>
+        <a:p>
+          <a:endParaRPr lang="de-DE"/>
+        </a:p>
+      </dgm:t>
+    </dgm:pt>
+    <dgm:pt modelId="{0DCB5306-3428-466A-B8C4-93C7F40ABF77}" type="pres">
+      <dgm:prSet presAssocID="{FA50B08F-5E8E-4026-8017-78A5BFCAAE13}" presName="sibTransLast" presStyleLbl="sibTrans2D1" presStyleIdx="1" presStyleCnt="2"/>
+      <dgm:spPr/>
+    </dgm:pt>
+    <dgm:pt modelId="{5C0DC313-38C8-4257-BC2D-B30CBBE03336}" type="pres">
+      <dgm:prSet presAssocID="{FA50B08F-5E8E-4026-8017-78A5BFCAAE13}" presName="connectorText" presStyleLbl="sibTrans2D1" presStyleIdx="1" presStyleCnt="2"/>
+      <dgm:spPr/>
+    </dgm:pt>
+    <dgm:pt modelId="{83AE8723-12B3-4A92-A95A-B75DFFB8EF44}" type="pres">
+      <dgm:prSet presAssocID="{FA50B08F-5E8E-4026-8017-78A5BFCAAE13}" presName="lastNode" presStyleLbl="node1" presStyleIdx="2" presStyleCnt="3">
+        <dgm:presLayoutVars>
+          <dgm:bulletEnabled val="1"/>
+        </dgm:presLayoutVars>
+      </dgm:prSet>
+      <dgm:spPr/>
+    </dgm:pt>
+  </dgm:ptLst>
+  <dgm:cxnLst>
+    <dgm:cxn modelId="{2C6F8155-67A9-4079-A37B-87E38F17B935}" type="presOf" srcId="{FA50B08F-5E8E-4026-8017-78A5BFCAAE13}" destId="{5EB86B4D-08CA-4F23-BF05-DA0BF5DE96C0}" srcOrd="0" destOrd="0" presId="urn:microsoft.com/office/officeart/2005/8/layout/equation2"/>
+    <dgm:cxn modelId="{125E46AD-80C3-43BD-9C90-48F3F4E026ED}" srcId="{FA50B08F-5E8E-4026-8017-78A5BFCAAE13}" destId="{FF3A8904-8F2A-4559-B5BF-5408E7B67053}" srcOrd="1" destOrd="0" parTransId="{AEA02D2B-669D-4D28-9BC3-F0C30169FBC5}" sibTransId="{95953F9B-BD98-402A-B504-03F80E4E30A9}"/>
+    <dgm:cxn modelId="{7F7311D8-6D93-4EF9-8912-47F888961947}" type="presOf" srcId="{9316DE0C-5B20-4932-9855-C84620EAFE6D}" destId="{7F16B40C-BE7A-461D-9E88-E6EF8E5F919C}" srcOrd="0" destOrd="0" presId="urn:microsoft.com/office/officeart/2005/8/layout/equation2"/>
+    <dgm:cxn modelId="{B0AB667C-10E8-45E0-81A7-00B2C9D82434}" type="presOf" srcId="{95953F9B-BD98-402A-B504-03F80E4E30A9}" destId="{5C0DC313-38C8-4257-BC2D-B30CBBE03336}" srcOrd="1" destOrd="0" presId="urn:microsoft.com/office/officeart/2005/8/layout/equation2"/>
+    <dgm:cxn modelId="{290131DE-879A-4E82-BEF1-31039CA4893A}" type="presOf" srcId="{95953F9B-BD98-402A-B504-03F80E4E30A9}" destId="{0DCB5306-3428-466A-B8C4-93C7F40ABF77}" srcOrd="0" destOrd="0" presId="urn:microsoft.com/office/officeart/2005/8/layout/equation2"/>
+    <dgm:cxn modelId="{7D6B1EB8-4E99-4F3A-87FB-9C13153ED425}" type="presOf" srcId="{1D4EB301-489D-41AA-8055-0C355BDC6999}" destId="{EFAEB83F-7869-474B-AA5D-EBDCAB86A0B9}" srcOrd="0" destOrd="0" presId="urn:microsoft.com/office/officeart/2005/8/layout/equation2"/>
+    <dgm:cxn modelId="{63F281F8-61D8-4402-95D7-C58AC8A41BE3}" srcId="{FA50B08F-5E8E-4026-8017-78A5BFCAAE13}" destId="{1D4EB301-489D-41AA-8055-0C355BDC6999}" srcOrd="0" destOrd="0" parTransId="{361BA697-99F7-4892-A464-8FCC566A6214}" sibTransId="{9316DE0C-5B20-4932-9855-C84620EAFE6D}"/>
+    <dgm:cxn modelId="{E1372815-022B-4530-BF1D-65FFF5936FA5}" srcId="{FA50B08F-5E8E-4026-8017-78A5BFCAAE13}" destId="{2EF1A071-594C-4D20-8D51-62FE82CBB4CA}" srcOrd="2" destOrd="0" parTransId="{6363C4D0-C04C-4EEA-BA29-22A1AA940E4C}" sibTransId="{0D4F5E03-A9E9-4BFF-B178-E9FCDC067B07}"/>
+    <dgm:cxn modelId="{6CC7905D-B322-474B-A99B-F510F1A24F82}" type="presOf" srcId="{2EF1A071-594C-4D20-8D51-62FE82CBB4CA}" destId="{83AE8723-12B3-4A92-A95A-B75DFFB8EF44}" srcOrd="0" destOrd="0" presId="urn:microsoft.com/office/officeart/2005/8/layout/equation2"/>
+    <dgm:cxn modelId="{341C9047-45CE-4A96-9325-D736FB631519}" type="presOf" srcId="{FF3A8904-8F2A-4559-B5BF-5408E7B67053}" destId="{A6820B18-74D0-4AA7-89C9-D6D8B6583D87}" srcOrd="0" destOrd="0" presId="urn:microsoft.com/office/officeart/2005/8/layout/equation2"/>
+    <dgm:cxn modelId="{92E5CC2B-40B8-4A62-B3C0-32B5BA09A351}" type="presParOf" srcId="{5EB86B4D-08CA-4F23-BF05-DA0BF5DE96C0}" destId="{FC733417-C474-4401-9E46-0EF3974E17EC}" srcOrd="0" destOrd="0" presId="urn:microsoft.com/office/officeart/2005/8/layout/equation2"/>
+    <dgm:cxn modelId="{379DD67F-FAA9-4136-B561-D27D503BE942}" type="presParOf" srcId="{FC733417-C474-4401-9E46-0EF3974E17EC}" destId="{EFAEB83F-7869-474B-AA5D-EBDCAB86A0B9}" srcOrd="0" destOrd="0" presId="urn:microsoft.com/office/officeart/2005/8/layout/equation2"/>
+    <dgm:cxn modelId="{BDD88F6E-0E90-4CFE-8A0A-37320DDEB62E}" type="presParOf" srcId="{FC733417-C474-4401-9E46-0EF3974E17EC}" destId="{495F9EC5-277F-4077-8F40-0A2C926126B5}" srcOrd="1" destOrd="0" presId="urn:microsoft.com/office/officeart/2005/8/layout/equation2"/>
+    <dgm:cxn modelId="{EC44A090-E1FC-43BF-8983-2FCF9267BAAD}" type="presParOf" srcId="{FC733417-C474-4401-9E46-0EF3974E17EC}" destId="{7F16B40C-BE7A-461D-9E88-E6EF8E5F919C}" srcOrd="2" destOrd="0" presId="urn:microsoft.com/office/officeart/2005/8/layout/equation2"/>
+    <dgm:cxn modelId="{E955EFE2-515D-4F44-A61B-67BF6874252B}" type="presParOf" srcId="{FC733417-C474-4401-9E46-0EF3974E17EC}" destId="{3C036747-BB95-4371-8E48-32A9C920F744}" srcOrd="3" destOrd="0" presId="urn:microsoft.com/office/officeart/2005/8/layout/equation2"/>
+    <dgm:cxn modelId="{36CE0A37-7FE4-4B50-BF04-222BE782997D}" type="presParOf" srcId="{FC733417-C474-4401-9E46-0EF3974E17EC}" destId="{A6820B18-74D0-4AA7-89C9-D6D8B6583D87}" srcOrd="4" destOrd="0" presId="urn:microsoft.com/office/officeart/2005/8/layout/equation2"/>
+    <dgm:cxn modelId="{6667CCEB-6665-4625-A1FF-9040B5004A89}" type="presParOf" srcId="{5EB86B4D-08CA-4F23-BF05-DA0BF5DE96C0}" destId="{0DCB5306-3428-466A-B8C4-93C7F40ABF77}" srcOrd="1" destOrd="0" presId="urn:microsoft.com/office/officeart/2005/8/layout/equation2"/>
+    <dgm:cxn modelId="{11A0D10A-28D2-409C-ACB1-3E7B1DAA884F}" type="presParOf" srcId="{0DCB5306-3428-466A-B8C4-93C7F40ABF77}" destId="{5C0DC313-38C8-4257-BC2D-B30CBBE03336}" srcOrd="0" destOrd="0" presId="urn:microsoft.com/office/officeart/2005/8/layout/equation2"/>
+    <dgm:cxn modelId="{55D27F2A-78D7-4D17-9B66-3A23B88B1587}" type="presParOf" srcId="{5EB86B4D-08CA-4F23-BF05-DA0BF5DE96C0}" destId="{83AE8723-12B3-4A92-A95A-B75DFFB8EF44}" srcOrd="2" destOrd="0" presId="urn:microsoft.com/office/officeart/2005/8/layout/equation2"/>
+  </dgm:cxnLst>
+  <dgm:bg/>
+  <dgm:whole/>
+  <dgm:extLst>
+    <a:ext uri="http://schemas.microsoft.com/office/drawing/2008/diagram">
+      <dsp:dataModelExt xmlns:dsp="http://schemas.microsoft.com/office/drawing/2008/diagram" relId="rId6" minVer="http://schemas.openxmlformats.org/drawingml/2006/diagram"/>
+    </a:ext>
+  </dgm:extLst>
+</dgm:dataModel>
+</file>
+
+<file path=ppt/diagrams/drawing1.xml><?xml version="1.0" encoding="utf-8"?>
+<dsp:drawing xmlns:dgm="http://schemas.openxmlformats.org/drawingml/2006/diagram" xmlns:dsp="http://schemas.microsoft.com/office/drawing/2008/diagram" xmlns:a="http://schemas.openxmlformats.org/drawingml/2006/main">
+  <dsp:spTree>
+    <dsp:nvGrpSpPr>
+      <dsp:cNvPr id="0" name=""/>
+      <dsp:cNvGrpSpPr/>
+    </dsp:nvGrpSpPr>
+    <dsp:grpSpPr/>
+    <dsp:sp modelId="{EFAEB83F-7869-474B-AA5D-EBDCAB86A0B9}">
+      <dsp:nvSpPr>
+        <dsp:cNvPr id="0" name=""/>
+        <dsp:cNvSpPr/>
+      </dsp:nvSpPr>
+      <dsp:spPr>
+        <a:xfrm>
+          <a:off x="259475" y="119"/>
+          <a:ext cx="1377629" cy="1377629"/>
+        </a:xfrm>
+        <a:prstGeom prst="ellipse">
+          <a:avLst/>
+        </a:prstGeom>
+        <a:solidFill>
+          <a:schemeClr val="accent1">
+            <a:hueOff val="0"/>
+            <a:satOff val="0"/>
+            <a:lumOff val="0"/>
+            <a:alphaOff val="0"/>
+          </a:schemeClr>
+        </a:solidFill>
+        <a:ln>
+          <a:noFill/>
+        </a:ln>
+        <a:effectLst/>
+        <a:sp3d extrusionH="381000" contourW="38100" prstMaterial="matte">
+          <a:contourClr>
+            <a:schemeClr val="lt1"/>
+          </a:contourClr>
+        </a:sp3d>
+      </dsp:spPr>
+      <dsp:style>
+        <a:lnRef idx="0">
+          <a:scrgbClr r="0" g="0" b="0"/>
+        </a:lnRef>
+        <a:fillRef idx="1">
+          <a:scrgbClr r="0" g="0" b="0"/>
+        </a:fillRef>
+        <a:effectRef idx="0">
+          <a:scrgbClr r="0" g="0" b="0"/>
+        </a:effectRef>
+        <a:fontRef idx="minor">
+          <a:schemeClr val="lt1"/>
+        </a:fontRef>
+      </dsp:style>
+      <dsp:txBody>
+        <a:bodyPr spcFirstLastPara="0" vert="horz" wrap="square" lIns="22860" tIns="22860" rIns="22860" bIns="22860" numCol="1" spcCol="1270" anchor="ctr" anchorCtr="0">
+          <a:noAutofit/>
+        </a:bodyPr>
+        <a:lstStyle/>
+        <a:p>
+          <a:pPr lvl="0" algn="ctr" defTabSz="800100">
+            <a:lnSpc>
+              <a:spcPct val="90000"/>
+            </a:lnSpc>
+            <a:spcBef>
+              <a:spcPct val="0"/>
+            </a:spcBef>
+            <a:spcAft>
+              <a:spcPct val="35000"/>
+            </a:spcAft>
+          </a:pPr>
+          <a:r>
+            <a:rPr lang="de-DE" sz="1800" kern="1200" dirty="0" smtClean="0"/>
+            <a:t>Cash</a:t>
+          </a:r>
+          <a:endParaRPr lang="de-DE" sz="1800" kern="1200" dirty="0"/>
+        </a:p>
+      </dsp:txBody>
+      <dsp:txXfrm>
+        <a:off x="461224" y="201868"/>
+        <a:ext cx="974131" cy="974131"/>
+      </dsp:txXfrm>
+    </dsp:sp>
+    <dsp:sp modelId="{7F16B40C-BE7A-461D-9E88-E6EF8E5F919C}">
+      <dsp:nvSpPr>
+        <dsp:cNvPr id="0" name=""/>
+        <dsp:cNvSpPr/>
+      </dsp:nvSpPr>
+      <dsp:spPr>
+        <a:xfrm>
+          <a:off x="548777" y="1489612"/>
+          <a:ext cx="799024" cy="799024"/>
+        </a:xfrm>
+        <a:prstGeom prst="mathPlus">
+          <a:avLst/>
+        </a:prstGeom>
+        <a:solidFill>
+          <a:schemeClr val="accent1">
+            <a:tint val="60000"/>
+            <a:hueOff val="0"/>
+            <a:satOff val="0"/>
+            <a:lumOff val="0"/>
+            <a:alphaOff val="0"/>
+          </a:schemeClr>
+        </a:solidFill>
+        <a:ln>
+          <a:noFill/>
+        </a:ln>
+        <a:effectLst/>
+        <a:sp3d z="-52400" extrusionH="181000" contourW="38100" prstMaterial="matte">
+          <a:contourClr>
+            <a:schemeClr val="lt1"/>
+          </a:contourClr>
+        </a:sp3d>
+      </dsp:spPr>
+      <dsp:style>
+        <a:lnRef idx="0">
+          <a:scrgbClr r="0" g="0" b="0"/>
+        </a:lnRef>
+        <a:fillRef idx="1">
+          <a:scrgbClr r="0" g="0" b="0"/>
+        </a:fillRef>
+        <a:effectRef idx="0">
+          <a:scrgbClr r="0" g="0" b="0"/>
+        </a:effectRef>
+        <a:fontRef idx="minor">
+          <a:schemeClr val="lt1"/>
+        </a:fontRef>
+      </dsp:style>
+      <dsp:txBody>
+        <a:bodyPr spcFirstLastPara="0" vert="horz" wrap="square" lIns="0" tIns="0" rIns="0" bIns="0" numCol="1" spcCol="1270" anchor="ctr" anchorCtr="0">
+          <a:noAutofit/>
+        </a:bodyPr>
+        <a:lstStyle/>
+        <a:p>
+          <a:pPr lvl="0" algn="ctr" defTabSz="577850">
+            <a:lnSpc>
+              <a:spcPct val="90000"/>
+            </a:lnSpc>
+            <a:spcBef>
+              <a:spcPct val="0"/>
+            </a:spcBef>
+            <a:spcAft>
+              <a:spcPct val="35000"/>
+            </a:spcAft>
+          </a:pPr>
+          <a:endParaRPr lang="de-DE" sz="1300" kern="1200"/>
+        </a:p>
+      </dsp:txBody>
+      <dsp:txXfrm>
+        <a:off x="654688" y="1795159"/>
+        <a:ext cx="587202" cy="187930"/>
+      </dsp:txXfrm>
+    </dsp:sp>
+    <dsp:sp modelId="{A6820B18-74D0-4AA7-89C9-D6D8B6583D87}">
+      <dsp:nvSpPr>
+        <dsp:cNvPr id="0" name=""/>
+        <dsp:cNvSpPr/>
+      </dsp:nvSpPr>
+      <dsp:spPr>
+        <a:xfrm>
+          <a:off x="259475" y="2400500"/>
+          <a:ext cx="1377629" cy="1377629"/>
+        </a:xfrm>
+        <a:prstGeom prst="ellipse">
+          <a:avLst/>
+        </a:prstGeom>
+        <a:solidFill>
+          <a:schemeClr val="accent1">
+            <a:hueOff val="0"/>
+            <a:satOff val="0"/>
+            <a:lumOff val="0"/>
+            <a:alphaOff val="0"/>
+          </a:schemeClr>
+        </a:solidFill>
+        <a:ln>
+          <a:noFill/>
+        </a:ln>
+        <a:effectLst/>
+        <a:sp3d extrusionH="381000" contourW="38100" prstMaterial="matte">
+          <a:contourClr>
+            <a:schemeClr val="lt1"/>
+          </a:contourClr>
+        </a:sp3d>
+      </dsp:spPr>
+      <dsp:style>
+        <a:lnRef idx="0">
+          <a:scrgbClr r="0" g="0" b="0"/>
+        </a:lnRef>
+        <a:fillRef idx="1">
+          <a:scrgbClr r="0" g="0" b="0"/>
+        </a:fillRef>
+        <a:effectRef idx="0">
+          <a:scrgbClr r="0" g="0" b="0"/>
+        </a:effectRef>
+        <a:fontRef idx="minor">
+          <a:schemeClr val="lt1"/>
+        </a:fontRef>
+      </dsp:style>
+      <dsp:txBody>
+        <a:bodyPr spcFirstLastPara="0" vert="horz" wrap="square" lIns="22860" tIns="22860" rIns="22860" bIns="22860" numCol="1" spcCol="1270" anchor="ctr" anchorCtr="0">
+          <a:noAutofit/>
+        </a:bodyPr>
+        <a:lstStyle/>
+        <a:p>
+          <a:pPr lvl="0" algn="ctr" defTabSz="800100">
+            <a:lnSpc>
+              <a:spcPct val="90000"/>
+            </a:lnSpc>
+            <a:spcBef>
+              <a:spcPct val="0"/>
+            </a:spcBef>
+            <a:spcAft>
+              <a:spcPct val="35000"/>
+            </a:spcAft>
+          </a:pPr>
+          <a:r>
+            <a:rPr lang="de-DE" sz="1800" kern="1200" dirty="0" smtClean="0"/>
+            <a:t>Stock Portfolio</a:t>
+          </a:r>
+          <a:endParaRPr lang="de-DE" sz="1800" kern="1200" dirty="0"/>
+        </a:p>
+      </dsp:txBody>
+      <dsp:txXfrm>
+        <a:off x="461224" y="2602249"/>
+        <a:ext cx="974131" cy="974131"/>
+      </dsp:txXfrm>
+    </dsp:sp>
+    <dsp:sp modelId="{0DCB5306-3428-466A-B8C4-93C7F40ABF77}">
+      <dsp:nvSpPr>
+        <dsp:cNvPr id="0" name=""/>
+        <dsp:cNvSpPr/>
+      </dsp:nvSpPr>
+      <dsp:spPr>
+        <a:xfrm>
+          <a:off x="1843749" y="1632885"/>
+          <a:ext cx="438086" cy="512478"/>
+        </a:xfrm>
+        <a:prstGeom prst="rightArrow">
+          <a:avLst>
+            <a:gd name="adj1" fmla="val 60000"/>
+            <a:gd name="adj2" fmla="val 50000"/>
+          </a:avLst>
+        </a:prstGeom>
+        <a:solidFill>
+          <a:schemeClr val="accent1">
+            <a:tint val="60000"/>
+            <a:hueOff val="0"/>
+            <a:satOff val="0"/>
+            <a:lumOff val="0"/>
+            <a:alphaOff val="0"/>
+          </a:schemeClr>
+        </a:solidFill>
+        <a:ln>
+          <a:noFill/>
+        </a:ln>
+        <a:effectLst/>
+        <a:sp3d z="-52400" extrusionH="181000" contourW="38100" prstMaterial="matte">
+          <a:contourClr>
+            <a:schemeClr val="lt1"/>
+          </a:contourClr>
+        </a:sp3d>
+      </dsp:spPr>
+      <dsp:style>
+        <a:lnRef idx="0">
+          <a:scrgbClr r="0" g="0" b="0"/>
+        </a:lnRef>
+        <a:fillRef idx="1">
+          <a:scrgbClr r="0" g="0" b="0"/>
+        </a:fillRef>
+        <a:effectRef idx="0">
+          <a:scrgbClr r="0" g="0" b="0"/>
+        </a:effectRef>
+        <a:fontRef idx="minor">
+          <a:schemeClr val="lt1"/>
+        </a:fontRef>
+      </dsp:style>
+      <dsp:txBody>
+        <a:bodyPr spcFirstLastPara="0" vert="horz" wrap="square" lIns="0" tIns="0" rIns="0" bIns="0" numCol="1" spcCol="1270" anchor="ctr" anchorCtr="0">
+          <a:noAutofit/>
+        </a:bodyPr>
+        <a:lstStyle/>
+        <a:p>
+          <a:pPr lvl="0" algn="ctr" defTabSz="622300">
+            <a:lnSpc>
+              <a:spcPct val="90000"/>
+            </a:lnSpc>
+            <a:spcBef>
+              <a:spcPct val="0"/>
+            </a:spcBef>
+            <a:spcAft>
+              <a:spcPct val="35000"/>
+            </a:spcAft>
+          </a:pPr>
+          <a:endParaRPr lang="de-DE" sz="1400" kern="1200"/>
+        </a:p>
+      </dsp:txBody>
+      <dsp:txXfrm>
+        <a:off x="1843749" y="1735381"/>
+        <a:ext cx="306660" cy="307486"/>
+      </dsp:txXfrm>
+    </dsp:sp>
+    <dsp:sp modelId="{83AE8723-12B3-4A92-A95A-B75DFFB8EF44}">
+      <dsp:nvSpPr>
+        <dsp:cNvPr id="0" name=""/>
+        <dsp:cNvSpPr/>
+      </dsp:nvSpPr>
+      <dsp:spPr>
+        <a:xfrm>
+          <a:off x="2463682" y="511495"/>
+          <a:ext cx="2755258" cy="2755258"/>
+        </a:xfrm>
+        <a:prstGeom prst="ellipse">
+          <a:avLst/>
+        </a:prstGeom>
+        <a:solidFill>
+          <a:schemeClr val="accent1">
+            <a:hueOff val="0"/>
+            <a:satOff val="0"/>
+            <a:lumOff val="0"/>
+            <a:alphaOff val="0"/>
+          </a:schemeClr>
+        </a:solidFill>
+        <a:ln>
+          <a:noFill/>
+        </a:ln>
+        <a:effectLst/>
+        <a:sp3d extrusionH="381000" contourW="38100" prstMaterial="matte">
+          <a:contourClr>
+            <a:schemeClr val="lt1"/>
+          </a:contourClr>
+        </a:sp3d>
+      </dsp:spPr>
+      <dsp:style>
+        <a:lnRef idx="0">
+          <a:scrgbClr r="0" g="0" b="0"/>
+        </a:lnRef>
+        <a:fillRef idx="1">
+          <a:scrgbClr r="0" g="0" b="0"/>
+        </a:fillRef>
+        <a:effectRef idx="0">
+          <a:scrgbClr r="0" g="0" b="0"/>
+        </a:effectRef>
+        <a:fontRef idx="minor">
+          <a:schemeClr val="lt1"/>
+        </a:fontRef>
+      </dsp:style>
+      <dsp:txBody>
+        <a:bodyPr spcFirstLastPara="0" vert="horz" wrap="square" lIns="46990" tIns="46990" rIns="46990" bIns="46990" numCol="1" spcCol="1270" anchor="ctr" anchorCtr="0">
+          <a:noAutofit/>
+        </a:bodyPr>
+        <a:lstStyle/>
+        <a:p>
+          <a:pPr lvl="0" algn="ctr" defTabSz="1644650">
+            <a:lnSpc>
+              <a:spcPct val="90000"/>
+            </a:lnSpc>
+            <a:spcBef>
+              <a:spcPct val="0"/>
+            </a:spcBef>
+            <a:spcAft>
+              <a:spcPct val="35000"/>
+            </a:spcAft>
+          </a:pPr>
+          <a:r>
+            <a:rPr lang="de-DE" sz="3700" kern="1200" dirty="0" smtClean="0"/>
+            <a:t>Cash &amp; Stock Portfolio</a:t>
+          </a:r>
+          <a:endParaRPr lang="de-DE" sz="3700" kern="1200" dirty="0"/>
+        </a:p>
+      </dsp:txBody>
+      <dsp:txXfrm>
+        <a:off x="2867180" y="914993"/>
+        <a:ext cx="1948262" cy="1948262"/>
+      </dsp:txXfrm>
+    </dsp:sp>
+  </dsp:spTree>
+</dsp:drawing>
+</file>
+
+<file path=ppt/diagrams/layout1.xml><?xml version="1.0" encoding="utf-8"?>
+<dgm:layoutDef xmlns:dgm="http://schemas.openxmlformats.org/drawingml/2006/diagram" xmlns:a="http://schemas.openxmlformats.org/drawingml/2006/main" uniqueId="urn:microsoft.com/office/officeart/2005/8/layout/equation2">
+  <dgm:title val=""/>
+  <dgm:desc val=""/>
+  <dgm:catLst>
+    <dgm:cat type="relationship" pri="18000"/>
+    <dgm:cat type="process" pri="26000"/>
+  </dgm:catLst>
+  <dgm:sampData useDef="1">
+    <dgm:dataModel>
+      <dgm:ptLst/>
+      <dgm:bg/>
+      <dgm:whole/>
+    </dgm:dataModel>
+  </dgm:sampData>
+  <dgm:styleData>
+    <dgm:dataModel>
+      <dgm:ptLst>
+        <dgm:pt modelId="0" type="doc"/>
+        <dgm:pt modelId="1"/>
+        <dgm:pt modelId="2"/>
+      </dgm:ptLst>
+      <dgm:cxnLst>
+        <dgm:cxn modelId="3" srcId="0" destId="1" srcOrd="0" destOrd="0"/>
+        <dgm:cxn modelId="4" srcId="0" destId="2" srcOrd="1" destOrd="0"/>
+      </dgm:cxnLst>
+      <dgm:bg/>
+      <dgm:whole/>
+    </dgm:dataModel>
+  </dgm:styleData>
+  <dgm:clrData>
+    <dgm:dataModel>
+      <dgm:ptLst>
+        <dgm:pt modelId="0" type="doc"/>
+        <dgm:pt modelId="1"/>
+        <dgm:pt modelId="2"/>
+        <dgm:pt modelId="3"/>
+        <dgm:pt modelId="4"/>
+      </dgm:ptLst>
+      <dgm:cxnLst>
+        <dgm:cxn modelId="5" srcId="0" destId="1" srcOrd="0" destOrd="0"/>
+        <dgm:cxn modelId="6" srcId="0" destId="2" srcOrd="1" destOrd="0"/>
+        <dgm:cxn modelId="7" srcId="0" destId="3" srcOrd="2" destOrd="0"/>
+        <dgm:cxn modelId="8" srcId="0" destId="4" srcOrd="3" destOrd="0"/>
+      </dgm:cxnLst>
+      <dgm:bg/>
+      <dgm:whole/>
+    </dgm:dataModel>
+  </dgm:clrData>
+  <dgm:layoutNode name="Name0">
+    <dgm:varLst>
+      <dgm:dir/>
+      <dgm:resizeHandles val="exact"/>
+    </dgm:varLst>
+    <dgm:choose name="Name1">
+      <dgm:if name="Name2" func="var" arg="dir" op="equ" val="norm">
+        <dgm:alg type="lin">
+          <dgm:param type="linDir" val="fromL"/>
+          <dgm:param type="fallback" val="2D"/>
+        </dgm:alg>
+      </dgm:if>
+      <dgm:else name="Name3">
+        <dgm:alg type="lin">
+          <dgm:param type="linDir" val="fromR"/>
+          <dgm:param type="fallback" val="2D"/>
+        </dgm:alg>
+      </dgm:else>
+    </dgm:choose>
+    <dgm:shape xmlns:r="http://schemas.openxmlformats.org/officeDocument/2006/relationships" r:blip="">
+      <dgm:adjLst/>
+    </dgm:shape>
+    <dgm:presOf/>
+    <dgm:choose name="Name4">
+      <dgm:if name="Name5" axis="ch" ptType="node" func="cnt" op="gte" val="3">
+        <dgm:constrLst>
+          <dgm:constr type="h" for="des" forName="node" refType="w" fact="0.5"/>
+          <dgm:constr type="w" for="ch" forName="lastNode" refType="w"/>
+          <dgm:constr type="w" for="des" forName="node" refType="h" refFor="des" refForName="node"/>
+          <dgm:constr type="w" for="ch" forName="sibTransLast" refType="h" refFor="des" refForName="node" fact="0.6"/>
+          <dgm:constr type="h" for="des" forName="sibTrans" refType="h" refFor="des" refForName="node" op="equ" fact="0.58"/>
+          <dgm:constr type="w" for="des" forName="sibTrans" refType="h" refFor="des" refForName="sibTrans" op="equ"/>
+          <dgm:constr type="primFontSz" for="ch" forName="lastNode" op="equ" val="65"/>
+          <dgm:constr type="primFontSz" for="des" forName="node" op="equ" val="65"/>
+          <dgm:constr type="primFontSz" for="des" forName="sibTrans" val="55"/>
+          <dgm:constr type="primFontSz" for="des" forName="sibTrans" refType="primFontSz" refFor="des" refForName="node" op="lte" fact="0.8"/>
+          <dgm:constr type="primFontSz" for="des" forName="connectorText" refType="primFontSz" refFor="des" refForName="node" op="lte" fact="0.8"/>
+          <dgm:constr type="primFontSz" for="des" forName="connectorText" refType="primFontSz" refFor="des" refForName="sibTrans" op="equ"/>
+          <dgm:constr type="h" for="des" forName="spacerT" refType="h" refFor="des" refForName="sibTrans" fact="0.14"/>
+          <dgm:constr type="h" for="des" forName="spacerB" refType="h" refFor="des" refForName="sibTrans" fact="0.14"/>
+        </dgm:constrLst>
+      </dgm:if>
+      <dgm:else name="Name6">
+        <dgm:constrLst>
+          <dgm:constr type="h" for="des" forName="node" refType="w"/>
+          <dgm:constr type="w" for="ch" forName="lastNode" refType="w"/>
+          <dgm:constr type="w" for="des" forName="node" refType="h" refFor="des" refForName="node"/>
+          <dgm:constr type="w" for="ch" forName="sibTransLast" refType="h" refFor="des" refForName="node" fact="0.6"/>
+          <dgm:constr type="h" for="des" forName="sibTrans" refType="h" refFor="des" refForName="node" op="equ" fact="0.58"/>
+          <dgm:constr type="w" for="des" forName="sibTrans" refType="h" refFor="des" refForName="sibTrans" op="equ"/>
+          <dgm:constr type="primFontSz" for="des" forName="node" val="65"/>
+          <dgm:constr type="primFontSz" for="ch" forName="lastNode" refType="primFontSz" refFor="des" refForName="node" op="equ"/>
+          <dgm:constr type="primFontSz" for="des" forName="sibTrans" val="55"/>
+          <dgm:constr type="primFontSz" for="des" forName="connectorText" refType="primFontSz" refFor="des" refForName="node" op="lte" fact="0.8"/>
+          <dgm:constr type="primFontSz" for="des" forName="connectorText" refType="primFontSz" refFor="des" refForName="sibTrans" op="equ"/>
+          <dgm:constr type="h" for="des" forName="spacerT" refType="h" refFor="des" refForName="sibTrans" fact="0.14"/>
+          <dgm:constr type="h" for="des" forName="spacerB" refType="h" refFor="des" refForName="sibTrans" fact="0.14"/>
+        </dgm:constrLst>
+      </dgm:else>
+    </dgm:choose>
+    <dgm:ruleLst/>
+    <dgm:choose name="Name7">
+      <dgm:if name="Name8" axis="ch" ptType="node" func="cnt" op="gte" val="1">
+        <dgm:layoutNode name="vNodes">
+          <dgm:alg type="lin">
+            <dgm:param type="linDir" val="fromT"/>
+            <dgm:param type="fallback" val="2D"/>
+          </dgm:alg>
+          <dgm:shape xmlns:r="http://schemas.openxmlformats.org/officeDocument/2006/relationships" r:blip="">
+            <dgm:adjLst/>
+          </dgm:shape>
+          <dgm:presOf/>
+          <dgm:constrLst/>
+          <dgm:ruleLst/>
+          <dgm:forEach name="Name9" axis="ch" ptType="node">
+            <dgm:choose name="Name10">
+              <dgm:if name="Name11" axis="self" func="revPos" op="neq" val="1">
+                <dgm:layoutNode name="node">
+                  <dgm:varLst>
+                    <dgm:bulletEnabled val="1"/>
+                  </dgm:varLst>
+                  <dgm:alg type="tx">
+                    <dgm:param type="txAnchorVertCh" val="mid"/>
+                  </dgm:alg>
+                  <dgm:shape xmlns:r="http://schemas.openxmlformats.org/officeDocument/2006/relationships" type="ellipse" r:blip="">
+                    <dgm:adjLst/>
+                  </dgm:shape>
+                  <dgm:presOf axis="desOrSelf" ptType="node"/>
+                  <dgm:constrLst>
+                    <dgm:constr type="tMarg" refType="primFontSz" fact="0.1"/>
+                    <dgm:constr type="bMarg" refType="primFontSz" fact="0.1"/>
+                    <dgm:constr type="lMarg" refType="primFontSz" fact="0.1"/>
+                    <dgm:constr type="rMarg" refType="primFontSz" fact="0.1"/>
+                  </dgm:constrLst>
+                  <dgm:ruleLst>
+                    <dgm:rule type="primFontSz" val="5" fact="NaN" max="NaN"/>
+                  </dgm:ruleLst>
+                </dgm:layoutNode>
+                <dgm:choose name="Name12">
+                  <dgm:if name="Name13" axis="self" ptType="node" func="revPos" op="gt" val="2">
+                    <dgm:forEach name="sibTransForEach" axis="followSib" ptType="sibTrans" cnt="1">
+                      <dgm:layoutNode name="spacerT">
+                        <dgm:alg type="sp"/>
+                        <dgm:shape xmlns:r="http://schemas.openxmlformats.org/officeDocument/2006/relationships" r:blip="">
+                          <dgm:adjLst/>
+                        </dgm:shape>
+                        <dgm:presOf axis="self"/>
+                        <dgm:constrLst/>
+                        <dgm:ruleLst/>
+                      </dgm:layoutNode>
+                      <dgm:layoutNode name="sibTrans">
+                        <dgm:alg type="tx"/>
+                        <dgm:shape xmlns:r="http://schemas.openxmlformats.org/officeDocument/2006/relationships" type="mathPlus" r:blip="">
+                          <dgm:adjLst/>
+                        </dgm:shape>
+                        <dgm:presOf axis="self"/>
+                        <dgm:constrLst>
+                          <dgm:constr type="h" refType="w"/>
+                          <dgm:constr type="lMarg"/>
+                          <dgm:constr type="rMarg"/>
+                          <dgm:constr type="tMarg"/>
+                          <dgm:constr type="bMarg"/>
+                        </dgm:constrLst>
+                        <dgm:ruleLst>
+                          <dgm:rule type="primFontSz" val="5" fact="NaN" max="NaN"/>
+                        </dgm:ruleLst>
+                      </dgm:layoutNode>
+                      <dgm:layoutNode name="spacerB">
+                        <dgm:alg type="sp"/>
+                        <dgm:shape xmlns:r="http://schemas.openxmlformats.org/officeDocument/2006/relationships" r:blip="">
+                          <dgm:adjLst/>
+                        </dgm:shape>
+                        <dgm:presOf axis="self"/>
+                        <dgm:constrLst/>
+                        <dgm:ruleLst/>
+                      </dgm:layoutNode>
+                    </dgm:forEach>
+                  </dgm:if>
+                  <dgm:else name="Name14"/>
+                </dgm:choose>
+              </dgm:if>
+              <dgm:else name="Name15"/>
+            </dgm:choose>
+          </dgm:forEach>
+        </dgm:layoutNode>
+        <dgm:choose name="Name16">
+          <dgm:if name="Name17" axis="ch" ptType="node" func="cnt" op="gt" val="1">
+            <dgm:layoutNode name="sibTransLast">
+              <dgm:alg type="conn">
+                <dgm:param type="begPts" val="auto"/>
+                <dgm:param type="endPts" val="auto"/>
+                <dgm:param type="srcNode" val="vNodes"/>
+                <dgm:param type="dstNode" val="lastNode"/>
+              </dgm:alg>
+              <dgm:shape xmlns:r="http://schemas.openxmlformats.org/officeDocument/2006/relationships" type="conn" r:blip="">
+                <dgm:adjLst/>
+              </dgm:shape>
+              <dgm:presOf axis="ch" ptType="sibTrans" st="-1" cnt="1"/>
+              <dgm:constrLst>
+                <dgm:constr type="h" refType="w" fact="0.62"/>
+                <dgm:constr type="connDist"/>
+                <dgm:constr type="begPad" refType="connDist" fact="0.25"/>
+                <dgm:constr type="endPad" refType="connDist" fact="0.22"/>
+              </dgm:constrLst>
+              <dgm:ruleLst/>
+              <dgm:layoutNode name="connectorText">
+                <dgm:alg type="tx">
+                  <dgm:param type="autoTxRot" val="grav"/>
+                </dgm:alg>
+                <dgm:shape xmlns:r="http://schemas.openxmlformats.org/officeDocument/2006/relationships" type="conn" r:blip="" hideGeom="1">
+                  <dgm:adjLst/>
+                </dgm:shape>
+                <dgm:presOf axis="ch desOrSelf" ptType="sibTrans sibTrans" st="-1 1" cnt="1 0"/>
+                <dgm:constrLst>
+                  <dgm:constr type="lMarg"/>
+                  <dgm:constr type="rMarg"/>
+                  <dgm:constr type="tMarg"/>
+                  <dgm:constr type="bMarg"/>
+                </dgm:constrLst>
+                <dgm:ruleLst>
+                  <dgm:rule type="primFontSz" val="5" fact="NaN" max="NaN"/>
+                </dgm:ruleLst>
+              </dgm:layoutNode>
+            </dgm:layoutNode>
+          </dgm:if>
+          <dgm:else name="Name18"/>
+        </dgm:choose>
+        <dgm:layoutNode name="lastNode">
+          <dgm:varLst>
+            <dgm:bulletEnabled val="1"/>
+          </dgm:varLst>
+          <dgm:alg type="tx">
+            <dgm:param type="txAnchorVertCh" val="mid"/>
+          </dgm:alg>
+          <dgm:shape xmlns:r="http://schemas.openxmlformats.org/officeDocument/2006/relationships" type="ellipse" r:blip="">
+            <dgm:adjLst/>
+          </dgm:shape>
+          <dgm:presOf axis="ch desOrSelf" ptType="node node" st="-1 1" cnt="1 0"/>
+          <dgm:constrLst>
+            <dgm:constr type="h" refType="w"/>
+            <dgm:constr type="tMarg" refType="primFontSz" fact="0.1"/>
+            <dgm:constr type="bMarg" refType="primFontSz" fact="0.1"/>
+            <dgm:constr type="lMarg" refType="primFontSz" fact="0.1"/>
+            <dgm:constr type="rMarg" refType="primFontSz" fact="0.1"/>
+          </dgm:constrLst>
+          <dgm:ruleLst>
+            <dgm:rule type="primFontSz" val="5" fact="NaN" max="NaN"/>
+          </dgm:ruleLst>
+        </dgm:layoutNode>
+      </dgm:if>
+      <dgm:else name="Name19"/>
+    </dgm:choose>
+  </dgm:layoutNode>
+</dgm:layoutDef>
+</file>
+
+<file path=ppt/diagrams/quickStyle1.xml><?xml version="1.0" encoding="utf-8"?>
+<dgm:styleDef xmlns:dgm="http://schemas.openxmlformats.org/drawingml/2006/diagram" xmlns:a="http://schemas.openxmlformats.org/drawingml/2006/main" uniqueId="urn:microsoft.com/office/officeart/2005/8/quickstyle/3d5">
+  <dgm:title val=""/>
+  <dgm:desc val=""/>
+  <dgm:catLst>
+    <dgm:cat type="3D" pri="11500"/>
+  </dgm:catLst>
+  <dgm:scene3d>
+    <a:camera prst="isometricOffAxis2Left" zoom="95000"/>
+    <a:lightRig rig="flat" dir="t"/>
+  </dgm:scene3d>
+  <dgm:styleLbl name="node0">
+    <dgm:scene3d>
+      <a:camera prst="orthographicFront"/>
+      <a:lightRig rig="threePt" dir="t"/>
+    </dgm:scene3d>
+    <dgm:sp3d extrusionH="381000" contourW="38100" prstMaterial="matte">
+      <a:contourClr>
+        <a:schemeClr val="lt1"/>
+      </a:contourClr>
+    </dgm:sp3d>
+    <dgm:txPr/>
+    <dgm:style>
+      <a:lnRef idx="0">
+        <a:scrgbClr r="0" g="0" b="0"/>
+      </a:lnRef>
+      <a:fillRef idx="1">
+        <a:scrgbClr r="0" g="0" b="0"/>
+      </a:fillRef>
+      <a:effectRef idx="0">
+        <a:scrgbClr r="0" g="0" b="0"/>
+      </a:effectRef>
+      <a:fontRef idx="minor">
+        <a:schemeClr val="lt1"/>
+      </a:fontRef>
+    </dgm:style>
+  </dgm:styleLbl>
+  <dgm:styleLbl name="lnNode1">
+    <dgm:scene3d>
+      <a:camera prst="orthographicFront"/>
+      <a:lightRig rig="threePt" dir="t"/>
+    </dgm:scene3d>
+    <dgm:sp3d extrusionH="381000" contourW="38100" prstMaterial="matte">
+      <a:contourClr>
+        <a:schemeClr val="lt1"/>
+      </a:contourClr>
+    </dgm:sp3d>
+    <dgm:txPr/>
+    <dgm:style>
+      <a:lnRef idx="0">
+        <a:scrgbClr r="0" g="0" b="0"/>
+      </a:lnRef>
+      <a:fillRef idx="1">
+        <a:scrgbClr r="0" g="0" b="0"/>
+      </a:fillRef>
+      <a:effectRef idx="0">
+        <a:scrgbClr r="0" g="0" b="0"/>
+      </a:effectRef>
+      <a:fontRef idx="minor">
+        <a:schemeClr val="lt1"/>
+      </a:fontRef>
+    </dgm:style>
+  </dgm:styleLbl>
+  <dgm:styleLbl name="vennNode1">
+    <dgm:scene3d>
+      <a:camera prst="orthographicFront"/>
+      <a:lightRig rig="threePt" dir="t"/>
+    </dgm:scene3d>
+    <dgm:sp3d extrusionH="381000" contourW="38100" prstMaterial="matte">
+      <a:contourClr>
+        <a:schemeClr val="lt1"/>
+      </a:contourClr>
+    </dgm:sp3d>
+    <dgm:txPr/>
+    <dgm:style>
+      <a:lnRef idx="0">
+        <a:scrgbClr r="0" g="0" b="0"/>
+      </a:lnRef>
+      <a:fillRef idx="1">
+        <a:scrgbClr r="0" g="0" b="0"/>
+      </a:fillRef>
+      <a:effectRef idx="0">
+        <a:scrgbClr r="0" g="0" b="0"/>
+      </a:effectRef>
+      <a:fontRef idx="minor">
+        <a:schemeClr val="tx1"/>
+      </a:fontRef>
+    </dgm:style>
+  </dgm:styleLbl>
+  <dgm:styleLbl name="alignNode1">
+    <dgm:scene3d>
+      <a:camera prst="orthographicFront"/>
+      <a:lightRig rig="threePt" dir="t"/>
+    </dgm:scene3d>
+    <dgm:sp3d extrusionH="381000" contourW="38100" prstMaterial="matte">
+      <a:contourClr>
+        <a:schemeClr val="lt1"/>
+      </a:contourClr>
+    </dgm:sp3d>
+    <dgm:txPr/>
+    <dgm:style>
+      <a:lnRef idx="1">
+        <a:scrgbClr r="0" g="0" b="0"/>
+      </a:lnRef>
+      <a:fillRef idx="1">
+        <a:scrgbClr r="0" g="0" b="0"/>
+      </a:fillRef>
+      <a:effectRef idx="0">
+        <a:scrgbClr r="0" g="0" b="0"/>
+      </a:effectRef>
+      <a:fontRef idx="minor">
+        <a:schemeClr val="lt1"/>
+      </a:fontRef>
+    </dgm:style>
+  </dgm:styleLbl>
+  <dgm:styleLbl name="node1">
+    <dgm:scene3d>
+      <a:camera prst="orthographicFront"/>
+      <a:lightRig rig="threePt" dir="t"/>
+    </dgm:scene3d>
+    <dgm:sp3d extrusionH="381000" contourW="38100" prstMaterial="matte">
+      <a:contourClr>
+        <a:schemeClr val="lt1"/>
+      </a:contourClr>
+    </dgm:sp3d>
+    <dgm:txPr/>
+    <dgm:style>
+      <a:lnRef idx="0">
+        <a:scrgbClr r="0" g="0" b="0"/>
+      </a:lnRef>
+      <a:fillRef idx="1">
+        <a:scrgbClr r="0" g="0" b="0"/>
+      </a:fillRef>
+      <a:effectRef idx="0">
+        <a:scrgbClr r="0" g="0" b="0"/>
+      </a:effectRef>
+      <a:fontRef idx="minor">
+        <a:schemeClr val="lt1"/>
+      </a:fontRef>
+    </dgm:style>
+  </dgm:styleLbl>
+  <dgm:styleLbl name="node2">
+    <dgm:scene3d>
+      <a:camera prst="orthographicFront"/>
+      <a:lightRig rig="threePt" dir="t"/>
+    </dgm:scene3d>
+    <dgm:sp3d extrusionH="381000" contourW="38100" prstMaterial="matte">
+      <a:contourClr>
+        <a:schemeClr val="lt1"/>
+      </a:contourClr>
+    </dgm:sp3d>
+    <dgm:txPr/>
+    <dgm:style>
+      <a:lnRef idx="0">
+        <a:scrgbClr r="0" g="0" b="0"/>
+      </a:lnRef>
+      <a:fillRef idx="1">
+        <a:scrgbClr r="0" g="0" b="0"/>
+      </a:fillRef>
+      <a:effectRef idx="0">
+        <a:scrgbClr r="0" g="0" b="0"/>
+      </a:effectRef>
+      <a:fontRef idx="minor">
+        <a:schemeClr val="lt1"/>
+      </a:fontRef>
+    </dgm:style>
+  </dgm:styleLbl>
+  <dgm:styleLbl name="node3">
+    <dgm:scene3d>
+      <a:camera prst="orthographicFront"/>
+      <a:lightRig rig="threePt" dir="t"/>
+    </dgm:scene3d>
+    <dgm:sp3d extrusionH="381000" contourW="38100" prstMaterial="matte">
+      <a:contourClr>
+        <a:schemeClr val="lt1"/>
+      </a:contourClr>
+    </dgm:sp3d>
+    <dgm:txPr/>
+    <dgm:style>
+      <a:lnRef idx="0">
+        <a:scrgbClr r="0" g="0" b="0"/>
+      </a:lnRef>
+      <a:fillRef idx="1">
+        <a:scrgbClr r="0" g="0" b="0"/>
+      </a:fillRef>
+      <a:effectRef idx="0">
+        <a:scrgbClr r="0" g="0" b="0"/>
+      </a:effectRef>
+      <a:fontRef idx="minor">
+        <a:schemeClr val="lt1"/>
+      </a:fontRef>
+    </dgm:style>
+  </dgm:styleLbl>
+  <dgm:styleLbl name="node4">
+    <dgm:scene3d>
+      <a:camera prst="orthographicFront"/>
+      <a:lightRig rig="threePt" dir="t"/>
+    </dgm:scene3d>
+    <dgm:sp3d extrusionH="381000" contourW="38100" prstMaterial="matte">
+      <a:contourClr>
+        <a:schemeClr val="lt1"/>
+      </a:contourClr>
+    </dgm:sp3d>
+    <dgm:txPr/>
+    <dgm:style>
+      <a:lnRef idx="0">
+        <a:scrgbClr r="0" g="0" b="0"/>
+      </a:lnRef>
+      <a:fillRef idx="1">
+        <a:scrgbClr r="0" g="0" b="0"/>
+      </a:fillRef>
+      <a:effectRef idx="0">
+        <a:scrgbClr r="0" g="0" b="0"/>
+      </a:effectRef>
+      <a:fontRef idx="minor">
+        <a:schemeClr val="lt1"/>
+      </a:fontRef>
+    </dgm:style>
+  </dgm:styleLbl>
+  <dgm:styleLbl name="fgImgPlace1">
+    <dgm:scene3d>
+      <a:camera prst="orthographicFront"/>
+      <a:lightRig rig="threePt" dir="t"/>
+    </dgm:scene3d>
+    <dgm:sp3d z="57150" extrusionH="63500" contourW="12700" prstMaterial="matte">
+      <a:contourClr>
+        <a:schemeClr val="lt1"/>
+      </a:contourClr>
+    </dgm:sp3d>
+    <dgm:txPr/>
+    <dgm:style>
+      <a:lnRef idx="0">
+        <a:scrgbClr r="0" g="0" b="0"/>
+      </a:lnRef>
+      <a:fillRef idx="1">
+        <a:scrgbClr r="0" g="0" b="0"/>
+      </a:fillRef>
+      <a:effectRef idx="0">
+        <a:scrgbClr r="0" g="0" b="0"/>
+      </a:effectRef>
+      <a:fontRef idx="minor"/>
+    </dgm:style>
+  </dgm:styleLbl>
+  <dgm:styleLbl name="alignImgPlace1">
+    <dgm:scene3d>
+      <a:camera prst="orthographicFront"/>
+      <a:lightRig rig="threePt" dir="t"/>
+    </dgm:scene3d>
+    <dgm:sp3d extrusionH="63500" contourW="12700" prstMaterial="matte">
+      <a:contourClr>
+        <a:schemeClr val="lt1"/>
+      </a:contourClr>
+    </dgm:sp3d>
+    <dgm:txPr/>
+    <dgm:style>
+      <a:lnRef idx="0">
+        <a:scrgbClr r="0" g="0" b="0"/>
+      </a:lnRef>
+      <a:fillRef idx="1">
+        <a:scrgbClr r="0" g="0" b="0"/>
+      </a:fillRef>
+      <a:effectRef idx="0">
+        <a:scrgbClr r="0" g="0" b="0"/>
+      </a:effectRef>
+      <a:fontRef idx="minor"/>
+    </dgm:style>
+  </dgm:styleLbl>
+  <dgm:styleLbl name="bgImgPlace1">
+    <dgm:scene3d>
+      <a:camera prst="orthographicFront"/>
+      <a:lightRig rig="threePt" dir="t"/>
+    </dgm:scene3d>
+    <dgm:sp3d z="-381000" extrusionH="63500" contourW="12700" prstMaterial="matte">
+      <a:contourClr>
+        <a:schemeClr val="lt1"/>
+      </a:contourClr>
+    </dgm:sp3d>
+    <dgm:txPr/>
+    <dgm:style>
+      <a:lnRef idx="0">
+        <a:scrgbClr r="0" g="0" b="0"/>
+      </a:lnRef>
+      <a:fillRef idx="1">
+        <a:scrgbClr r="0" g="0" b="0"/>
+      </a:fillRef>
+      <a:effectRef idx="0">
+        <a:scrgbClr r="0" g="0" b="0"/>
+      </a:effectRef>
+      <a:fontRef idx="minor"/>
+    </dgm:style>
+  </dgm:styleLbl>
+  <dgm:styleLbl name="sibTrans2D1">
+    <dgm:scene3d>
+      <a:camera prst="orthographicFront"/>
+      <a:lightRig rig="threePt" dir="t"/>
+    </dgm:scene3d>
+    <dgm:sp3d z="-52400" extrusionH="181000" contourW="38100" prstMaterial="matte">
+      <a:contourClr>
+        <a:schemeClr val="lt1"/>
+      </a:contourClr>
+    </dgm:sp3d>
+    <dgm:txPr/>
+    <dgm:style>
+      <a:lnRef idx="0">
+        <a:scrgbClr r="0" g="0" b="0"/>
+      </a:lnRef>
+      <a:fillRef idx="1">
+        <a:scrgbClr r="0" g="0" b="0"/>
+      </a:fillRef>
+      <a:effectRef idx="0">
+        <a:scrgbClr r="0" g="0" b="0"/>
+      </a:effectRef>
+      <a:fontRef idx="minor">
+        <a:schemeClr val="lt1"/>
+      </a:fontRef>
+    </dgm:style>
+  </dgm:styleLbl>
+  <dgm:styleLbl name="fgSibTrans2D1">
+    <dgm:scene3d>
+      <a:camera prst="orthographicFront"/>
+      <a:lightRig rig="threePt" dir="t"/>
+    </dgm:scene3d>
+    <dgm:sp3d z="57150" extrusionH="63500" contourW="12700" prstMaterial="matte">
+      <a:contourClr>
+        <a:schemeClr val="dk1">
+          <a:tint val="20000"/>
+        </a:schemeClr>
+      </a:contourClr>
+    </dgm:sp3d>
+    <dgm:txPr/>
+    <dgm:style>
+      <a:lnRef idx="0">
+        <a:scrgbClr r="0" g="0" b="0"/>
+      </a:lnRef>
+      <a:fillRef idx="1">
+        <a:scrgbClr r="0" g="0" b="0"/>
+      </a:fillRef>
+      <a:effectRef idx="0">
+        <a:scrgbClr r="0" g="0" b="0"/>
+      </a:effectRef>
+      <a:fontRef idx="minor">
+        <a:schemeClr val="lt1"/>
+      </a:fontRef>
+    </dgm:style>
+  </dgm:styleLbl>
+  <dgm:styleLbl name="bgSibTrans2D1">
+    <dgm:scene3d>
+      <a:camera prst="orthographicFront"/>
+      <a:lightRig rig="threePt" dir="t"/>
+    </dgm:scene3d>
+    <dgm:sp3d z="-381000" extrusionH="63500" contourW="12700" prstMaterial="matte">
+      <a:contourClr>
+        <a:schemeClr val="dk1">
+          <a:tint val="20000"/>
+        </a:schemeClr>
+      </a:contourClr>
+    </dgm:sp3d>
+    <dgm:txPr/>
+    <dgm:style>
+      <a:lnRef idx="0">
+        <a:scrgbClr r="0" g="0" b="0"/>
+      </a:lnRef>
+      <a:fillRef idx="1">
+        <a:scrgbClr r="0" g="0" b="0"/>
+      </a:fillRef>
+      <a:effectRef idx="0">
+        <a:scrgbClr r="0" g="0" b="0"/>
+      </a:effectRef>
+      <a:fontRef idx="minor">
+        <a:schemeClr val="lt1"/>
+      </a:fontRef>
+    </dgm:style>
+  </dgm:styleLbl>
+  <dgm:styleLbl name="sibTrans1D1">
+    <dgm:scene3d>
+      <a:camera prst="orthographicFront"/>
+      <a:lightRig rig="threePt" dir="t"/>
+    </dgm:scene3d>
+    <dgm:sp3d z="-40000" prstMaterial="matte"/>
+    <dgm:txPr/>
+    <dgm:style>
+      <a:lnRef idx="1">
+        <a:scrgbClr r="0" g="0" b="0"/>
+      </a:lnRef>
+      <a:fillRef idx="0">
+        <a:scrgbClr r="0" g="0" b="0"/>
+      </a:fillRef>
+      <a:effectRef idx="0">
+        <a:scrgbClr r="0" g="0" b="0"/>
+      </a:effectRef>
+      <a:fontRef idx="minor"/>
+    </dgm:style>
+  </dgm:styleLbl>
+  <dgm:styleLbl name="callout">
+    <dgm:scene3d>
+      <a:camera prst="orthographicFront"/>
+      <a:lightRig rig="threePt" dir="t"/>
+    </dgm:scene3d>
+    <dgm:sp3d z="127000" prstMaterial="matte"/>
+    <dgm:txPr/>
+    <dgm:style>
+      <a:lnRef idx="2">
+        <a:scrgbClr r="0" g="0" b="0"/>
+      </a:lnRef>
+      <a:fillRef idx="1">
+        <a:scrgbClr r="0" g="0" b="0"/>
+      </a:fillRef>
+      <a:effectRef idx="0">
+        <a:scrgbClr r="0" g="0" b="0"/>
+      </a:effectRef>
+      <a:fontRef idx="minor"/>
+    </dgm:style>
+  </dgm:styleLbl>
+  <dgm:styleLbl name="asst0">
+    <dgm:scene3d>
+      <a:camera prst="orthographicFront"/>
+      <a:lightRig rig="threePt" dir="t"/>
+    </dgm:scene3d>
+    <dgm:sp3d extrusionH="381000" contourW="38100" prstMaterial="matte">
+      <a:contourClr>
+        <a:schemeClr val="lt1"/>
+      </a:contourClr>
+    </dgm:sp3d>
+    <dgm:txPr/>
+    <dgm:style>
+      <a:lnRef idx="0">
+        <a:scrgbClr r="0" g="0" b="0"/>
+      </a:lnRef>
+      <a:fillRef idx="1">
+        <a:scrgbClr r="0" g="0" b="0"/>
+      </a:fillRef>
+      <a:effectRef idx="0">
+        <a:scrgbClr r="0" g="0" b="0"/>
+      </a:effectRef>
+      <a:fontRef idx="minor">
+        <a:schemeClr val="lt1"/>
+      </a:fontRef>
+    </dgm:style>
+  </dgm:styleLbl>
+  <dgm:styleLbl name="asst1">
+    <dgm:scene3d>
+      <a:camera prst="orthographicFront"/>
+      <a:lightRig rig="threePt" dir="t"/>
+    </dgm:scene3d>
+    <dgm:sp3d extrusionH="381000" contourW="38100" prstMaterial="matte">
+      <a:contourClr>
+        <a:schemeClr val="lt1"/>
+      </a:contourClr>
+    </dgm:sp3d>
+    <dgm:txPr/>
+    <dgm:style>
+      <a:lnRef idx="0">
+        <a:scrgbClr r="0" g="0" b="0"/>
+      </a:lnRef>
+      <a:fillRef idx="1">
+        <a:scrgbClr r="0" g="0" b="0"/>
+      </a:fillRef>
+      <a:effectRef idx="0">
+        <a:scrgbClr r="0" g="0" b="0"/>
+      </a:effectRef>
+      <a:fontRef idx="minor">
+        <a:schemeClr val="lt1"/>
+      </a:fontRef>
+    </dgm:style>
+  </dgm:styleLbl>
+  <dgm:styleLbl name="asst2">
+    <dgm:scene3d>
+      <a:camera prst="orthographicFront"/>
+      <a:lightRig rig="threePt" dir="t"/>
+    </dgm:scene3d>
+    <dgm:sp3d extrusionH="381000" contourW="38100" prstMaterial="matte">
+      <a:contourClr>
+        <a:schemeClr val="lt1"/>
+      </a:contourClr>
+    </dgm:sp3d>
+    <dgm:txPr/>
+    <dgm:style>
+      <a:lnRef idx="0">
+        <a:scrgbClr r="0" g="0" b="0"/>
+      </a:lnRef>
+      <a:fillRef idx="1">
+        <a:scrgbClr r="0" g="0" b="0"/>
+      </a:fillRef>
+      <a:effectRef idx="0">
+        <a:scrgbClr r="0" g="0" b="0"/>
+      </a:effectRef>
+      <a:fontRef idx="minor">
+        <a:schemeClr val="lt1"/>
+      </a:fontRef>
+    </dgm:style>
+  </dgm:styleLbl>
+  <dgm:styleLbl name="asst3">
+    <dgm:scene3d>
+      <a:camera prst="orthographicFront"/>
+      <a:lightRig rig="threePt" dir="t"/>
+    </dgm:scene3d>
+    <dgm:sp3d extrusionH="381000" contourW="38100" prstMaterial="matte">
+      <a:contourClr>
+        <a:schemeClr val="lt1"/>
+      </a:contourClr>
+    </dgm:sp3d>
+    <dgm:txPr/>
+    <dgm:style>
+      <a:lnRef idx="0">
+        <a:scrgbClr r="0" g="0" b="0"/>
+      </a:lnRef>
+      <a:fillRef idx="1">
+        <a:scrgbClr r="0" g="0" b="0"/>
+      </a:fillRef>
+      <a:effectRef idx="0">
+        <a:scrgbClr r="0" g="0" b="0"/>
+      </a:effectRef>
+      <a:fontRef idx="minor">
+        <a:schemeClr val="lt1"/>
+      </a:fontRef>
+    </dgm:style>
+  </dgm:styleLbl>
+  <dgm:styleLbl name="parChTrans2D1">
+    <dgm:scene3d>
+      <a:camera prst="orthographicFront"/>
+      <a:lightRig rig="threePt" dir="t"/>
+    </dgm:scene3d>
+    <dgm:sp3d z="52400" extrusionH="381000" contourW="38100" prstMaterial="matte">
+      <a:contourClr>
+        <a:schemeClr val="lt1"/>
+      </a:contourClr>
+    </dgm:sp3d>
+    <dgm:txPr/>
+    <dgm:style>
+      <a:lnRef idx="0">
+        <a:scrgbClr r="0" g="0" b="0"/>
+      </a:lnRef>
+      <a:fillRef idx="1">
+        <a:scrgbClr r="0" g="0" b="0"/>
+      </a:fillRef>
+      <a:effectRef idx="0">
+        <a:scrgbClr r="0" g="0" b="0"/>
+      </a:effectRef>
+      <a:fontRef idx="minor">
+        <a:schemeClr val="lt1"/>
+      </a:fontRef>
+    </dgm:style>
+  </dgm:styleLbl>
+  <dgm:styleLbl name="parChTrans2D2">
+    <dgm:scene3d>
+      <a:camera prst="orthographicFront"/>
+      <a:lightRig rig="threePt" dir="t"/>
+    </dgm:scene3d>
+    <dgm:sp3d z="52400" extrusionH="381000" contourW="38100" prstMaterial="matte">
+      <a:contourClr>
+        <a:schemeClr val="lt1"/>
+      </a:contourClr>
+    </dgm:sp3d>
+    <dgm:txPr/>
+    <dgm:style>
+      <a:lnRef idx="0">
+        <a:scrgbClr r="0" g="0" b="0"/>
+      </a:lnRef>
+      <a:fillRef idx="1">
+        <a:scrgbClr r="0" g="0" b="0"/>
+      </a:fillRef>
+      <a:effectRef idx="0">
+        <a:scrgbClr r="0" g="0" b="0"/>
+      </a:effectRef>
+      <a:fontRef idx="minor">
+        <a:schemeClr val="lt1"/>
+      </a:fontRef>
+    </dgm:style>
+  </dgm:styleLbl>
+  <dgm:styleLbl name="parChTrans2D3">
+    <dgm:scene3d>
+      <a:camera prst="orthographicFront"/>
+      <a:lightRig rig="threePt" dir="t"/>
+    </dgm:scene3d>
+    <dgm:sp3d z="60000" prstMaterial="flat">
+      <a:bevelT w="120900" h="88900"/>
+      <a:bevelB w="88900" h="31750" prst="angle"/>
+    </dgm:sp3d>
+    <dgm:txPr/>
+    <dgm:style>
+      <a:lnRef idx="0">
+        <a:scrgbClr r="0" g="0" b="0"/>
+      </a:lnRef>
+      <a:fillRef idx="3">
+        <a:scrgbClr r="0" g="0" b="0"/>
+      </a:fillRef>
+      <a:effectRef idx="1">
+        <a:scrgbClr r="0" g="0" b="0"/>
+      </a:effectRef>
+      <a:fontRef idx="minor">
+        <a:schemeClr val="lt1"/>
+      </a:fontRef>
+    </dgm:style>
+  </dgm:styleLbl>
+  <dgm:styleLbl name="parChTrans2D4">
+    <dgm:scene3d>
+      <a:camera prst="orthographicFront"/>
+      <a:lightRig rig="threePt" dir="t"/>
+    </dgm:scene3d>
+    <dgm:sp3d z="60000" prstMaterial="flat">
+      <a:bevelT w="120900" h="88900"/>
+      <a:bevelB w="88900" h="31750" prst="angle"/>
+    </dgm:sp3d>
+    <dgm:txPr/>
+    <dgm:style>
+      <a:lnRef idx="0">
+        <a:scrgbClr r="0" g="0" b="0"/>
+      </a:lnRef>
+      <a:fillRef idx="3">
+        <a:scrgbClr r="0" g="0" b="0"/>
+      </a:fillRef>
+      <a:effectRef idx="1">
+        <a:scrgbClr r="0" g="0" b="0"/>
+      </a:effectRef>
+      <a:fontRef idx="minor">
+        <a:schemeClr val="lt1"/>
+      </a:fontRef>
+    </dgm:style>
+  </dgm:styleLbl>
+  <dgm:styleLbl name="parChTrans1D1">
+    <dgm:scene3d>
+      <a:camera prst="orthographicFront"/>
+      <a:lightRig rig="threePt" dir="t"/>
+    </dgm:scene3d>
+    <dgm:sp3d z="-40000" prstMaterial="matte"/>
+    <dgm:txPr/>
+    <dgm:style>
+      <a:lnRef idx="2">
+        <a:scrgbClr r="0" g="0" b="0"/>
+      </a:lnRef>
+      <a:fillRef idx="0">
+        <a:scrgbClr r="0" g="0" b="0"/>
+      </a:fillRef>
+      <a:effectRef idx="0">
+        <a:scrgbClr r="0" g="0" b="0"/>
+      </a:effectRef>
+      <a:fontRef idx="minor"/>
+    </dgm:style>
+  </dgm:styleLbl>
+  <dgm:styleLbl name="parChTrans1D2">
+    <dgm:scene3d>
+      <a:camera prst="orthographicFront"/>
+      <a:lightRig rig="threePt" dir="t"/>
+    </dgm:scene3d>
+    <dgm:sp3d z="-40000" prstMaterial="matte"/>
+    <dgm:txPr/>
+    <dgm:style>
+      <a:lnRef idx="2">
+        <a:scrgbClr r="0" g="0" b="0"/>
+      </a:lnRef>
+      <a:fillRef idx="0">
+        <a:scrgbClr r="0" g="0" b="0"/>
+      </a:fillRef>
+      <a:effectRef idx="0">
+        <a:scrgbClr r="0" g="0" b="0"/>
+      </a:effectRef>
+      <a:fontRef idx="minor"/>
+    </dgm:style>
+  </dgm:styleLbl>
+  <dgm:styleLbl name="parChTrans1D3">
+    <dgm:scene3d>
+      <a:camera prst="orthographicFront"/>
+      <a:lightRig rig="threePt" dir="t"/>
+    </dgm:scene3d>
+    <dgm:sp3d z="-40000" prstMaterial="matte"/>
+    <dgm:txPr/>
+    <dgm:style>
+      <a:lnRef idx="2">
+        <a:scrgbClr r="0" g="0" b="0"/>
+      </a:lnRef>
+      <a:fillRef idx="0">
+        <a:scrgbClr r="0" g="0" b="0"/>
+      </a:fillRef>
+      <a:effectRef idx="0">
+        <a:scrgbClr r="0" g="0" b="0"/>
+      </a:effectRef>
+      <a:fontRef idx="minor"/>
+    </dgm:style>
+  </dgm:styleLbl>
+  <dgm:styleLbl name="parChTrans1D4">
+    <dgm:scene3d>
+      <a:camera prst="orthographicFront"/>
+      <a:lightRig rig="threePt" dir="t"/>
+    </dgm:scene3d>
+    <dgm:sp3d z="-40000" prstMaterial="matte"/>
+    <dgm:txPr/>
+    <dgm:style>
+      <a:lnRef idx="2">
+        <a:scrgbClr r="0" g="0" b="0"/>
+      </a:lnRef>
+      <a:fillRef idx="0">
+        <a:scrgbClr r="0" g="0" b="0"/>
+      </a:fillRef>
+      <a:effectRef idx="0">
+        <a:scrgbClr r="0" g="0" b="0"/>
+      </a:effectRef>
+      <a:fontRef idx="minor"/>
+    </dgm:style>
+  </dgm:styleLbl>
+  <dgm:styleLbl name="fgAcc1">
+    <dgm:scene3d>
+      <a:camera prst="orthographicFront"/>
+      <a:lightRig rig="threePt" dir="t"/>
+    </dgm:scene3d>
+    <dgm:sp3d z="57150" extrusionH="63500" prstMaterial="matte"/>
+    <dgm:txPr/>
+    <dgm:style>
+      <a:lnRef idx="1">
+        <a:scrgbClr r="0" g="0" b="0"/>
+      </a:lnRef>
+      <a:fillRef idx="1">
+        <a:scrgbClr r="0" g="0" b="0"/>
+      </a:fillRef>
+      <a:effectRef idx="0">
+        <a:scrgbClr r="0" g="0" b="0"/>
+      </a:effectRef>
+      <a:fontRef idx="minor"/>
+    </dgm:style>
+  </dgm:styleLbl>
+  <dgm:styleLbl name="conFgAcc1">
+    <dgm:scene3d>
+      <a:camera prst="orthographicFront"/>
+      <a:lightRig rig="threePt" dir="t"/>
+    </dgm:scene3d>
+    <dgm:sp3d z="-60000" extrusionH="63500" prstMaterial="matte"/>
+    <dgm:txPr/>
+    <dgm:style>
+      <a:lnRef idx="1">
+        <a:scrgbClr r="0" g="0" b="0"/>
+      </a:lnRef>
+      <a:fillRef idx="1">
+        <a:scrgbClr r="0" g="0" b="0"/>
+      </a:fillRef>
+      <a:effectRef idx="0">
+        <a:scrgbClr r="0" g="0" b="0"/>
+      </a:effectRef>
+      <a:fontRef idx="minor"/>
+    </dgm:style>
+  </dgm:styleLbl>
+  <dgm:styleLbl name="alignAcc1">
+    <dgm:scene3d>
+      <a:camera prst="orthographicFront"/>
+      <a:lightRig rig="threePt" dir="t"/>
+    </dgm:scene3d>
+    <dgm:sp3d z="-60000" extrusionH="63500" prstMaterial="matte"/>
+    <dgm:txPr/>
+    <dgm:style>
+      <a:lnRef idx="1">
+        <a:scrgbClr r="0" g="0" b="0"/>
+      </a:lnRef>
+      <a:fillRef idx="1">
+        <a:scrgbClr r="0" g="0" b="0"/>
+      </a:fillRef>
+      <a:effectRef idx="0">
+        <a:scrgbClr r="0" g="0" b="0"/>
+      </a:effectRef>
+      <a:fontRef idx="minor"/>
+    </dgm:style>
+  </dgm:styleLbl>
+  <dgm:styleLbl name="trAlignAcc1">
+    <dgm:scene3d>
+      <a:camera prst="orthographicFront"/>
+      <a:lightRig rig="threePt" dir="t"/>
+    </dgm:scene3d>
+    <dgm:sp3d extrusionH="381000" prstMaterial="matte"/>
+    <dgm:txPr/>
+    <dgm:style>
+      <a:lnRef idx="1">
+        <a:scrgbClr r="0" g="0" b="0"/>
+      </a:lnRef>
+      <a:fillRef idx="1">
+        <a:scrgbClr r="0" g="0" b="0"/>
+      </a:fillRef>
+      <a:effectRef idx="0">
+        <a:scrgbClr r="0" g="0" b="0"/>
+      </a:effectRef>
+      <a:fontRef idx="minor"/>
+    </dgm:style>
+  </dgm:styleLbl>
+  <dgm:styleLbl name="bgAcc1">
+    <dgm:scene3d>
+      <a:camera prst="orthographicFront"/>
+      <a:lightRig rig="threePt" dir="t"/>
+    </dgm:scene3d>
+    <dgm:sp3d z="-400500" extrusionH="63500" prstMaterial="matte"/>
+    <dgm:txPr/>
+    <dgm:style>
+      <a:lnRef idx="1">
+        <a:scrgbClr r="0" g="0" b="0"/>
+      </a:lnRef>
+      <a:fillRef idx="1">
+        <a:scrgbClr r="0" g="0" b="0"/>
+      </a:fillRef>
+      <a:effectRef idx="0">
+        <a:scrgbClr r="0" g="0" b="0"/>
+      </a:effectRef>
+      <a:fontRef idx="minor"/>
+    </dgm:style>
+  </dgm:styleLbl>
+  <dgm:styleLbl name="solidFgAcc1">
+    <dgm:scene3d>
+      <a:camera prst="orthographicFront"/>
+      <a:lightRig rig="threePt" dir="t"/>
+    </dgm:scene3d>
+    <dgm:sp3d z="57150" extrusionH="12700" prstMaterial="flat">
+      <a:bevelT w="50800" h="50800"/>
+    </dgm:sp3d>
+    <dgm:txPr/>
+    <dgm:style>
+      <a:lnRef idx="1">
+        <a:scrgbClr r="0" g="0" b="0"/>
+      </a:lnRef>
+      <a:fillRef idx="1">
+        <a:scrgbClr r="0" g="0" b="0"/>
+      </a:fillRef>
+      <a:effectRef idx="2">
+        <a:scrgbClr r="0" g="0" b="0"/>
+      </a:effectRef>
+      <a:fontRef idx="minor"/>
+    </dgm:style>
+  </dgm:styleLbl>
+  <dgm:styleLbl name="solidAlignAcc1">
+    <dgm:scene3d>
+      <a:camera prst="orthographicFront"/>
+      <a:lightRig rig="threePt" dir="t"/>
+    </dgm:scene3d>
+    <dgm:sp3d extrusionH="12700" prstMaterial="flat">
+      <a:bevelT w="50800" h="50800"/>
+    </dgm:sp3d>
+    <dgm:txPr/>
+    <dgm:style>
+      <a:lnRef idx="1">
+        <a:scrgbClr r="0" g="0" b="0"/>
+      </a:lnRef>
+      <a:fillRef idx="1">
+        <a:scrgbClr r="0" g="0" b="0"/>
+      </a:fillRef>
+      <a:effectRef idx="2">
+        <a:scrgbClr r="0" g="0" b="0"/>
+      </a:effectRef>
+      <a:fontRef idx="minor"/>
+    </dgm:style>
+  </dgm:styleLbl>
+  <dgm:styleLbl name="solidBgAcc1">
+    <dgm:scene3d>
+      <a:camera prst="orthographicFront"/>
+      <a:lightRig rig="threePt" dir="t"/>
+    </dgm:scene3d>
+    <dgm:sp3d z="-63500" extrusionH="63500" prstMaterial="matte"/>
+    <dgm:txPr/>
+    <dgm:style>
+      <a:lnRef idx="1">
+        <a:scrgbClr r="0" g="0" b="0"/>
+      </a:lnRef>
+      <a:fillRef idx="1">
+        <a:scrgbClr r="0" g="0" b="0"/>
+      </a:fillRef>
+      <a:effectRef idx="0">
+        <a:scrgbClr r="0" g="0" b="0"/>
+      </a:effectRef>
+      <a:fontRef idx="minor"/>
+    </dgm:style>
+  </dgm:styleLbl>
+  <dgm:styleLbl name="fgAccFollowNode1">
+    <dgm:scene3d>
+      <a:camera prst="orthographicFront"/>
+      <a:lightRig rig="threePt" dir="t"/>
+    </dgm:scene3d>
+    <dgm:sp3d z="57150" extrusionH="63500" contourW="12700" prstMaterial="matte">
+      <a:contourClr>
+        <a:schemeClr val="dk1">
+          <a:tint val="20000"/>
+        </a:schemeClr>
+      </a:contourClr>
+    </dgm:sp3d>
+    <dgm:txPr/>
+    <dgm:style>
+      <a:lnRef idx="0">
+        <a:scrgbClr r="0" g="0" b="0"/>
+      </a:lnRef>
+      <a:fillRef idx="1">
+        <a:scrgbClr r="0" g="0" b="0"/>
+      </a:fillRef>
+      <a:effectRef idx="0">
+        <a:scrgbClr r="0" g="0" b="0"/>
+      </a:effectRef>
+      <a:fontRef idx="minor"/>
+    </dgm:style>
+  </dgm:styleLbl>
+  <dgm:styleLbl name="alignAccFollowNode1">
+    <dgm:scene3d>
+      <a:camera prst="orthographicFront"/>
+      <a:lightRig rig="threePt" dir="t"/>
+    </dgm:scene3d>
+    <dgm:sp3d extrusionH="381000" contourW="38100" prstMaterial="matte">
+      <a:contourClr>
+        <a:schemeClr val="lt1"/>
+      </a:contourClr>
+    </dgm:sp3d>
+    <dgm:txPr/>
+    <dgm:style>
+      <a:lnRef idx="0">
+        <a:scrgbClr r="0" g="0" b="0"/>
+      </a:lnRef>
+      <a:fillRef idx="1">
+        <a:scrgbClr r="0" g="0" b="0"/>
+      </a:fillRef>
+      <a:effectRef idx="0">
+        <a:scrgbClr r="0" g="0" b="0"/>
+      </a:effectRef>
+      <a:fontRef idx="minor"/>
+    </dgm:style>
+  </dgm:styleLbl>
+  <dgm:styleLbl name="bgAccFollowNode1">
+    <dgm:scene3d>
+      <a:camera prst="orthographicFront"/>
+      <a:lightRig rig="threePt" dir="t"/>
+    </dgm:scene3d>
+    <dgm:sp3d z="-400500" extrusionH="63500" contourW="12700" prstMaterial="matte">
+      <a:contourClr>
+        <a:schemeClr val="lt1"/>
+      </a:contourClr>
+    </dgm:sp3d>
+    <dgm:txPr/>
+    <dgm:style>
+      <a:lnRef idx="0">
+        <a:scrgbClr r="0" g="0" b="0"/>
+      </a:lnRef>
+      <a:fillRef idx="1">
+        <a:scrgbClr r="0" g="0" b="0"/>
+      </a:fillRef>
+      <a:effectRef idx="2">
+        <a:scrgbClr r="0" g="0" b="0"/>
+      </a:effectRef>
+      <a:fontRef idx="minor"/>
+    </dgm:style>
+  </dgm:styleLbl>
+  <dgm:styleLbl name="fgAcc0">
+    <dgm:scene3d>
+      <a:camera prst="orthographicFront"/>
+      <a:lightRig rig="threePt" dir="t"/>
+    </dgm:scene3d>
+    <dgm:sp3d z="57150" extrusionH="63500" prstMaterial="matte"/>
+    <dgm:txPr/>
+    <dgm:style>
+      <a:lnRef idx="1">
+        <a:scrgbClr r="0" g="0" b="0"/>
+      </a:lnRef>
+      <a:fillRef idx="1">
+        <a:scrgbClr r="0" g="0" b="0"/>
+      </a:fillRef>
+      <a:effectRef idx="0">
+        <a:scrgbClr r="0" g="0" b="0"/>
+      </a:effectRef>
+      <a:fontRef idx="minor"/>
+    </dgm:style>
+  </dgm:styleLbl>
+  <dgm:styleLbl name="fgAcc2">
+    <dgm:scene3d>
+      <a:camera prst="orthographicFront"/>
+      <a:lightRig rig="threePt" dir="t"/>
+    </dgm:scene3d>
+    <dgm:sp3d z="57150" extrusionH="63500" prstMaterial="matte"/>
+    <dgm:txPr/>
+    <dgm:style>
+      <a:lnRef idx="1">
+        <a:scrgbClr r="0" g="0" b="0"/>
+      </a:lnRef>
+      <a:fillRef idx="1">
+        <a:scrgbClr r="0" g="0" b="0"/>
+      </a:fillRef>
+      <a:effectRef idx="0">
+        <a:scrgbClr r="0" g="0" b="0"/>
+      </a:effectRef>
+      <a:fontRef idx="minor"/>
+    </dgm:style>
+  </dgm:styleLbl>
+  <dgm:styleLbl name="fgAcc3">
+    <dgm:scene3d>
+      <a:camera prst="orthographicFront"/>
+      <a:lightRig rig="threePt" dir="t"/>
+    </dgm:scene3d>
+    <dgm:sp3d z="57150" extrusionH="63500" prstMaterial="matte"/>
+    <dgm:txPr/>
+    <dgm:style>
+      <a:lnRef idx="1">
+        <a:scrgbClr r="0" g="0" b="0"/>
+      </a:lnRef>
+      <a:fillRef idx="1">
+        <a:scrgbClr r="0" g="0" b="0"/>
+      </a:fillRef>
+      <a:effectRef idx="0">
+        <a:scrgbClr r="0" g="0" b="0"/>
+      </a:effectRef>
+      <a:fontRef idx="minor"/>
+    </dgm:style>
+  </dgm:styleLbl>
+  <dgm:styleLbl name="fgAcc4">
+    <dgm:scene3d>
+      <a:camera prst="orthographicFront"/>
+      <a:lightRig rig="threePt" dir="t"/>
+    </dgm:scene3d>
+    <dgm:sp3d z="57150" extrusionH="63500" prstMaterial="matte"/>
+    <dgm:txPr/>
+    <dgm:style>
+      <a:lnRef idx="1">
+        <a:scrgbClr r="0" g="0" b="0"/>
+      </a:lnRef>
+      <a:fillRef idx="1">
+        <a:scrgbClr r="0" g="0" b="0"/>
+      </a:fillRef>
+      <a:effectRef idx="0">
+        <a:scrgbClr r="0" g="0" b="0"/>
+      </a:effectRef>
+      <a:fontRef idx="minor"/>
+    </dgm:style>
+  </dgm:styleLbl>
+  <dgm:styleLbl name="bgShp">
+    <dgm:scene3d>
+      <a:camera prst="orthographicFront"/>
+      <a:lightRig rig="threePt" dir="t"/>
+    </dgm:scene3d>
+    <dgm:sp3d z="-400500" extrusionH="63500" contourW="12700" prstMaterial="matte">
+      <a:contourClr>
+        <a:schemeClr val="lt1">
+          <a:tint val="50000"/>
+        </a:schemeClr>
+      </a:contourClr>
+    </dgm:sp3d>
+    <dgm:txPr/>
+    <dgm:style>
+      <a:lnRef idx="0">
+        <a:scrgbClr r="0" g="0" b="0"/>
+      </a:lnRef>
+      <a:fillRef idx="1">
+        <a:scrgbClr r="0" g="0" b="0"/>
+      </a:fillRef>
+      <a:effectRef idx="0">
+        <a:scrgbClr r="0" g="0" b="0"/>
+      </a:effectRef>
+      <a:fontRef idx="minor"/>
+    </dgm:style>
+  </dgm:styleLbl>
+  <dgm:styleLbl name="dkBgShp">
+    <dgm:scene3d>
+      <a:camera prst="orthographicFront"/>
+      <a:lightRig rig="threePt" dir="t"/>
+    </dgm:scene3d>
+    <dgm:sp3d extrusionH="381000" contourW="38100" prstMaterial="matte">
+      <a:contourClr>
+        <a:schemeClr val="lt1"/>
+      </a:contourClr>
+    </dgm:sp3d>
+    <dgm:txPr/>
+    <dgm:style>
+      <a:lnRef idx="0">
+        <a:scrgbClr r="0" g="0" b="0"/>
+      </a:lnRef>
+      <a:fillRef idx="1">
+        <a:scrgbClr r="0" g="0" b="0"/>
+      </a:fillRef>
+      <a:effectRef idx="0">
+        <a:scrgbClr r="0" g="0" b="0"/>
+      </a:effectRef>
+      <a:fontRef idx="minor">
+        <a:schemeClr val="lt1"/>
+      </a:fontRef>
+    </dgm:style>
+  </dgm:styleLbl>
+  <dgm:styleLbl name="trBgShp">
+    <dgm:scene3d>
+      <a:camera prst="orthographicFront"/>
+      <a:lightRig rig="threePt" dir="t"/>
+    </dgm:scene3d>
+    <dgm:sp3d z="-400500" prstMaterial="matte"/>
+    <dgm:txPr/>
+    <dgm:style>
+      <a:lnRef idx="0">
+        <a:scrgbClr r="0" g="0" b="0"/>
+      </a:lnRef>
+      <a:fillRef idx="1">
+        <a:scrgbClr r="0" g="0" b="0"/>
+      </a:fillRef>
+      <a:effectRef idx="0">
+        <a:scrgbClr r="0" g="0" b="0"/>
+      </a:effectRef>
+      <a:fontRef idx="minor"/>
+    </dgm:style>
+  </dgm:styleLbl>
+  <dgm:styleLbl name="fgShp">
+    <dgm:scene3d>
+      <a:camera prst="orthographicFront"/>
+      <a:lightRig rig="threePt" dir="t"/>
+    </dgm:scene3d>
+    <dgm:sp3d z="57150" extrusionH="63500" contourW="12700" prstMaterial="matte">
+      <a:contourClr>
+        <a:schemeClr val="lt1">
+          <a:tint val="50000"/>
+        </a:schemeClr>
+      </a:contourClr>
+    </dgm:sp3d>
+    <dgm:txPr/>
+    <dgm:style>
+      <a:lnRef idx="0">
+        <a:scrgbClr r="0" g="0" b="0"/>
+      </a:lnRef>
+      <a:fillRef idx="1">
+        <a:scrgbClr r="0" g="0" b="0"/>
+      </a:fillRef>
+      <a:effectRef idx="0">
+        <a:scrgbClr r="0" g="0" b="0"/>
+      </a:effectRef>
+      <a:fontRef idx="minor"/>
+    </dgm:style>
+  </dgm:styleLbl>
+  <dgm:styleLbl name="revTx">
+    <dgm:scene3d>
+      <a:camera prst="orthographicFront"/>
+      <a:lightRig rig="threePt" dir="t"/>
+    </dgm:scene3d>
+    <dgm:sp3d/>
+    <dgm:txPr/>
+    <dgm:style>
+      <a:lnRef idx="0">
+        <a:scrgbClr r="0" g="0" b="0"/>
+      </a:lnRef>
+      <a:fillRef idx="0">
+        <a:scrgbClr r="0" g="0" b="0"/>
+      </a:fillRef>
+      <a:effectRef idx="0">
+        <a:scrgbClr r="0" g="0" b="0"/>
+      </a:effectRef>
+      <a:fontRef idx="minor"/>
+    </dgm:style>
+  </dgm:styleLbl>
+</dgm:styleDef>
 </file>
 
 <file path=ppt/notesMasters/notesMaster1.xml><?xml version="1.0" encoding="utf-8"?>
@@ -194,7 +2952,7 @@
           <a:p>
             <a:fld id="{6B9515E5-0190-44C7-B9DE-93188D640A17}" type="datetimeFigureOut">
               <a:rPr lang="de-DE" smtClean="0"/>
-              <a:t>07.02.2015</a:t>
+              <a:t>22.02.2015</a:t>
             </a:fld>
             <a:endParaRPr lang="de-DE"/>
           </a:p>
@@ -688,7 +3446,7 @@
           <a:p>
             <a:fld id="{4B2DA33B-01F4-4E5A-9D60-CCCF83777004}" type="datetime1">
               <a:rPr lang="de-DE" smtClean="0"/>
-              <a:t>07.02.2015</a:t>
+              <a:t>22.02.2015</a:t>
             </a:fld>
             <a:endParaRPr lang="de-DE"/>
           </a:p>
@@ -858,7 +3616,7 @@
           <a:p>
             <a:fld id="{899D4D3C-5AF5-44B6-83AB-BAD62DB4E383}" type="datetime1">
               <a:rPr lang="de-DE" smtClean="0"/>
-              <a:t>07.02.2015</a:t>
+              <a:t>22.02.2015</a:t>
             </a:fld>
             <a:endParaRPr lang="de-DE"/>
           </a:p>
@@ -1038,7 +3796,7 @@
           <a:p>
             <a:fld id="{856AF03E-FB57-4CEE-A6F6-9C1ADE319FF8}" type="datetime1">
               <a:rPr lang="de-DE" smtClean="0"/>
-              <a:t>07.02.2015</a:t>
+              <a:t>22.02.2015</a:t>
             </a:fld>
             <a:endParaRPr lang="de-DE"/>
           </a:p>
@@ -1287,7 +4045,7 @@
           <a:p>
             <a:fld id="{BBECC11B-F07F-400A-879F-C841C198AFB2}" type="datetime1">
               <a:rPr lang="de-DE" smtClean="0"/>
-              <a:t>07.02.2015</a:t>
+              <a:t>22.02.2015</a:t>
             </a:fld>
             <a:endParaRPr lang="de-DE"/>
           </a:p>
@@ -1554,7 +4312,7 @@
           <a:p>
             <a:fld id="{3699CA22-3EA1-4D0C-9E86-3C34967C15AA}" type="datetime1">
               <a:rPr lang="de-DE" smtClean="0"/>
-              <a:t>07.02.2015</a:t>
+              <a:t>22.02.2015</a:t>
             </a:fld>
             <a:endParaRPr lang="de-DE"/>
           </a:p>
@@ -1883,7 +4641,7 @@
           <a:p>
             <a:fld id="{B2A1934B-ABA4-48DE-9708-5F58958F52E1}" type="datetime1">
               <a:rPr lang="de-DE" smtClean="0"/>
-              <a:t>07.02.2015</a:t>
+              <a:t>22.02.2015</a:t>
             </a:fld>
             <a:endParaRPr lang="de-DE"/>
           </a:p>
@@ -2206,7 +4964,7 @@
           <a:p>
             <a:fld id="{D6222B0F-67F7-47F2-83BE-003DDC0B8177}" type="datetime1">
               <a:rPr lang="de-DE" smtClean="0"/>
-              <a:t>07.02.2015</a:t>
+              <a:t>22.02.2015</a:t>
             </a:fld>
             <a:endParaRPr lang="de-DE"/>
           </a:p>
@@ -2663,7 +5421,7 @@
           <a:p>
             <a:fld id="{86BBD164-1E7D-44FC-B404-460BD00DCEF9}" type="datetime1">
               <a:rPr lang="de-DE" smtClean="0"/>
-              <a:t>07.02.2015</a:t>
+              <a:t>22.02.2015</a:t>
             </a:fld>
             <a:endParaRPr lang="de-DE"/>
           </a:p>
@@ -2868,7 +5626,7 @@
           <a:p>
             <a:fld id="{0A78F9AE-502C-4615-B089-AB7DD41D4282}" type="datetime1">
               <a:rPr lang="de-DE" smtClean="0"/>
-              <a:t>07.02.2015</a:t>
+              <a:t>22.02.2015</a:t>
             </a:fld>
             <a:endParaRPr lang="de-DE"/>
           </a:p>
@@ -3045,7 +5803,7 @@
           <a:p>
             <a:fld id="{91E6437C-45E1-4608-A1B6-D1BD0402B652}" type="datetime1">
               <a:rPr lang="de-DE" smtClean="0"/>
-              <a:t>07.02.2015</a:t>
+              <a:t>22.02.2015</a:t>
             </a:fld>
             <a:endParaRPr lang="de-DE"/>
           </a:p>
@@ -3378,7 +6136,7 @@
           <a:p>
             <a:fld id="{44D16251-3E7F-4045-A4CD-20DECB59E8E4}" type="datetime1">
               <a:rPr lang="de-DE" smtClean="0"/>
-              <a:t>07.02.2015</a:t>
+              <a:t>22.02.2015</a:t>
             </a:fld>
             <a:endParaRPr lang="de-DE"/>
           </a:p>
@@ -3630,7 +6388,7 @@
           <a:p>
             <a:fld id="{1A3B3180-84DB-483E-AEC3-8C62C993C786}" type="datetime1">
               <a:rPr lang="de-DE" smtClean="0"/>
-              <a:t>07.02.2015</a:t>
+              <a:t>22.02.2015</a:t>
             </a:fld>
             <a:endParaRPr lang="de-DE"/>
           </a:p>
@@ -3893,7 +6651,7 @@
           <a:p>
             <a:fld id="{46423CAB-345F-46CA-A325-C4659D940990}" type="datetime1">
               <a:rPr lang="de-DE" smtClean="0"/>
-              <a:t>07.02.2015</a:t>
+              <a:t>22.02.2015</a:t>
             </a:fld>
             <a:endParaRPr lang="de-DE"/>
           </a:p>
@@ -4231,7 +6989,7 @@
           <a:p>
             <a:fld id="{ED98FAEA-560B-444C-85D5-EEF10816C9B9}" type="datetime1">
               <a:rPr lang="de-DE" smtClean="0"/>
-              <a:t>07.02.2015</a:t>
+              <a:t>22.02.2015</a:t>
             </a:fld>
             <a:endParaRPr lang="de-DE"/>
           </a:p>
@@ -4632,7 +7390,7 @@
           <a:p>
             <a:fld id="{FED96219-1420-4CF6-85F6-EE7B6D90CCFE}" type="datetime1">
               <a:rPr lang="de-DE" smtClean="0"/>
-              <a:t>07.02.2015</a:t>
+              <a:t>22.02.2015</a:t>
             </a:fld>
             <a:endParaRPr lang="de-DE"/>
           </a:p>
@@ -4968,7 +7726,7 @@
           <a:p>
             <a:fld id="{6DCD520C-CCAD-4564-A295-2146E66BF700}" type="datetime1">
               <a:rPr lang="de-DE" smtClean="0"/>
-              <a:t>07.02.2015</a:t>
+              <a:t>22.02.2015</a:t>
             </a:fld>
             <a:endParaRPr lang="de-DE"/>
           </a:p>
@@ -5288,7 +8046,7 @@
           <a:p>
             <a:fld id="{5303ADF1-BA39-4966-B599-E5DE9069A942}" type="datetime1">
               <a:rPr lang="de-DE" smtClean="0"/>
-              <a:t>07.02.2015</a:t>
+              <a:t>22.02.2015</a:t>
             </a:fld>
             <a:endParaRPr lang="de-DE"/>
           </a:p>
@@ -5684,7 +8442,7 @@
           <a:p>
             <a:fld id="{745F2CDD-4B4E-44FC-BCE0-B946B2949EF8}" type="datetime1">
               <a:rPr lang="de-DE" smtClean="0"/>
-              <a:t>07.02.2015</a:t>
+              <a:t>22.02.2015</a:t>
             </a:fld>
             <a:endParaRPr lang="de-DE"/>
           </a:p>
@@ -5941,7 +8699,7 @@
           <a:p>
             <a:fld id="{D1F91790-9A49-452E-8EB3-9631716D53D7}" type="datetime1">
               <a:rPr lang="de-DE" smtClean="0"/>
-              <a:t>07.02.2015</a:t>
+              <a:t>22.02.2015</a:t>
             </a:fld>
             <a:endParaRPr lang="de-DE"/>
           </a:p>
@@ -6203,7 +8961,7 @@
           <a:p>
             <a:fld id="{6AE447E0-09DE-441D-BDDF-5D85CEC4E749}" type="datetime1">
               <a:rPr lang="de-DE" smtClean="0"/>
-              <a:t>07.02.2015</a:t>
+              <a:t>22.02.2015</a:t>
             </a:fld>
             <a:endParaRPr lang="de-DE"/>
           </a:p>
@@ -6536,7 +9294,7 @@
           <a:p>
             <a:fld id="{9AA91B9C-9AA9-4209-9C7F-32C604D73EF8}" type="datetime1">
               <a:rPr lang="de-DE" smtClean="0"/>
-              <a:t>07.02.2015</a:t>
+              <a:t>22.02.2015</a:t>
             </a:fld>
             <a:endParaRPr lang="de-DE"/>
           </a:p>
@@ -6768,7 +9526,7 @@
           <a:p>
             <a:fld id="{F3FDD1EB-0920-4C81-BB5D-6AFA169EF380}" type="datetime1">
               <a:rPr lang="de-DE" smtClean="0"/>
-              <a:t>07.02.2015</a:t>
+              <a:t>22.02.2015</a:t>
             </a:fld>
             <a:endParaRPr lang="de-DE"/>
           </a:p>
@@ -7115,7 +9873,7 @@
           <a:p>
             <a:fld id="{7CE8D244-B374-408D-8697-5AC33D233097}" type="datetime1">
               <a:rPr lang="de-DE" smtClean="0"/>
-              <a:t>07.02.2015</a:t>
+              <a:t>22.02.2015</a:t>
             </a:fld>
             <a:endParaRPr lang="de-DE"/>
           </a:p>
@@ -7233,7 +9991,7 @@
           <a:p>
             <a:fld id="{92C1D99C-C0E8-48D6-8EF8-A18983AFD8F7}" type="datetime1">
               <a:rPr lang="de-DE" smtClean="0"/>
-              <a:t>07.02.2015</a:t>
+              <a:t>22.02.2015</a:t>
             </a:fld>
             <a:endParaRPr lang="de-DE"/>
           </a:p>
@@ -7351,7 +10109,7 @@
           <a:p>
             <a:fld id="{2C486229-3117-4CF0-8DC5-2835D949DC9F}" type="datetime1">
               <a:rPr lang="de-DE" smtClean="0"/>
-              <a:t>07.02.2015</a:t>
+              <a:t>22.02.2015</a:t>
             </a:fld>
             <a:endParaRPr lang="de-DE"/>
           </a:p>
@@ -7635,7 +10393,7 @@
           <a:p>
             <a:fld id="{B4E6A621-E14F-44A9-8777-143BE4E1CFDA}" type="datetime1">
               <a:rPr lang="de-DE" smtClean="0"/>
-              <a:t>07.02.2015</a:t>
+              <a:t>22.02.2015</a:t>
             </a:fld>
             <a:endParaRPr lang="de-DE"/>
           </a:p>
@@ -7899,7 +10657,7 @@
           <a:p>
             <a:fld id="{AC61B373-DCCA-47EB-9E63-48452AB7C423}" type="datetime1">
               <a:rPr lang="de-DE" smtClean="0"/>
-              <a:t>07.02.2015</a:t>
+              <a:t>22.02.2015</a:t>
             </a:fld>
             <a:endParaRPr lang="de-DE"/>
           </a:p>
@@ -8113,7 +10871,7 @@
           <a:p>
             <a:fld id="{8A523CE0-84C1-4AC9-92E9-93814978B077}" type="datetime1">
               <a:rPr lang="de-DE" smtClean="0"/>
-              <a:t>07.02.2015</a:t>
+              <a:t>22.02.2015</a:t>
             </a:fld>
             <a:endParaRPr lang="de-DE"/>
           </a:p>
@@ -10460,7 +13218,7 @@
           <a:p>
             <a:fld id="{E87CD86D-0672-4934-B984-F8F8E2647741}" type="datetime1">
               <a:rPr lang="de-DE" smtClean="0"/>
-              <a:t>07.02.2015</a:t>
+              <a:t>22.02.2015</a:t>
             </a:fld>
             <a:endParaRPr lang="de-DE"/>
           </a:p>
@@ -11349,6 +14107,848 @@
     <p:extLst>
       <p:ext uri="{BB962C8B-B14F-4D97-AF65-F5344CB8AC3E}">
         <p14:creationId xmlns:p14="http://schemas.microsoft.com/office/powerpoint/2010/main" val="3599473532"/>
+      </p:ext>
+    </p:extLst>
+  </p:cSld>
+  <p:clrMapOvr>
+    <a:masterClrMapping/>
+  </p:clrMapOvr>
+  <p:timing>
+    <p:tnLst>
+      <p:par>
+        <p:cTn id="1" dur="indefinite" restart="never" nodeType="tmRoot"/>
+      </p:par>
+    </p:tnLst>
+  </p:timing>
+</p:sld>
+</file>
+
+<file path=ppt/slides/slide3.xml><?xml version="1.0" encoding="utf-8"?>
+<p:sld xmlns:a="http://schemas.openxmlformats.org/drawingml/2006/main" xmlns:r="http://schemas.openxmlformats.org/officeDocument/2006/relationships" xmlns:p="http://schemas.openxmlformats.org/presentationml/2006/main">
+  <p:cSld>
+    <p:spTree>
+      <p:nvGrpSpPr>
+        <p:cNvPr id="1" name=""/>
+        <p:cNvGrpSpPr/>
+        <p:nvPr/>
+      </p:nvGrpSpPr>
+      <p:grpSpPr>
+        <a:xfrm>
+          <a:off x="0" y="0"/>
+          <a:ext cx="0" cy="0"/>
+          <a:chOff x="0" y="0"/>
+          <a:chExt cx="0" cy="0"/>
+        </a:xfrm>
+      </p:grpSpPr>
+      <p:sp>
+        <p:nvSpPr>
+          <p:cNvPr id="2" name="Titel 1"/>
+          <p:cNvSpPr>
+            <a:spLocks noGrp="1"/>
+          </p:cNvSpPr>
+          <p:nvPr>
+            <p:ph type="title"/>
+          </p:nvPr>
+        </p:nvSpPr>
+        <p:spPr>
+          <a:xfrm>
+            <a:off x="2592925" y="545729"/>
+            <a:ext cx="8911687" cy="1280890"/>
+          </a:xfrm>
+        </p:spPr>
+        <p:txBody>
+          <a:bodyPr>
+            <a:normAutofit/>
+          </a:bodyPr>
+          <a:lstStyle/>
+          <a:p>
+            <a:r>
+              <a:rPr lang="de-DE" sz="4800" dirty="0" smtClean="0"/>
+              <a:t>Markowitz </a:t>
+            </a:r>
+            <a:r>
+              <a:rPr lang="de-DE" dirty="0" smtClean="0">
+                <a:solidFill>
+                  <a:schemeClr val="tx1">
+                    <a:lumMod val="50000"/>
+                    <a:lumOff val="50000"/>
+                  </a:schemeClr>
+                </a:solidFill>
+              </a:rPr>
+              <a:t>(Portfolio)</a:t>
+            </a:r>
+            <a:endParaRPr lang="de-DE" dirty="0">
+              <a:solidFill>
+                <a:schemeClr val="tx1">
+                  <a:lumMod val="50000"/>
+                  <a:lumOff val="50000"/>
+                </a:schemeClr>
+              </a:solidFill>
+            </a:endParaRPr>
+          </a:p>
+        </p:txBody>
+      </p:sp>
+      <p:sp>
+        <p:nvSpPr>
+          <p:cNvPr id="3" name="Inhaltsplatzhalter 2"/>
+          <p:cNvSpPr>
+            <a:spLocks noGrp="1"/>
+          </p:cNvSpPr>
+          <p:nvPr>
+            <p:ph idx="1"/>
+          </p:nvPr>
+        </p:nvSpPr>
+        <p:spPr>
+          <a:xfrm>
+            <a:off x="2159726" y="2222977"/>
+            <a:ext cx="9474925" cy="3777622"/>
+          </a:xfrm>
+        </p:spPr>
+        <p:txBody>
+          <a:bodyPr>
+            <a:normAutofit/>
+          </a:bodyPr>
+          <a:lstStyle/>
+          <a:p>
+            <a:pPr>
+              <a:lnSpc>
+                <a:spcPct val="150000"/>
+              </a:lnSpc>
+            </a:pPr>
+            <a:r>
+              <a:rPr lang="de-DE" sz="3200" dirty="0" smtClean="0"/>
+              <a:t> </a:t>
+            </a:r>
+            <a:r>
+              <a:rPr lang="de-DE" sz="3200" dirty="0" smtClean="0"/>
+              <a:t>Minimum-Varianz-Portfolio</a:t>
+            </a:r>
+          </a:p>
+          <a:p>
+            <a:pPr lvl="1">
+              <a:lnSpc>
+                <a:spcPct val="150000"/>
+              </a:lnSpc>
+            </a:pPr>
+            <a:r>
+              <a:rPr lang="de-DE" sz="3000" dirty="0" smtClean="0"/>
+              <a:t>Minimiere Risiko</a:t>
+            </a:r>
+          </a:p>
+          <a:p>
+            <a:pPr lvl="1">
+              <a:lnSpc>
+                <a:spcPct val="150000"/>
+              </a:lnSpc>
+            </a:pPr>
+            <a:r>
+              <a:rPr lang="de-DE" sz="3000" dirty="0" smtClean="0"/>
+              <a:t>Maximiere Rendite bei gegebener Volatilität</a:t>
+            </a:r>
+            <a:endParaRPr lang="de-DE" sz="3000" dirty="0" smtClean="0"/>
+          </a:p>
+        </p:txBody>
+      </p:sp>
+      <p:sp>
+        <p:nvSpPr>
+          <p:cNvPr id="6" name="Foliennummernplatzhalter 5"/>
+          <p:cNvSpPr>
+            <a:spLocks noGrp="1"/>
+          </p:cNvSpPr>
+          <p:nvPr>
+            <p:ph type="sldNum" sz="quarter" idx="12"/>
+          </p:nvPr>
+        </p:nvSpPr>
+        <p:spPr/>
+        <p:txBody>
+          <a:bodyPr/>
+          <a:lstStyle/>
+          <a:p>
+            <a:fld id="{15BF1572-E7A8-4393-8AEC-CE9971F61807}" type="slidenum">
+              <a:rPr lang="de-DE" smtClean="0"/>
+              <a:t>3</a:t>
+            </a:fld>
+            <a:endParaRPr lang="de-DE"/>
+          </a:p>
+        </p:txBody>
+      </p:sp>
+    </p:spTree>
+    <p:extLst>
+      <p:ext uri="{BB962C8B-B14F-4D97-AF65-F5344CB8AC3E}">
+        <p14:creationId xmlns:p14="http://schemas.microsoft.com/office/powerpoint/2010/main" val="237632550"/>
+      </p:ext>
+    </p:extLst>
+  </p:cSld>
+  <p:clrMapOvr>
+    <a:masterClrMapping/>
+  </p:clrMapOvr>
+  <p:timing>
+    <p:tnLst>
+      <p:par>
+        <p:cTn id="1" dur="indefinite" restart="never" nodeType="tmRoot"/>
+      </p:par>
+    </p:tnLst>
+  </p:timing>
+</p:sld>
+</file>
+
+<file path=ppt/slides/slide4.xml><?xml version="1.0" encoding="utf-8"?>
+<p:sld xmlns:a="http://schemas.openxmlformats.org/drawingml/2006/main" xmlns:r="http://schemas.openxmlformats.org/officeDocument/2006/relationships" xmlns:p="http://schemas.openxmlformats.org/presentationml/2006/main">
+  <p:cSld>
+    <p:spTree>
+      <p:nvGrpSpPr>
+        <p:cNvPr id="1" name=""/>
+        <p:cNvGrpSpPr/>
+        <p:nvPr/>
+      </p:nvGrpSpPr>
+      <p:grpSpPr>
+        <a:xfrm>
+          <a:off x="0" y="0"/>
+          <a:ext cx="0" cy="0"/>
+          <a:chOff x="0" y="0"/>
+          <a:chExt cx="0" cy="0"/>
+        </a:xfrm>
+      </p:grpSpPr>
+      <p:sp>
+        <p:nvSpPr>
+          <p:cNvPr id="2" name="Titel 1"/>
+          <p:cNvSpPr>
+            <a:spLocks noGrp="1"/>
+          </p:cNvSpPr>
+          <p:nvPr>
+            <p:ph type="title"/>
+          </p:nvPr>
+        </p:nvSpPr>
+        <p:spPr>
+          <a:xfrm>
+            <a:off x="2592925" y="545729"/>
+            <a:ext cx="8911687" cy="1280890"/>
+          </a:xfrm>
+        </p:spPr>
+        <p:txBody>
+          <a:bodyPr>
+            <a:normAutofit/>
+          </a:bodyPr>
+          <a:lstStyle/>
+          <a:p>
+            <a:r>
+              <a:rPr lang="de-DE" sz="4800" dirty="0" smtClean="0"/>
+              <a:t>MVP</a:t>
+            </a:r>
+            <a:endParaRPr lang="de-DE" dirty="0">
+              <a:solidFill>
+                <a:schemeClr val="tx1">
+                  <a:lumMod val="50000"/>
+                  <a:lumOff val="50000"/>
+                </a:schemeClr>
+              </a:solidFill>
+            </a:endParaRPr>
+          </a:p>
+        </p:txBody>
+      </p:sp>
+      <p:sp>
+        <p:nvSpPr>
+          <p:cNvPr id="6" name="Foliennummernplatzhalter 5"/>
+          <p:cNvSpPr>
+            <a:spLocks noGrp="1"/>
+          </p:cNvSpPr>
+          <p:nvPr>
+            <p:ph type="sldNum" sz="quarter" idx="12"/>
+          </p:nvPr>
+        </p:nvSpPr>
+        <p:spPr/>
+        <p:txBody>
+          <a:bodyPr/>
+          <a:lstStyle/>
+          <a:p>
+            <a:fld id="{15BF1572-E7A8-4393-8AEC-CE9971F61807}" type="slidenum">
+              <a:rPr lang="de-DE" smtClean="0"/>
+              <a:t>4</a:t>
+            </a:fld>
+            <a:endParaRPr lang="de-DE"/>
+          </a:p>
+        </p:txBody>
+      </p:sp>
+      <p:pic>
+        <p:nvPicPr>
+          <p:cNvPr id="1026" name="Picture 2" descr="http://upload.wikimedia.org/wikipedia/de/thumb/7/7b/2_riskante_WP_Markowitz.jpg/1200px-2_riskante_WP_Markowitz.jpg"/>
+          <p:cNvPicPr>
+            <a:picLocks noChangeAspect="1" noChangeArrowheads="1"/>
+          </p:cNvPicPr>
+          <p:nvPr/>
+        </p:nvPicPr>
+        <p:blipFill>
+          <a:blip r:embed="rId2">
+            <a:extLst>
+              <a:ext uri="{28A0092B-C50C-407E-A947-70E740481C1C}">
+                <a14:useLocalDpi xmlns:a14="http://schemas.microsoft.com/office/drawing/2010/main" val="0"/>
+              </a:ext>
+            </a:extLst>
+          </a:blip>
+          <a:srcRect/>
+          <a:stretch>
+            <a:fillRect/>
+          </a:stretch>
+        </p:blipFill>
+        <p:spPr bwMode="auto">
+          <a:xfrm>
+            <a:off x="2348625" y="1585695"/>
+            <a:ext cx="6371921" cy="4725842"/>
+          </a:xfrm>
+          <a:prstGeom prst="rect">
+            <a:avLst/>
+          </a:prstGeom>
+          <a:noFill/>
+          <a:extLst>
+            <a:ext uri="{909E8E84-426E-40DD-AFC4-6F175D3DCCD1}">
+              <a14:hiddenFill xmlns:a14="http://schemas.microsoft.com/office/drawing/2010/main">
+                <a:solidFill>
+                  <a:srgbClr val="FFFFFF"/>
+                </a:solidFill>
+              </a14:hiddenFill>
+            </a:ext>
+          </a:extLst>
+        </p:spPr>
+      </p:pic>
+      <p:sp>
+        <p:nvSpPr>
+          <p:cNvPr id="5" name="Textfeld 4"/>
+          <p:cNvSpPr txBox="1"/>
+          <p:nvPr/>
+        </p:nvSpPr>
+        <p:spPr>
+          <a:xfrm>
+            <a:off x="8820938" y="1611175"/>
+            <a:ext cx="2523337" cy="1323439"/>
+          </a:xfrm>
+          <a:prstGeom prst="rect">
+            <a:avLst/>
+          </a:prstGeom>
+          <a:noFill/>
+        </p:spPr>
+        <p:txBody>
+          <a:bodyPr wrap="square" rtlCol="0">
+            <a:spAutoFit/>
+          </a:bodyPr>
+          <a:lstStyle/>
+          <a:p>
+            <a:r>
+              <a:rPr lang="de-DE" sz="1000" dirty="0" smtClean="0">
+                <a:solidFill>
+                  <a:schemeClr val="tx1">
+                    <a:lumMod val="50000"/>
+                    <a:lumOff val="50000"/>
+                  </a:schemeClr>
+                </a:solidFill>
+              </a:rPr>
+              <a:t>Quelle:</a:t>
+            </a:r>
+          </a:p>
+          <a:p>
+            <a:r>
+              <a:rPr lang="de-DE" sz="1000" dirty="0" smtClean="0">
+                <a:solidFill>
+                  <a:schemeClr val="tx1">
+                    <a:lumMod val="50000"/>
+                    <a:lumOff val="50000"/>
+                  </a:schemeClr>
+                </a:solidFill>
+              </a:rPr>
+              <a:t>„</a:t>
+            </a:r>
+            <a:r>
+              <a:rPr lang="de-DE" sz="1000" dirty="0">
+                <a:solidFill>
+                  <a:schemeClr val="tx1">
+                    <a:lumMod val="50000"/>
+                    <a:lumOff val="50000"/>
+                  </a:schemeClr>
+                </a:solidFill>
+              </a:rPr>
+              <a:t>2 riskante WP Markowitz“ von Common </a:t>
+            </a:r>
+            <a:r>
+              <a:rPr lang="de-DE" sz="1000" dirty="0" err="1">
+                <a:solidFill>
+                  <a:schemeClr val="tx1">
+                    <a:lumMod val="50000"/>
+                    <a:lumOff val="50000"/>
+                  </a:schemeClr>
+                </a:solidFill>
+              </a:rPr>
+              <a:t>Licence</a:t>
+            </a:r>
+            <a:r>
+              <a:rPr lang="de-DE" sz="1000" dirty="0">
+                <a:solidFill>
+                  <a:schemeClr val="tx1">
+                    <a:lumMod val="50000"/>
+                    <a:lumOff val="50000"/>
+                  </a:schemeClr>
+                </a:solidFill>
+              </a:rPr>
+              <a:t> - </a:t>
+            </a:r>
+            <a:r>
+              <a:rPr lang="de-DE" sz="1000" dirty="0" err="1">
+                <a:solidFill>
+                  <a:schemeClr val="tx1">
+                    <a:lumMod val="50000"/>
+                    <a:lumOff val="50000"/>
+                  </a:schemeClr>
+                </a:solidFill>
+              </a:rPr>
+              <a:t>mattyballaballa</a:t>
+            </a:r>
+            <a:r>
+              <a:rPr lang="de-DE" sz="1000" dirty="0">
+                <a:solidFill>
+                  <a:schemeClr val="tx1">
+                    <a:lumMod val="50000"/>
+                    <a:lumOff val="50000"/>
+                  </a:schemeClr>
+                </a:solidFill>
+              </a:rPr>
+              <a:t> mit EXCEL erstellt. Lizenziert unter PD-Schöpfungshöhe über Wikipedia - http://de.wikipedia.org/wiki/Datei:2_riskante_WP_Markowitz.jpg#mediaviewer/File:2_riskante_WP_Markowitz.jpg</a:t>
+            </a:r>
+          </a:p>
+        </p:txBody>
+      </p:sp>
+    </p:spTree>
+    <p:extLst>
+      <p:ext uri="{BB962C8B-B14F-4D97-AF65-F5344CB8AC3E}">
+        <p14:creationId xmlns:p14="http://schemas.microsoft.com/office/powerpoint/2010/main" val="3956000834"/>
+      </p:ext>
+    </p:extLst>
+  </p:cSld>
+  <p:clrMapOvr>
+    <a:masterClrMapping/>
+  </p:clrMapOvr>
+  <p:timing>
+    <p:tnLst>
+      <p:par>
+        <p:cTn id="1" dur="indefinite" restart="never" nodeType="tmRoot"/>
+      </p:par>
+    </p:tnLst>
+  </p:timing>
+</p:sld>
+</file>
+
+<file path=ppt/slides/slide5.xml><?xml version="1.0" encoding="utf-8"?>
+<p:sld xmlns:a="http://schemas.openxmlformats.org/drawingml/2006/main" xmlns:r="http://schemas.openxmlformats.org/officeDocument/2006/relationships" xmlns:p="http://schemas.openxmlformats.org/presentationml/2006/main">
+  <p:cSld>
+    <p:spTree>
+      <p:nvGrpSpPr>
+        <p:cNvPr id="1" name=""/>
+        <p:cNvGrpSpPr/>
+        <p:nvPr/>
+      </p:nvGrpSpPr>
+      <p:grpSpPr>
+        <a:xfrm>
+          <a:off x="0" y="0"/>
+          <a:ext cx="0" cy="0"/>
+          <a:chOff x="0" y="0"/>
+          <a:chExt cx="0" cy="0"/>
+        </a:xfrm>
+      </p:grpSpPr>
+      <p:sp>
+        <p:nvSpPr>
+          <p:cNvPr id="2" name="Titel 1"/>
+          <p:cNvSpPr>
+            <a:spLocks noGrp="1"/>
+          </p:cNvSpPr>
+          <p:nvPr>
+            <p:ph type="title"/>
+          </p:nvPr>
+        </p:nvSpPr>
+        <p:spPr>
+          <a:xfrm>
+            <a:off x="2592925" y="545729"/>
+            <a:ext cx="8911687" cy="1280890"/>
+          </a:xfrm>
+        </p:spPr>
+        <p:txBody>
+          <a:bodyPr>
+            <a:normAutofit/>
+          </a:bodyPr>
+          <a:lstStyle/>
+          <a:p>
+            <a:r>
+              <a:rPr lang="de-DE" sz="4800" dirty="0" smtClean="0"/>
+              <a:t>Cash &amp; Stocks </a:t>
+            </a:r>
+            <a:r>
+              <a:rPr lang="de-DE" dirty="0" smtClean="0">
+                <a:solidFill>
+                  <a:schemeClr val="tx1">
+                    <a:lumMod val="50000"/>
+                    <a:lumOff val="50000"/>
+                  </a:schemeClr>
+                </a:solidFill>
+              </a:rPr>
+              <a:t>(nach TOBIN)</a:t>
+            </a:r>
+            <a:endParaRPr lang="de-DE" dirty="0">
+              <a:solidFill>
+                <a:schemeClr val="tx1">
+                  <a:lumMod val="50000"/>
+                  <a:lumOff val="50000"/>
+                </a:schemeClr>
+              </a:solidFill>
+            </a:endParaRPr>
+          </a:p>
+        </p:txBody>
+      </p:sp>
+      <p:graphicFrame>
+        <p:nvGraphicFramePr>
+          <p:cNvPr id="4" name="Inhaltsplatzhalter 3"/>
+          <p:cNvGraphicFramePr>
+            <a:graphicFrameLocks noGrp="1"/>
+          </p:cNvGraphicFramePr>
+          <p:nvPr>
+            <p:ph idx="1"/>
+            <p:extLst>
+              <p:ext uri="{D42A27DB-BD31-4B8C-83A1-F6EECF244321}">
+                <p14:modId xmlns:p14="http://schemas.microsoft.com/office/powerpoint/2010/main" val="3358682159"/>
+              </p:ext>
+            </p:extLst>
+          </p:nvPr>
+        </p:nvGraphicFramePr>
+        <p:xfrm>
+          <a:off x="1984828" y="2091872"/>
+          <a:ext cx="5478417" cy="3778250"/>
+        </p:xfrm>
+        <a:graphic>
+          <a:graphicData uri="http://schemas.openxmlformats.org/drawingml/2006/diagram">
+            <dgm:relIds xmlns:dgm="http://schemas.openxmlformats.org/drawingml/2006/diagram" xmlns:r="http://schemas.openxmlformats.org/officeDocument/2006/relationships" r:dm="rId2" r:lo="rId3" r:qs="rId4" r:cs="rId5"/>
+          </a:graphicData>
+        </a:graphic>
+      </p:graphicFrame>
+      <p:sp>
+        <p:nvSpPr>
+          <p:cNvPr id="6" name="Foliennummernplatzhalter 5"/>
+          <p:cNvSpPr>
+            <a:spLocks noGrp="1"/>
+          </p:cNvSpPr>
+          <p:nvPr>
+            <p:ph type="sldNum" sz="quarter" idx="12"/>
+          </p:nvPr>
+        </p:nvSpPr>
+        <p:spPr/>
+        <p:txBody>
+          <a:bodyPr/>
+          <a:lstStyle/>
+          <a:p>
+            <a:fld id="{15BF1572-E7A8-4393-8AEC-CE9971F61807}" type="slidenum">
+              <a:rPr lang="de-DE" smtClean="0"/>
+              <a:t>5</a:t>
+            </a:fld>
+            <a:endParaRPr lang="de-DE"/>
+          </a:p>
+        </p:txBody>
+      </p:sp>
+      <p:sp>
+        <p:nvSpPr>
+          <p:cNvPr id="7" name="Inhaltsplatzhalter 2"/>
+          <p:cNvSpPr txBox="1">
+            <a:spLocks/>
+          </p:cNvSpPr>
+          <p:nvPr/>
+        </p:nvSpPr>
+        <p:spPr>
+          <a:xfrm>
+            <a:off x="7341326" y="2222977"/>
+            <a:ext cx="4293325" cy="3777622"/>
+          </a:xfrm>
+          <a:prstGeom prst="rect">
+            <a:avLst/>
+          </a:prstGeom>
+        </p:spPr>
+        <p:txBody>
+          <a:bodyPr vert="horz" lIns="91440" tIns="45720" rIns="91440" bIns="45720" rtlCol="0">
+            <a:normAutofit/>
+          </a:bodyPr>
+          <a:lstStyle>
+            <a:lvl1pPr marL="342900" indent="-342900" algn="l" defTabSz="457200" rtl="0" eaLnBrk="1" latinLnBrk="0" hangingPunct="1">
+              <a:spcBef>
+                <a:spcPts val="1000"/>
+              </a:spcBef>
+              <a:spcAft>
+                <a:spcPts val="0"/>
+              </a:spcAft>
+              <a:buClr>
+                <a:schemeClr val="accent1"/>
+              </a:buClr>
+              <a:buFont typeface="Wingdings 3" charset="2"/>
+              <a:buChar char=""/>
+              <a:defRPr sz="1800" kern="1200">
+                <a:solidFill>
+                  <a:schemeClr val="tx1">
+                    <a:lumMod val="75000"/>
+                    <a:lumOff val="25000"/>
+                  </a:schemeClr>
+                </a:solidFill>
+                <a:latin typeface="+mn-lt"/>
+                <a:ea typeface="+mn-ea"/>
+                <a:cs typeface="+mn-cs"/>
+              </a:defRPr>
+            </a:lvl1pPr>
+            <a:lvl2pPr marL="742950" indent="-285750" algn="l" defTabSz="457200" rtl="0" eaLnBrk="1" latinLnBrk="0" hangingPunct="1">
+              <a:spcBef>
+                <a:spcPts val="1000"/>
+              </a:spcBef>
+              <a:spcAft>
+                <a:spcPts val="0"/>
+              </a:spcAft>
+              <a:buClr>
+                <a:schemeClr val="accent1"/>
+              </a:buClr>
+              <a:buFont typeface="Wingdings 3" charset="2"/>
+              <a:buChar char=""/>
+              <a:defRPr sz="1600" kern="1200">
+                <a:solidFill>
+                  <a:schemeClr val="tx1">
+                    <a:lumMod val="75000"/>
+                    <a:lumOff val="25000"/>
+                  </a:schemeClr>
+                </a:solidFill>
+                <a:latin typeface="+mn-lt"/>
+                <a:ea typeface="+mn-ea"/>
+                <a:cs typeface="+mn-cs"/>
+              </a:defRPr>
+            </a:lvl2pPr>
+            <a:lvl3pPr marL="1143000" indent="-228600" algn="l" defTabSz="457200" rtl="0" eaLnBrk="1" latinLnBrk="0" hangingPunct="1">
+              <a:spcBef>
+                <a:spcPts val="1000"/>
+              </a:spcBef>
+              <a:spcAft>
+                <a:spcPts val="0"/>
+              </a:spcAft>
+              <a:buClr>
+                <a:schemeClr val="accent1"/>
+              </a:buClr>
+              <a:buFont typeface="Wingdings 3" charset="2"/>
+              <a:buChar char=""/>
+              <a:defRPr sz="1400" kern="1200">
+                <a:solidFill>
+                  <a:schemeClr val="tx1">
+                    <a:lumMod val="75000"/>
+                    <a:lumOff val="25000"/>
+                  </a:schemeClr>
+                </a:solidFill>
+                <a:latin typeface="+mn-lt"/>
+                <a:ea typeface="+mn-ea"/>
+                <a:cs typeface="+mn-cs"/>
+              </a:defRPr>
+            </a:lvl3pPr>
+            <a:lvl4pPr marL="1600200" indent="-228600" algn="l" defTabSz="457200" rtl="0" eaLnBrk="1" latinLnBrk="0" hangingPunct="1">
+              <a:spcBef>
+                <a:spcPts val="1000"/>
+              </a:spcBef>
+              <a:spcAft>
+                <a:spcPts val="0"/>
+              </a:spcAft>
+              <a:buClr>
+                <a:schemeClr val="accent1"/>
+              </a:buClr>
+              <a:buFont typeface="Wingdings 3" charset="2"/>
+              <a:buChar char=""/>
+              <a:defRPr sz="1200" kern="1200">
+                <a:solidFill>
+                  <a:schemeClr val="tx1">
+                    <a:lumMod val="75000"/>
+                    <a:lumOff val="25000"/>
+                  </a:schemeClr>
+                </a:solidFill>
+                <a:latin typeface="+mn-lt"/>
+                <a:ea typeface="+mn-ea"/>
+                <a:cs typeface="+mn-cs"/>
+              </a:defRPr>
+            </a:lvl4pPr>
+            <a:lvl5pPr marL="2057400" indent="-228600" algn="l" defTabSz="457200" rtl="0" eaLnBrk="1" latinLnBrk="0" hangingPunct="1">
+              <a:spcBef>
+                <a:spcPts val="1000"/>
+              </a:spcBef>
+              <a:spcAft>
+                <a:spcPts val="0"/>
+              </a:spcAft>
+              <a:buClr>
+                <a:schemeClr val="accent1"/>
+              </a:buClr>
+              <a:buFont typeface="Wingdings 3" charset="2"/>
+              <a:buChar char=""/>
+              <a:defRPr sz="1200" kern="1200">
+                <a:solidFill>
+                  <a:schemeClr val="tx1">
+                    <a:lumMod val="75000"/>
+                    <a:lumOff val="25000"/>
+                  </a:schemeClr>
+                </a:solidFill>
+                <a:latin typeface="+mn-lt"/>
+                <a:ea typeface="+mn-ea"/>
+                <a:cs typeface="+mn-cs"/>
+              </a:defRPr>
+            </a:lvl5pPr>
+            <a:lvl6pPr marL="2514600" indent="-228600" algn="l" defTabSz="457200" rtl="0" eaLnBrk="1" latinLnBrk="0" hangingPunct="1">
+              <a:spcBef>
+                <a:spcPts val="1000"/>
+              </a:spcBef>
+              <a:spcAft>
+                <a:spcPts val="0"/>
+              </a:spcAft>
+              <a:buClr>
+                <a:schemeClr val="accent1"/>
+              </a:buClr>
+              <a:buFont typeface="Wingdings 3" charset="2"/>
+              <a:buChar char=""/>
+              <a:defRPr sz="1200" kern="1200">
+                <a:solidFill>
+                  <a:schemeClr val="tx1">
+                    <a:lumMod val="75000"/>
+                    <a:lumOff val="25000"/>
+                  </a:schemeClr>
+                </a:solidFill>
+                <a:latin typeface="+mn-lt"/>
+                <a:ea typeface="+mn-ea"/>
+                <a:cs typeface="+mn-cs"/>
+              </a:defRPr>
+            </a:lvl6pPr>
+            <a:lvl7pPr marL="2971800" indent="-228600" algn="l" defTabSz="457200" rtl="0" eaLnBrk="1" latinLnBrk="0" hangingPunct="1">
+              <a:spcBef>
+                <a:spcPts val="1000"/>
+              </a:spcBef>
+              <a:spcAft>
+                <a:spcPts val="0"/>
+              </a:spcAft>
+              <a:buClr>
+                <a:schemeClr val="accent1"/>
+              </a:buClr>
+              <a:buFont typeface="Wingdings 3" charset="2"/>
+              <a:buChar char=""/>
+              <a:defRPr sz="1200" kern="1200">
+                <a:solidFill>
+                  <a:schemeClr val="tx1">
+                    <a:lumMod val="75000"/>
+                    <a:lumOff val="25000"/>
+                  </a:schemeClr>
+                </a:solidFill>
+                <a:latin typeface="+mn-lt"/>
+                <a:ea typeface="+mn-ea"/>
+                <a:cs typeface="+mn-cs"/>
+              </a:defRPr>
+            </a:lvl7pPr>
+            <a:lvl8pPr marL="3429000" indent="-228600" algn="l" defTabSz="457200" rtl="0" eaLnBrk="1" latinLnBrk="0" hangingPunct="1">
+              <a:spcBef>
+                <a:spcPts val="1000"/>
+              </a:spcBef>
+              <a:spcAft>
+                <a:spcPts val="0"/>
+              </a:spcAft>
+              <a:buClr>
+                <a:schemeClr val="accent1"/>
+              </a:buClr>
+              <a:buFont typeface="Wingdings 3" charset="2"/>
+              <a:buChar char=""/>
+              <a:defRPr sz="1200" kern="1200">
+                <a:solidFill>
+                  <a:schemeClr val="tx1">
+                    <a:lumMod val="75000"/>
+                    <a:lumOff val="25000"/>
+                  </a:schemeClr>
+                </a:solidFill>
+                <a:latin typeface="+mn-lt"/>
+                <a:ea typeface="+mn-ea"/>
+                <a:cs typeface="+mn-cs"/>
+              </a:defRPr>
+            </a:lvl8pPr>
+            <a:lvl9pPr marL="3886200" indent="-228600" algn="l" defTabSz="457200" rtl="0" eaLnBrk="1" latinLnBrk="0" hangingPunct="1">
+              <a:spcBef>
+                <a:spcPts val="1000"/>
+              </a:spcBef>
+              <a:spcAft>
+                <a:spcPts val="0"/>
+              </a:spcAft>
+              <a:buClr>
+                <a:schemeClr val="accent1"/>
+              </a:buClr>
+              <a:buFont typeface="Wingdings 3" charset="2"/>
+              <a:buChar char=""/>
+              <a:defRPr sz="1200" kern="1200">
+                <a:solidFill>
+                  <a:schemeClr val="tx1">
+                    <a:lumMod val="75000"/>
+                    <a:lumOff val="25000"/>
+                  </a:schemeClr>
+                </a:solidFill>
+                <a:latin typeface="+mn-lt"/>
+                <a:ea typeface="+mn-ea"/>
+                <a:cs typeface="+mn-cs"/>
+              </a:defRPr>
+            </a:lvl9pPr>
+          </a:lstStyle>
+          <a:p>
+            <a:pPr>
+              <a:lnSpc>
+                <a:spcPct val="150000"/>
+              </a:lnSpc>
+            </a:pPr>
+            <a:r>
+              <a:rPr lang="de-DE" sz="3200" dirty="0" smtClean="0"/>
+              <a:t>Beispiel</a:t>
+            </a:r>
+          </a:p>
+          <a:p>
+            <a:pPr lvl="1">
+              <a:lnSpc>
+                <a:spcPct val="150000"/>
+              </a:lnSpc>
+            </a:pPr>
+            <a:r>
+              <a:rPr lang="de-DE" sz="3000" dirty="0" smtClean="0"/>
+              <a:t>Cash</a:t>
+            </a:r>
+            <a:endParaRPr lang="de-DE" sz="3000" dirty="0"/>
+          </a:p>
+          <a:p>
+            <a:pPr lvl="2">
+              <a:lnSpc>
+                <a:spcPct val="150000"/>
+              </a:lnSpc>
+            </a:pPr>
+            <a:r>
+              <a:rPr lang="de-DE" sz="1800" dirty="0" smtClean="0"/>
+              <a:t>50% „risikolos“ (Sparbuch)</a:t>
+            </a:r>
+            <a:endParaRPr lang="de-DE" sz="2000" dirty="0"/>
+          </a:p>
+          <a:p>
+            <a:pPr lvl="1">
+              <a:lnSpc>
+                <a:spcPct val="150000"/>
+              </a:lnSpc>
+            </a:pPr>
+            <a:r>
+              <a:rPr lang="de-DE" sz="3000" dirty="0" smtClean="0"/>
+              <a:t>Stock Portfolio</a:t>
+            </a:r>
+          </a:p>
+          <a:p>
+            <a:pPr lvl="2">
+              <a:lnSpc>
+                <a:spcPct val="150000"/>
+              </a:lnSpc>
+            </a:pPr>
+            <a:r>
+              <a:rPr lang="de-DE" sz="1800" dirty="0" smtClean="0"/>
+              <a:t>50% „riskant“ veranlagen</a:t>
+            </a:r>
+          </a:p>
+        </p:txBody>
+      </p:sp>
+    </p:spTree>
+    <p:extLst>
+      <p:ext uri="{BB962C8B-B14F-4D97-AF65-F5344CB8AC3E}">
+        <p14:creationId xmlns:p14="http://schemas.microsoft.com/office/powerpoint/2010/main" val="3505733501"/>
       </p:ext>
     </p:extLst>
   </p:cSld>

--- a/Files/Unsere Folien.pptx
+++ b/Files/Unsere Folien.pptx
@@ -6,7 +6,7 @@
     <p:sldMasterId id="2147484165" r:id="rId2"/>
   </p:sldMasterIdLst>
   <p:notesMasterIdLst>
-    <p:notesMasterId r:id="rId8"/>
+    <p:notesMasterId r:id="rId9"/>
   </p:notesMasterIdLst>
   <p:sldIdLst>
     <p:sldId id="256" r:id="rId3"/>
@@ -14,6 +14,7 @@
     <p:sldId id="258" r:id="rId5"/>
     <p:sldId id="259" r:id="rId6"/>
     <p:sldId id="260" r:id="rId7"/>
+    <p:sldId id="261" r:id="rId8"/>
   </p:sldIdLst>
   <p:sldSz cx="12192000" cy="6858000"/>
   <p:notesSz cx="6858000" cy="9144000"/>
@@ -14965,6 +14966,204 @@
 </p:sld>
 </file>
 
+<file path=ppt/slides/slide6.xml><?xml version="1.0" encoding="utf-8"?>
+<p:sld xmlns:a="http://schemas.openxmlformats.org/drawingml/2006/main" xmlns:r="http://schemas.openxmlformats.org/officeDocument/2006/relationships" xmlns:p="http://schemas.openxmlformats.org/presentationml/2006/main">
+  <p:cSld>
+    <p:spTree>
+      <p:nvGrpSpPr>
+        <p:cNvPr id="1" name=""/>
+        <p:cNvGrpSpPr/>
+        <p:nvPr/>
+      </p:nvGrpSpPr>
+      <p:grpSpPr>
+        <a:xfrm>
+          <a:off x="0" y="0"/>
+          <a:ext cx="0" cy="0"/>
+          <a:chOff x="0" y="0"/>
+          <a:chExt cx="0" cy="0"/>
+        </a:xfrm>
+      </p:grpSpPr>
+      <p:sp>
+        <p:nvSpPr>
+          <p:cNvPr id="2" name="Titel 1"/>
+          <p:cNvSpPr>
+            <a:spLocks noGrp="1"/>
+          </p:cNvSpPr>
+          <p:nvPr>
+            <p:ph type="title"/>
+          </p:nvPr>
+        </p:nvSpPr>
+        <p:spPr>
+          <a:xfrm>
+            <a:off x="2592925" y="545729"/>
+            <a:ext cx="8911687" cy="1280890"/>
+          </a:xfrm>
+        </p:spPr>
+        <p:txBody>
+          <a:bodyPr>
+            <a:normAutofit/>
+          </a:bodyPr>
+          <a:lstStyle/>
+          <a:p>
+            <a:r>
+              <a:rPr lang="de-DE" sz="4800" dirty="0" smtClean="0"/>
+              <a:t>Unser Tool</a:t>
+            </a:r>
+            <a:endParaRPr lang="de-DE" dirty="0">
+              <a:solidFill>
+                <a:schemeClr val="tx1">
+                  <a:lumMod val="50000"/>
+                  <a:lumOff val="50000"/>
+                </a:schemeClr>
+              </a:solidFill>
+            </a:endParaRPr>
+          </a:p>
+        </p:txBody>
+      </p:sp>
+      <p:sp>
+        <p:nvSpPr>
+          <p:cNvPr id="3" name="Inhaltsplatzhalter 2"/>
+          <p:cNvSpPr>
+            <a:spLocks noGrp="1"/>
+          </p:cNvSpPr>
+          <p:nvPr>
+            <p:ph idx="1"/>
+          </p:nvPr>
+        </p:nvSpPr>
+        <p:spPr>
+          <a:xfrm>
+            <a:off x="2159726" y="2222977"/>
+            <a:ext cx="9474925" cy="3777622"/>
+          </a:xfrm>
+        </p:spPr>
+        <p:txBody>
+          <a:bodyPr>
+            <a:normAutofit fontScale="92500"/>
+          </a:bodyPr>
+          <a:lstStyle/>
+          <a:p>
+            <a:pPr>
+              <a:lnSpc>
+                <a:spcPct val="150000"/>
+              </a:lnSpc>
+            </a:pPr>
+            <a:r>
+              <a:rPr lang="de-DE" sz="3000" dirty="0" smtClean="0"/>
+              <a:t>Stocks hinzufügen</a:t>
+            </a:r>
+          </a:p>
+          <a:p>
+            <a:pPr lvl="1">
+              <a:lnSpc>
+                <a:spcPct val="150000"/>
+              </a:lnSpc>
+            </a:pPr>
+            <a:r>
+              <a:rPr lang="de-DE" sz="2800" dirty="0" smtClean="0"/>
+              <a:t>.</a:t>
+            </a:r>
+            <a:r>
+              <a:rPr lang="de-DE" sz="2800" dirty="0" err="1" smtClean="0"/>
+              <a:t>csv</a:t>
+            </a:r>
+            <a:r>
+              <a:rPr lang="de-DE" sz="2800" dirty="0" smtClean="0"/>
+              <a:t> von Yahoo </a:t>
+            </a:r>
+            <a:r>
+              <a:rPr lang="de-DE" sz="2800" dirty="0" err="1" smtClean="0"/>
+              <a:t>Finance</a:t>
+            </a:r>
+            <a:r>
+              <a:rPr lang="de-DE" sz="2800" dirty="0" smtClean="0"/>
+              <a:t> importieren</a:t>
+            </a:r>
+          </a:p>
+          <a:p>
+            <a:pPr lvl="2">
+              <a:lnSpc>
+                <a:spcPct val="150000"/>
+              </a:lnSpc>
+            </a:pPr>
+            <a:r>
+              <a:rPr lang="de-DE" sz="2600" dirty="0" smtClean="0"/>
+              <a:t>.</a:t>
+            </a:r>
+            <a:r>
+              <a:rPr lang="de-DE" sz="2600" dirty="0" err="1" smtClean="0"/>
+              <a:t>csv‘s</a:t>
+            </a:r>
+            <a:r>
+              <a:rPr lang="de-DE" sz="2600" dirty="0" smtClean="0"/>
+              <a:t> am </a:t>
+            </a:r>
+            <a:r>
+              <a:rPr lang="de-DE" sz="2600" dirty="0" err="1" smtClean="0"/>
+              <a:t>Dekstop</a:t>
+            </a:r>
+            <a:r>
+              <a:rPr lang="de-DE" sz="2600" dirty="0" smtClean="0"/>
+              <a:t> werden automatisch eingelesen</a:t>
+            </a:r>
+            <a:endParaRPr lang="de-DE" sz="2600" dirty="0" smtClean="0"/>
+          </a:p>
+          <a:p>
+            <a:pPr lvl="1">
+              <a:lnSpc>
+                <a:spcPct val="150000"/>
+              </a:lnSpc>
+            </a:pPr>
+            <a:r>
+              <a:rPr lang="de-DE" sz="2800" dirty="0" smtClean="0"/>
+              <a:t>Maximal 2 (Weil N-Stocks die Algorithmen zur Berechnung sonst zu kompliziert werden)</a:t>
+            </a:r>
+            <a:endParaRPr lang="de-DE" sz="2800" dirty="0" smtClean="0"/>
+          </a:p>
+        </p:txBody>
+      </p:sp>
+      <p:sp>
+        <p:nvSpPr>
+          <p:cNvPr id="6" name="Foliennummernplatzhalter 5"/>
+          <p:cNvSpPr>
+            <a:spLocks noGrp="1"/>
+          </p:cNvSpPr>
+          <p:nvPr>
+            <p:ph type="sldNum" sz="quarter" idx="12"/>
+          </p:nvPr>
+        </p:nvSpPr>
+        <p:spPr/>
+        <p:txBody>
+          <a:bodyPr/>
+          <a:lstStyle/>
+          <a:p>
+            <a:fld id="{15BF1572-E7A8-4393-8AEC-CE9971F61807}" type="slidenum">
+              <a:rPr lang="de-DE" smtClean="0"/>
+              <a:t>6</a:t>
+            </a:fld>
+            <a:endParaRPr lang="de-DE"/>
+          </a:p>
+        </p:txBody>
+      </p:sp>
+    </p:spTree>
+    <p:extLst>
+      <p:ext uri="{BB962C8B-B14F-4D97-AF65-F5344CB8AC3E}">
+        <p14:creationId xmlns:p14="http://schemas.microsoft.com/office/powerpoint/2010/main" val="1241103291"/>
+      </p:ext>
+    </p:extLst>
+  </p:cSld>
+  <p:clrMapOvr>
+    <a:masterClrMapping/>
+  </p:clrMapOvr>
+  <p:timing>
+    <p:tnLst>
+      <p:par>
+        <p:cTn id="1" dur="indefinite" restart="never" nodeType="tmRoot"/>
+      </p:par>
+    </p:tnLst>
+  </p:timing>
+</p:sld>
+</file>
+
 <file path=ppt/theme/theme1.xml><?xml version="1.0" encoding="utf-8"?>
 <a:theme xmlns:a="http://schemas.openxmlformats.org/drawingml/2006/main" name="HDOfficeLightV0">
   <a:themeElements>

--- a/Files/Unsere Folien.pptx
+++ b/Files/Unsere Folien.pptx
@@ -6,7 +6,7 @@
     <p:sldMasterId id="2147484165" r:id="rId2"/>
   </p:sldMasterIdLst>
   <p:notesMasterIdLst>
-    <p:notesMasterId r:id="rId9"/>
+    <p:notesMasterId r:id="rId11"/>
   </p:notesMasterIdLst>
   <p:sldIdLst>
     <p:sldId id="256" r:id="rId3"/>
@@ -14,7 +14,9 @@
     <p:sldId id="258" r:id="rId5"/>
     <p:sldId id="259" r:id="rId6"/>
     <p:sldId id="260" r:id="rId7"/>
-    <p:sldId id="261" r:id="rId8"/>
+    <p:sldId id="262" r:id="rId8"/>
+    <p:sldId id="261" r:id="rId9"/>
+    <p:sldId id="263" r:id="rId10"/>
   </p:sldIdLst>
   <p:sldSz cx="12192000" cy="6858000"/>
   <p:notesSz cx="6858000" cy="9144000"/>
@@ -1021,6 +1023,13 @@
     <dgm:pt modelId="{7F16B40C-BE7A-461D-9E88-E6EF8E5F919C}" type="pres">
       <dgm:prSet presAssocID="{9316DE0C-5B20-4932-9855-C84620EAFE6D}" presName="sibTrans" presStyleLbl="sibTrans2D1" presStyleIdx="0" presStyleCnt="2"/>
       <dgm:spPr/>
+      <dgm:t>
+        <a:bodyPr/>
+        <a:lstStyle/>
+        <a:p>
+          <a:endParaRPr lang="de-AT"/>
+        </a:p>
+      </dgm:t>
     </dgm:pt>
     <dgm:pt modelId="{3C036747-BB95-4371-8E48-32A9C920F744}" type="pres">
       <dgm:prSet presAssocID="{9316DE0C-5B20-4932-9855-C84620EAFE6D}" presName="spacerB" presStyleCnt="0"/>
@@ -1044,10 +1053,24 @@
     <dgm:pt modelId="{0DCB5306-3428-466A-B8C4-93C7F40ABF77}" type="pres">
       <dgm:prSet presAssocID="{FA50B08F-5E8E-4026-8017-78A5BFCAAE13}" presName="sibTransLast" presStyleLbl="sibTrans2D1" presStyleIdx="1" presStyleCnt="2"/>
       <dgm:spPr/>
+      <dgm:t>
+        <a:bodyPr/>
+        <a:lstStyle/>
+        <a:p>
+          <a:endParaRPr lang="de-AT"/>
+        </a:p>
+      </dgm:t>
     </dgm:pt>
     <dgm:pt modelId="{5C0DC313-38C8-4257-BC2D-B30CBBE03336}" type="pres">
       <dgm:prSet presAssocID="{FA50B08F-5E8E-4026-8017-78A5BFCAAE13}" presName="connectorText" presStyleLbl="sibTrans2D1" presStyleIdx="1" presStyleCnt="2"/>
       <dgm:spPr/>
+      <dgm:t>
+        <a:bodyPr/>
+        <a:lstStyle/>
+        <a:p>
+          <a:endParaRPr lang="de-AT"/>
+        </a:p>
+      </dgm:t>
     </dgm:pt>
     <dgm:pt modelId="{83AE8723-12B3-4A92-A95A-B75DFFB8EF44}" type="pres">
       <dgm:prSet presAssocID="{FA50B08F-5E8E-4026-8017-78A5BFCAAE13}" presName="lastNode" presStyleLbl="node1" presStyleIdx="2" presStyleCnt="3">
@@ -1056,19 +1079,26 @@
         </dgm:presLayoutVars>
       </dgm:prSet>
       <dgm:spPr/>
+      <dgm:t>
+        <a:bodyPr/>
+        <a:lstStyle/>
+        <a:p>
+          <a:endParaRPr lang="de-AT"/>
+        </a:p>
+      </dgm:t>
     </dgm:pt>
   </dgm:ptLst>
   <dgm:cxnLst>
+    <dgm:cxn modelId="{63F281F8-61D8-4402-95D7-C58AC8A41BE3}" srcId="{FA50B08F-5E8E-4026-8017-78A5BFCAAE13}" destId="{1D4EB301-489D-41AA-8055-0C355BDC6999}" srcOrd="0" destOrd="0" parTransId="{361BA697-99F7-4892-A464-8FCC566A6214}" sibTransId="{9316DE0C-5B20-4932-9855-C84620EAFE6D}"/>
+    <dgm:cxn modelId="{7F7311D8-6D93-4EF9-8912-47F888961947}" type="presOf" srcId="{9316DE0C-5B20-4932-9855-C84620EAFE6D}" destId="{7F16B40C-BE7A-461D-9E88-E6EF8E5F919C}" srcOrd="0" destOrd="0" presId="urn:microsoft.com/office/officeart/2005/8/layout/equation2"/>
+    <dgm:cxn modelId="{125E46AD-80C3-43BD-9C90-48F3F4E026ED}" srcId="{FA50B08F-5E8E-4026-8017-78A5BFCAAE13}" destId="{FF3A8904-8F2A-4559-B5BF-5408E7B67053}" srcOrd="1" destOrd="0" parTransId="{AEA02D2B-669D-4D28-9BC3-F0C30169FBC5}" sibTransId="{95953F9B-BD98-402A-B504-03F80E4E30A9}"/>
+    <dgm:cxn modelId="{290131DE-879A-4E82-BEF1-31039CA4893A}" type="presOf" srcId="{95953F9B-BD98-402A-B504-03F80E4E30A9}" destId="{0DCB5306-3428-466A-B8C4-93C7F40ABF77}" srcOrd="0" destOrd="0" presId="urn:microsoft.com/office/officeart/2005/8/layout/equation2"/>
+    <dgm:cxn modelId="{6CC7905D-B322-474B-A99B-F510F1A24F82}" type="presOf" srcId="{2EF1A071-594C-4D20-8D51-62FE82CBB4CA}" destId="{83AE8723-12B3-4A92-A95A-B75DFFB8EF44}" srcOrd="0" destOrd="0" presId="urn:microsoft.com/office/officeart/2005/8/layout/equation2"/>
+    <dgm:cxn modelId="{E1372815-022B-4530-BF1D-65FFF5936FA5}" srcId="{FA50B08F-5E8E-4026-8017-78A5BFCAAE13}" destId="{2EF1A071-594C-4D20-8D51-62FE82CBB4CA}" srcOrd="2" destOrd="0" parTransId="{6363C4D0-C04C-4EEA-BA29-22A1AA940E4C}" sibTransId="{0D4F5E03-A9E9-4BFF-B178-E9FCDC067B07}"/>
+    <dgm:cxn modelId="{B0AB667C-10E8-45E0-81A7-00B2C9D82434}" type="presOf" srcId="{95953F9B-BD98-402A-B504-03F80E4E30A9}" destId="{5C0DC313-38C8-4257-BC2D-B30CBBE03336}" srcOrd="1" destOrd="0" presId="urn:microsoft.com/office/officeart/2005/8/layout/equation2"/>
+    <dgm:cxn modelId="{341C9047-45CE-4A96-9325-D736FB631519}" type="presOf" srcId="{FF3A8904-8F2A-4559-B5BF-5408E7B67053}" destId="{A6820B18-74D0-4AA7-89C9-D6D8B6583D87}" srcOrd="0" destOrd="0" presId="urn:microsoft.com/office/officeart/2005/8/layout/equation2"/>
+    <dgm:cxn modelId="{7D6B1EB8-4E99-4F3A-87FB-9C13153ED425}" type="presOf" srcId="{1D4EB301-489D-41AA-8055-0C355BDC6999}" destId="{EFAEB83F-7869-474B-AA5D-EBDCAB86A0B9}" srcOrd="0" destOrd="0" presId="urn:microsoft.com/office/officeart/2005/8/layout/equation2"/>
     <dgm:cxn modelId="{2C6F8155-67A9-4079-A37B-87E38F17B935}" type="presOf" srcId="{FA50B08F-5E8E-4026-8017-78A5BFCAAE13}" destId="{5EB86B4D-08CA-4F23-BF05-DA0BF5DE96C0}" srcOrd="0" destOrd="0" presId="urn:microsoft.com/office/officeart/2005/8/layout/equation2"/>
-    <dgm:cxn modelId="{125E46AD-80C3-43BD-9C90-48F3F4E026ED}" srcId="{FA50B08F-5E8E-4026-8017-78A5BFCAAE13}" destId="{FF3A8904-8F2A-4559-B5BF-5408E7B67053}" srcOrd="1" destOrd="0" parTransId="{AEA02D2B-669D-4D28-9BC3-F0C30169FBC5}" sibTransId="{95953F9B-BD98-402A-B504-03F80E4E30A9}"/>
-    <dgm:cxn modelId="{7F7311D8-6D93-4EF9-8912-47F888961947}" type="presOf" srcId="{9316DE0C-5B20-4932-9855-C84620EAFE6D}" destId="{7F16B40C-BE7A-461D-9E88-E6EF8E5F919C}" srcOrd="0" destOrd="0" presId="urn:microsoft.com/office/officeart/2005/8/layout/equation2"/>
-    <dgm:cxn modelId="{B0AB667C-10E8-45E0-81A7-00B2C9D82434}" type="presOf" srcId="{95953F9B-BD98-402A-B504-03F80E4E30A9}" destId="{5C0DC313-38C8-4257-BC2D-B30CBBE03336}" srcOrd="1" destOrd="0" presId="urn:microsoft.com/office/officeart/2005/8/layout/equation2"/>
-    <dgm:cxn modelId="{290131DE-879A-4E82-BEF1-31039CA4893A}" type="presOf" srcId="{95953F9B-BD98-402A-B504-03F80E4E30A9}" destId="{0DCB5306-3428-466A-B8C4-93C7F40ABF77}" srcOrd="0" destOrd="0" presId="urn:microsoft.com/office/officeart/2005/8/layout/equation2"/>
-    <dgm:cxn modelId="{7D6B1EB8-4E99-4F3A-87FB-9C13153ED425}" type="presOf" srcId="{1D4EB301-489D-41AA-8055-0C355BDC6999}" destId="{EFAEB83F-7869-474B-AA5D-EBDCAB86A0B9}" srcOrd="0" destOrd="0" presId="urn:microsoft.com/office/officeart/2005/8/layout/equation2"/>
-    <dgm:cxn modelId="{63F281F8-61D8-4402-95D7-C58AC8A41BE3}" srcId="{FA50B08F-5E8E-4026-8017-78A5BFCAAE13}" destId="{1D4EB301-489D-41AA-8055-0C355BDC6999}" srcOrd="0" destOrd="0" parTransId="{361BA697-99F7-4892-A464-8FCC566A6214}" sibTransId="{9316DE0C-5B20-4932-9855-C84620EAFE6D}"/>
-    <dgm:cxn modelId="{E1372815-022B-4530-BF1D-65FFF5936FA5}" srcId="{FA50B08F-5E8E-4026-8017-78A5BFCAAE13}" destId="{2EF1A071-594C-4D20-8D51-62FE82CBB4CA}" srcOrd="2" destOrd="0" parTransId="{6363C4D0-C04C-4EEA-BA29-22A1AA940E4C}" sibTransId="{0D4F5E03-A9E9-4BFF-B178-E9FCDC067B07}"/>
-    <dgm:cxn modelId="{6CC7905D-B322-474B-A99B-F510F1A24F82}" type="presOf" srcId="{2EF1A071-594C-4D20-8D51-62FE82CBB4CA}" destId="{83AE8723-12B3-4A92-A95A-B75DFFB8EF44}" srcOrd="0" destOrd="0" presId="urn:microsoft.com/office/officeart/2005/8/layout/equation2"/>
-    <dgm:cxn modelId="{341C9047-45CE-4A96-9325-D736FB631519}" type="presOf" srcId="{FF3A8904-8F2A-4559-B5BF-5408E7B67053}" destId="{A6820B18-74D0-4AA7-89C9-D6D8B6583D87}" srcOrd="0" destOrd="0" presId="urn:microsoft.com/office/officeart/2005/8/layout/equation2"/>
     <dgm:cxn modelId="{92E5CC2B-40B8-4A62-B3C0-32B5BA09A351}" type="presParOf" srcId="{5EB86B4D-08CA-4F23-BF05-DA0BF5DE96C0}" destId="{FC733417-C474-4401-9E46-0EF3974E17EC}" srcOrd="0" destOrd="0" presId="urn:microsoft.com/office/officeart/2005/8/layout/equation2"/>
     <dgm:cxn modelId="{379DD67F-FAA9-4136-B561-D27D503BE942}" type="presParOf" srcId="{FC733417-C474-4401-9E46-0EF3974E17EC}" destId="{EFAEB83F-7869-474B-AA5D-EBDCAB86A0B9}" srcOrd="0" destOrd="0" presId="urn:microsoft.com/office/officeart/2005/8/layout/equation2"/>
     <dgm:cxn modelId="{BDD88F6E-0E90-4CFE-8A0A-37320DDEB62E}" type="presParOf" srcId="{FC733417-C474-4401-9E46-0EF3974E17EC}" destId="{495F9EC5-277F-4077-8F40-0A2C926126B5}" srcOrd="1" destOrd="0" presId="urn:microsoft.com/office/officeart/2005/8/layout/equation2"/>
@@ -2953,7 +2983,7 @@
           <a:p>
             <a:fld id="{6B9515E5-0190-44C7-B9DE-93188D640A17}" type="datetimeFigureOut">
               <a:rPr lang="de-DE" smtClean="0"/>
-              <a:t>22.02.2015</a:t>
+              <a:t>23.02.2015</a:t>
             </a:fld>
             <a:endParaRPr lang="de-DE"/>
           </a:p>
@@ -3447,7 +3477,7 @@
           <a:p>
             <a:fld id="{4B2DA33B-01F4-4E5A-9D60-CCCF83777004}" type="datetime1">
               <a:rPr lang="de-DE" smtClean="0"/>
-              <a:t>22.02.2015</a:t>
+              <a:t>23.02.2015</a:t>
             </a:fld>
             <a:endParaRPr lang="de-DE"/>
           </a:p>
@@ -3617,7 +3647,7 @@
           <a:p>
             <a:fld id="{899D4D3C-5AF5-44B6-83AB-BAD62DB4E383}" type="datetime1">
               <a:rPr lang="de-DE" smtClean="0"/>
-              <a:t>22.02.2015</a:t>
+              <a:t>23.02.2015</a:t>
             </a:fld>
             <a:endParaRPr lang="de-DE"/>
           </a:p>
@@ -3797,7 +3827,7 @@
           <a:p>
             <a:fld id="{856AF03E-FB57-4CEE-A6F6-9C1ADE319FF8}" type="datetime1">
               <a:rPr lang="de-DE" smtClean="0"/>
-              <a:t>22.02.2015</a:t>
+              <a:t>23.02.2015</a:t>
             </a:fld>
             <a:endParaRPr lang="de-DE"/>
           </a:p>
@@ -4046,7 +4076,7 @@
           <a:p>
             <a:fld id="{BBECC11B-F07F-400A-879F-C841C198AFB2}" type="datetime1">
               <a:rPr lang="de-DE" smtClean="0"/>
-              <a:t>22.02.2015</a:t>
+              <a:t>23.02.2015</a:t>
             </a:fld>
             <a:endParaRPr lang="de-DE"/>
           </a:p>
@@ -4313,7 +4343,7 @@
           <a:p>
             <a:fld id="{3699CA22-3EA1-4D0C-9E86-3C34967C15AA}" type="datetime1">
               <a:rPr lang="de-DE" smtClean="0"/>
-              <a:t>22.02.2015</a:t>
+              <a:t>23.02.2015</a:t>
             </a:fld>
             <a:endParaRPr lang="de-DE"/>
           </a:p>
@@ -4642,7 +4672,7 @@
           <a:p>
             <a:fld id="{B2A1934B-ABA4-48DE-9708-5F58958F52E1}" type="datetime1">
               <a:rPr lang="de-DE" smtClean="0"/>
-              <a:t>22.02.2015</a:t>
+              <a:t>23.02.2015</a:t>
             </a:fld>
             <a:endParaRPr lang="de-DE"/>
           </a:p>
@@ -4965,7 +4995,7 @@
           <a:p>
             <a:fld id="{D6222B0F-67F7-47F2-83BE-003DDC0B8177}" type="datetime1">
               <a:rPr lang="de-DE" smtClean="0"/>
-              <a:t>22.02.2015</a:t>
+              <a:t>23.02.2015</a:t>
             </a:fld>
             <a:endParaRPr lang="de-DE"/>
           </a:p>
@@ -5422,7 +5452,7 @@
           <a:p>
             <a:fld id="{86BBD164-1E7D-44FC-B404-460BD00DCEF9}" type="datetime1">
               <a:rPr lang="de-DE" smtClean="0"/>
-              <a:t>22.02.2015</a:t>
+              <a:t>23.02.2015</a:t>
             </a:fld>
             <a:endParaRPr lang="de-DE"/>
           </a:p>
@@ -5627,7 +5657,7 @@
           <a:p>
             <a:fld id="{0A78F9AE-502C-4615-B089-AB7DD41D4282}" type="datetime1">
               <a:rPr lang="de-DE" smtClean="0"/>
-              <a:t>22.02.2015</a:t>
+              <a:t>23.02.2015</a:t>
             </a:fld>
             <a:endParaRPr lang="de-DE"/>
           </a:p>
@@ -5804,7 +5834,7 @@
           <a:p>
             <a:fld id="{91E6437C-45E1-4608-A1B6-D1BD0402B652}" type="datetime1">
               <a:rPr lang="de-DE" smtClean="0"/>
-              <a:t>22.02.2015</a:t>
+              <a:t>23.02.2015</a:t>
             </a:fld>
             <a:endParaRPr lang="de-DE"/>
           </a:p>
@@ -6137,7 +6167,7 @@
           <a:p>
             <a:fld id="{44D16251-3E7F-4045-A4CD-20DECB59E8E4}" type="datetime1">
               <a:rPr lang="de-DE" smtClean="0"/>
-              <a:t>22.02.2015</a:t>
+              <a:t>23.02.2015</a:t>
             </a:fld>
             <a:endParaRPr lang="de-DE"/>
           </a:p>
@@ -6389,7 +6419,7 @@
           <a:p>
             <a:fld id="{1A3B3180-84DB-483E-AEC3-8C62C993C786}" type="datetime1">
               <a:rPr lang="de-DE" smtClean="0"/>
-              <a:t>22.02.2015</a:t>
+              <a:t>23.02.2015</a:t>
             </a:fld>
             <a:endParaRPr lang="de-DE"/>
           </a:p>
@@ -6652,7 +6682,7 @@
           <a:p>
             <a:fld id="{46423CAB-345F-46CA-A325-C4659D940990}" type="datetime1">
               <a:rPr lang="de-DE" smtClean="0"/>
-              <a:t>22.02.2015</a:t>
+              <a:t>23.02.2015</a:t>
             </a:fld>
             <a:endParaRPr lang="de-DE"/>
           </a:p>
@@ -6990,7 +7020,7 @@
           <a:p>
             <a:fld id="{ED98FAEA-560B-444C-85D5-EEF10816C9B9}" type="datetime1">
               <a:rPr lang="de-DE" smtClean="0"/>
-              <a:t>22.02.2015</a:t>
+              <a:t>23.02.2015</a:t>
             </a:fld>
             <a:endParaRPr lang="de-DE"/>
           </a:p>
@@ -7391,7 +7421,7 @@
           <a:p>
             <a:fld id="{FED96219-1420-4CF6-85F6-EE7B6D90CCFE}" type="datetime1">
               <a:rPr lang="de-DE" smtClean="0"/>
-              <a:t>22.02.2015</a:t>
+              <a:t>23.02.2015</a:t>
             </a:fld>
             <a:endParaRPr lang="de-DE"/>
           </a:p>
@@ -7727,7 +7757,7 @@
           <a:p>
             <a:fld id="{6DCD520C-CCAD-4564-A295-2146E66BF700}" type="datetime1">
               <a:rPr lang="de-DE" smtClean="0"/>
-              <a:t>22.02.2015</a:t>
+              <a:t>23.02.2015</a:t>
             </a:fld>
             <a:endParaRPr lang="de-DE"/>
           </a:p>
@@ -8047,7 +8077,7 @@
           <a:p>
             <a:fld id="{5303ADF1-BA39-4966-B599-E5DE9069A942}" type="datetime1">
               <a:rPr lang="de-DE" smtClean="0"/>
-              <a:t>22.02.2015</a:t>
+              <a:t>23.02.2015</a:t>
             </a:fld>
             <a:endParaRPr lang="de-DE"/>
           </a:p>
@@ -8443,7 +8473,7 @@
           <a:p>
             <a:fld id="{745F2CDD-4B4E-44FC-BCE0-B946B2949EF8}" type="datetime1">
               <a:rPr lang="de-DE" smtClean="0"/>
-              <a:t>22.02.2015</a:t>
+              <a:t>23.02.2015</a:t>
             </a:fld>
             <a:endParaRPr lang="de-DE"/>
           </a:p>
@@ -8700,7 +8730,7 @@
           <a:p>
             <a:fld id="{D1F91790-9A49-452E-8EB3-9631716D53D7}" type="datetime1">
               <a:rPr lang="de-DE" smtClean="0"/>
-              <a:t>22.02.2015</a:t>
+              <a:t>23.02.2015</a:t>
             </a:fld>
             <a:endParaRPr lang="de-DE"/>
           </a:p>
@@ -8962,7 +8992,7 @@
           <a:p>
             <a:fld id="{6AE447E0-09DE-441D-BDDF-5D85CEC4E749}" type="datetime1">
               <a:rPr lang="de-DE" smtClean="0"/>
-              <a:t>22.02.2015</a:t>
+              <a:t>23.02.2015</a:t>
             </a:fld>
             <a:endParaRPr lang="de-DE"/>
           </a:p>
@@ -9295,7 +9325,7 @@
           <a:p>
             <a:fld id="{9AA91B9C-9AA9-4209-9C7F-32C604D73EF8}" type="datetime1">
               <a:rPr lang="de-DE" smtClean="0"/>
-              <a:t>22.02.2015</a:t>
+              <a:t>23.02.2015</a:t>
             </a:fld>
             <a:endParaRPr lang="de-DE"/>
           </a:p>
@@ -9527,7 +9557,7 @@
           <a:p>
             <a:fld id="{F3FDD1EB-0920-4C81-BB5D-6AFA169EF380}" type="datetime1">
               <a:rPr lang="de-DE" smtClean="0"/>
-              <a:t>22.02.2015</a:t>
+              <a:t>23.02.2015</a:t>
             </a:fld>
             <a:endParaRPr lang="de-DE"/>
           </a:p>
@@ -9874,7 +9904,7 @@
           <a:p>
             <a:fld id="{7CE8D244-B374-408D-8697-5AC33D233097}" type="datetime1">
               <a:rPr lang="de-DE" smtClean="0"/>
-              <a:t>22.02.2015</a:t>
+              <a:t>23.02.2015</a:t>
             </a:fld>
             <a:endParaRPr lang="de-DE"/>
           </a:p>
@@ -9992,7 +10022,7 @@
           <a:p>
             <a:fld id="{92C1D99C-C0E8-48D6-8EF8-A18983AFD8F7}" type="datetime1">
               <a:rPr lang="de-DE" smtClean="0"/>
-              <a:t>22.02.2015</a:t>
+              <a:t>23.02.2015</a:t>
             </a:fld>
             <a:endParaRPr lang="de-DE"/>
           </a:p>
@@ -10110,7 +10140,7 @@
           <a:p>
             <a:fld id="{2C486229-3117-4CF0-8DC5-2835D949DC9F}" type="datetime1">
               <a:rPr lang="de-DE" smtClean="0"/>
-              <a:t>22.02.2015</a:t>
+              <a:t>23.02.2015</a:t>
             </a:fld>
             <a:endParaRPr lang="de-DE"/>
           </a:p>
@@ -10394,7 +10424,7 @@
           <a:p>
             <a:fld id="{B4E6A621-E14F-44A9-8777-143BE4E1CFDA}" type="datetime1">
               <a:rPr lang="de-DE" smtClean="0"/>
-              <a:t>22.02.2015</a:t>
+              <a:t>23.02.2015</a:t>
             </a:fld>
             <a:endParaRPr lang="de-DE"/>
           </a:p>
@@ -10658,7 +10688,7 @@
           <a:p>
             <a:fld id="{AC61B373-DCCA-47EB-9E63-48452AB7C423}" type="datetime1">
               <a:rPr lang="de-DE" smtClean="0"/>
-              <a:t>22.02.2015</a:t>
+              <a:t>23.02.2015</a:t>
             </a:fld>
             <a:endParaRPr lang="de-DE"/>
           </a:p>
@@ -10872,7 +10902,7 @@
           <a:p>
             <a:fld id="{8A523CE0-84C1-4AC9-92E9-93814978B077}" type="datetime1">
               <a:rPr lang="de-DE" smtClean="0"/>
-              <a:t>22.02.2015</a:t>
+              <a:t>23.02.2015</a:t>
             </a:fld>
             <a:endParaRPr lang="de-DE"/>
           </a:p>
@@ -13219,7 +13249,7 @@
           <a:p>
             <a:fld id="{E87CD86D-0672-4934-B984-F8F8E2647741}" type="datetime1">
               <a:rPr lang="de-DE" smtClean="0"/>
-              <a:t>22.02.2015</a:t>
+              <a:t>23.02.2015</a:t>
             </a:fld>
             <a:endParaRPr lang="de-DE"/>
           </a:p>
@@ -14218,11 +14248,7 @@
             </a:pPr>
             <a:r>
               <a:rPr lang="de-DE" sz="3200" dirty="0" smtClean="0"/>
-              <a:t> </a:t>
-            </a:r>
-            <a:r>
-              <a:rPr lang="de-DE" sz="3200" dirty="0" smtClean="0"/>
-              <a:t>Minimum-Varianz-Portfolio</a:t>
+              <a:t> Minimum-Varianz-Portfolio</a:t>
             </a:r>
           </a:p>
           <a:p>
@@ -14246,7 +14272,6 @@
               <a:rPr lang="de-DE" sz="3000" dirty="0" smtClean="0"/>
               <a:t>Maximiere Rendite bei gegebener Volatilität</a:t>
             </a:r>
-            <a:endParaRPr lang="de-DE" sz="3000" dirty="0" smtClean="0"/>
           </a:p>
         </p:txBody>
       </p:sp>
@@ -14993,6 +15018,463 @@
             <p:ph type="title"/>
           </p:nvPr>
         </p:nvSpPr>
+        <p:spPr/>
+        <p:txBody>
+          <a:bodyPr>
+            <a:normAutofit/>
+          </a:bodyPr>
+          <a:lstStyle/>
+          <a:p>
+            <a:r>
+              <a:rPr lang="de-AT" sz="4800" dirty="0"/>
+              <a:t>Cash &amp; Stocks</a:t>
+            </a:r>
+            <a:endParaRPr lang="de-AT" sz="4800" dirty="0"/>
+          </a:p>
+        </p:txBody>
+      </p:sp>
+      <mc:AlternateContent xmlns:mc="http://schemas.openxmlformats.org/markup-compatibility/2006">
+        <mc:Choice xmlns:a14="http://schemas.microsoft.com/office/drawing/2010/main" Requires="a14">
+          <p:sp>
+            <p:nvSpPr>
+              <p:cNvPr id="3" name="Inhaltsplatzhalter 2"/>
+              <p:cNvSpPr>
+                <a:spLocks noGrp="1"/>
+              </p:cNvSpPr>
+              <p:nvPr>
+                <p:ph idx="1"/>
+              </p:nvPr>
+            </p:nvSpPr>
+            <p:spPr/>
+            <p:txBody>
+              <a:bodyPr/>
+              <a:lstStyle/>
+              <a:p>
+                <a:r>
+                  <a:rPr lang="de-AT" sz="2800" dirty="0"/>
+                  <a:t>Korrelation zwischen Cash und Stock ist </a:t>
+                </a:r>
+                <a:r>
+                  <a:rPr lang="de-AT" sz="2800" dirty="0" smtClean="0"/>
+                  <a:t>0</a:t>
+                </a:r>
+              </a:p>
+              <a:p>
+                <a:endParaRPr lang="de-AT" dirty="0" smtClean="0"/>
+              </a:p>
+              <a:p>
+                <a:pPr marL="0" indent="0">
+                  <a:buNone/>
+                </a:pPr>
+                <a14:m>
+                  <m:oMathPara xmlns:m="http://schemas.openxmlformats.org/officeDocument/2006/math">
+                    <m:oMathParaPr>
+                      <m:jc m:val="centerGroup"/>
+                    </m:oMathParaPr>
+                    <m:oMath xmlns:m="http://schemas.openxmlformats.org/officeDocument/2006/math">
+                      <m:r>
+                        <a:rPr lang="de-AT" sz="2000" i="1" smtClean="0">
+                          <a:latin typeface="Cambria Math" panose="02040503050406030204" pitchFamily="18" charset="0"/>
+                          <a:ea typeface="Cambria Math" panose="02040503050406030204" pitchFamily="18" charset="0"/>
+                        </a:rPr>
+                        <m:t>𝜎</m:t>
+                      </m:r>
+                      <m:d>
+                        <m:dPr>
+                          <m:ctrlPr>
+                            <a:rPr lang="de-AT" sz="2000" b="0" i="1" smtClean="0">
+                              <a:latin typeface="Cambria Math" panose="02040503050406030204" pitchFamily="18" charset="0"/>
+                              <a:ea typeface="Cambria Math" panose="02040503050406030204" pitchFamily="18" charset="0"/>
+                            </a:rPr>
+                          </m:ctrlPr>
+                        </m:dPr>
+                        <m:e>
+                          <m:sSub>
+                            <m:sSubPr>
+                              <m:ctrlPr>
+                                <a:rPr lang="de-AT" sz="2000" b="0" i="1" smtClean="0">
+                                  <a:latin typeface="Cambria Math" panose="02040503050406030204" pitchFamily="18" charset="0"/>
+                                  <a:ea typeface="Cambria Math" panose="02040503050406030204" pitchFamily="18" charset="0"/>
+                                </a:rPr>
+                              </m:ctrlPr>
+                            </m:sSubPr>
+                            <m:e>
+                              <m:r>
+                                <a:rPr lang="de-AT" sz="2000" i="1">
+                                  <a:latin typeface="Cambria Math" panose="02040503050406030204" pitchFamily="18" charset="0"/>
+                                  <a:ea typeface="Cambria Math" panose="02040503050406030204" pitchFamily="18" charset="0"/>
+                                </a:rPr>
+                                <m:t>𝑟</m:t>
+                              </m:r>
+                            </m:e>
+                            <m:sub>
+                              <m:r>
+                                <a:rPr lang="de-AT" sz="2000" b="0" i="1" smtClean="0">
+                                  <a:latin typeface="Cambria Math" panose="02040503050406030204" pitchFamily="18" charset="0"/>
+                                  <a:ea typeface="Cambria Math" panose="02040503050406030204" pitchFamily="18" charset="0"/>
+                                </a:rPr>
+                                <m:t>𝑝</m:t>
+                              </m:r>
+                            </m:sub>
+                          </m:sSub>
+                          <m:r>
+                            <m:rPr>
+                              <m:nor/>
+                            </m:rPr>
+                            <a:rPr lang="de-AT" sz="2000" dirty="0"/>
+                            <m:t>) = (1 - </m:t>
+                          </m:r>
+                          <m:r>
+                            <m:rPr>
+                              <m:sty m:val="p"/>
+                            </m:rPr>
+                            <a:rPr lang="de-AT" sz="2000" i="1" dirty="0" smtClean="0">
+                              <a:latin typeface="Cambria Math" panose="02040503050406030204" pitchFamily="18" charset="0"/>
+                              <a:ea typeface="Cambria Math" panose="02040503050406030204" pitchFamily="18" charset="0"/>
+                            </a:rPr>
+                            <m:t>α</m:t>
+                          </m:r>
+                        </m:e>
+                      </m:d>
+                      <m:r>
+                        <a:rPr lang="de-AT" sz="2000" b="0" i="1" dirty="0" smtClean="0">
+                          <a:latin typeface="Cambria Math" panose="02040503050406030204" pitchFamily="18" charset="0"/>
+                          <a:ea typeface="Cambria Math" panose="02040503050406030204" pitchFamily="18" charset="0"/>
+                        </a:rPr>
+                        <m:t>∗</m:t>
+                      </m:r>
+                      <m:r>
+                        <a:rPr lang="de-AT" sz="2000" i="1">
+                          <a:latin typeface="Cambria Math" panose="02040503050406030204" pitchFamily="18" charset="0"/>
+                          <a:ea typeface="Cambria Math" panose="02040503050406030204" pitchFamily="18" charset="0"/>
+                        </a:rPr>
+                        <m:t>𝜎</m:t>
+                      </m:r>
+                      <m:r>
+                        <a:rPr lang="de-AT" sz="2000" b="0" i="1" dirty="0" smtClean="0">
+                          <a:latin typeface="Cambria Math" panose="02040503050406030204" pitchFamily="18" charset="0"/>
+                          <a:ea typeface="Cambria Math" panose="02040503050406030204" pitchFamily="18" charset="0"/>
+                        </a:rPr>
+                        <m:t>(</m:t>
+                      </m:r>
+                      <m:sSub>
+                        <m:sSubPr>
+                          <m:ctrlPr>
+                            <a:rPr lang="de-AT" sz="2000" i="1">
+                              <a:latin typeface="Cambria Math" panose="02040503050406030204" pitchFamily="18" charset="0"/>
+                              <a:ea typeface="Cambria Math" panose="02040503050406030204" pitchFamily="18" charset="0"/>
+                            </a:rPr>
+                          </m:ctrlPr>
+                        </m:sSubPr>
+                        <m:e>
+                          <m:r>
+                            <a:rPr lang="de-AT" sz="2000" i="1">
+                              <a:latin typeface="Cambria Math" panose="02040503050406030204" pitchFamily="18" charset="0"/>
+                              <a:ea typeface="Cambria Math" panose="02040503050406030204" pitchFamily="18" charset="0"/>
+                            </a:rPr>
+                            <m:t>𝑟</m:t>
+                          </m:r>
+                        </m:e>
+                        <m:sub>
+                          <m:r>
+                            <a:rPr lang="de-AT" sz="2000" b="0" i="1" smtClean="0">
+                              <a:latin typeface="Cambria Math" panose="02040503050406030204" pitchFamily="18" charset="0"/>
+                              <a:ea typeface="Cambria Math" panose="02040503050406030204" pitchFamily="18" charset="0"/>
+                            </a:rPr>
+                            <m:t>𝑚</m:t>
+                          </m:r>
+                        </m:sub>
+                      </m:sSub>
+                      <m:r>
+                        <m:rPr>
+                          <m:nor/>
+                        </m:rPr>
+                        <a:rPr lang="de-AT" sz="2000" dirty="0"/>
+                        <m:t>)</m:t>
+                      </m:r>
+                    </m:oMath>
+                  </m:oMathPara>
+                </a14:m>
+                <a:endParaRPr lang="de-AT" sz="2000" dirty="0" smtClean="0"/>
+              </a:p>
+              <a:p>
+                <a:pPr marL="0" indent="0" algn="ctr">
+                  <a:buNone/>
+                </a:pPr>
+                <a14:m>
+                  <m:oMath xmlns:m="http://schemas.openxmlformats.org/officeDocument/2006/math">
+                    <m:r>
+                      <a:rPr lang="de-AT" sz="2000" b="0" i="1" smtClean="0">
+                        <a:latin typeface="Cambria Math" panose="02040503050406030204" pitchFamily="18" charset="0"/>
+                      </a:rPr>
+                      <m:t>𝐸</m:t>
+                    </m:r>
+                    <m:d>
+                      <m:dPr>
+                        <m:ctrlPr>
+                          <a:rPr lang="de-AT" sz="2000" b="0" i="1" smtClean="0">
+                            <a:latin typeface="Cambria Math" panose="02040503050406030204" pitchFamily="18" charset="0"/>
+                          </a:rPr>
+                        </m:ctrlPr>
+                      </m:dPr>
+                      <m:e>
+                        <m:sSub>
+                          <m:sSubPr>
+                            <m:ctrlPr>
+                              <a:rPr lang="de-AT" sz="2000" i="1" smtClean="0">
+                                <a:latin typeface="Cambria Math" panose="02040503050406030204" pitchFamily="18" charset="0"/>
+                              </a:rPr>
+                            </m:ctrlPr>
+                          </m:sSubPr>
+                          <m:e>
+                            <m:r>
+                              <a:rPr lang="de-AT" sz="2000" b="0" i="1" smtClean="0">
+                                <a:latin typeface="Cambria Math" panose="02040503050406030204" pitchFamily="18" charset="0"/>
+                              </a:rPr>
+                              <m:t>𝑟</m:t>
+                            </m:r>
+                          </m:e>
+                          <m:sub>
+                            <m:r>
+                              <a:rPr lang="de-AT" sz="2000" b="0" i="1" smtClean="0">
+                                <a:latin typeface="Cambria Math" panose="02040503050406030204" pitchFamily="18" charset="0"/>
+                              </a:rPr>
+                              <m:t>𝑝</m:t>
+                            </m:r>
+                          </m:sub>
+                        </m:sSub>
+                      </m:e>
+                    </m:d>
+                    <m:r>
+                      <a:rPr lang="de-AT" sz="2000" b="0" i="1" smtClean="0">
+                        <a:latin typeface="Cambria Math" panose="02040503050406030204" pitchFamily="18" charset="0"/>
+                      </a:rPr>
+                      <m:t>= </m:t>
+                    </m:r>
+                    <m:r>
+                      <a:rPr lang="de-AT" sz="2000" b="0" i="1" smtClean="0">
+                        <a:latin typeface="Cambria Math" panose="02040503050406030204" pitchFamily="18" charset="0"/>
+                        <a:ea typeface="Cambria Math" panose="02040503050406030204" pitchFamily="18" charset="0"/>
+                      </a:rPr>
+                      <m:t>𝛼</m:t>
+                    </m:r>
+                    <m:r>
+                      <a:rPr lang="de-AT" sz="2000" b="0" i="1" smtClean="0">
+                        <a:latin typeface="Cambria Math" panose="02040503050406030204" pitchFamily="18" charset="0"/>
+                        <a:ea typeface="Cambria Math" panose="02040503050406030204" pitchFamily="18" charset="0"/>
+                      </a:rPr>
+                      <m:t>∗</m:t>
+                    </m:r>
+                    <m:r>
+                      <a:rPr lang="de-AT" sz="2000" b="0" i="1" smtClean="0">
+                        <a:latin typeface="Cambria Math" panose="02040503050406030204" pitchFamily="18" charset="0"/>
+                        <a:ea typeface="Cambria Math" panose="02040503050406030204" pitchFamily="18" charset="0"/>
+                      </a:rPr>
+                      <m:t>𝑟</m:t>
+                    </m:r>
+                    <m:r>
+                      <a:rPr lang="de-AT" sz="2000" b="0" i="1" smtClean="0">
+                        <a:latin typeface="Cambria Math" panose="02040503050406030204" pitchFamily="18" charset="0"/>
+                        <a:ea typeface="Cambria Math" panose="02040503050406030204" pitchFamily="18" charset="0"/>
+                      </a:rPr>
+                      <m:t>+</m:t>
+                    </m:r>
+                    <m:d>
+                      <m:dPr>
+                        <m:ctrlPr>
+                          <a:rPr lang="de-AT" sz="2000" b="0" i="1" smtClean="0">
+                            <a:latin typeface="Cambria Math" panose="02040503050406030204" pitchFamily="18" charset="0"/>
+                            <a:ea typeface="Cambria Math" panose="02040503050406030204" pitchFamily="18" charset="0"/>
+                          </a:rPr>
+                        </m:ctrlPr>
+                      </m:dPr>
+                      <m:e>
+                        <m:r>
+                          <a:rPr lang="de-AT" sz="2000" b="0" i="1" smtClean="0">
+                            <a:latin typeface="Cambria Math" panose="02040503050406030204" pitchFamily="18" charset="0"/>
+                            <a:ea typeface="Cambria Math" panose="02040503050406030204" pitchFamily="18" charset="0"/>
+                          </a:rPr>
+                          <m:t>1−</m:t>
+                        </m:r>
+                        <m:r>
+                          <a:rPr lang="de-AT" sz="2000" b="0" i="1" smtClean="0">
+                            <a:latin typeface="Cambria Math" panose="02040503050406030204" pitchFamily="18" charset="0"/>
+                            <a:ea typeface="Cambria Math" panose="02040503050406030204" pitchFamily="18" charset="0"/>
+                          </a:rPr>
+                          <m:t>𝛼</m:t>
+                        </m:r>
+                      </m:e>
+                    </m:d>
+                    <m:r>
+                      <a:rPr lang="de-AT" sz="2000" b="0" i="1" smtClean="0">
+                        <a:latin typeface="Cambria Math" panose="02040503050406030204" pitchFamily="18" charset="0"/>
+                        <a:ea typeface="Cambria Math" panose="02040503050406030204" pitchFamily="18" charset="0"/>
+                      </a:rPr>
+                      <m:t>∗</m:t>
+                    </m:r>
+                    <m:r>
+                      <a:rPr lang="de-AT" sz="2000" b="0" i="1" smtClean="0">
+                        <a:latin typeface="Cambria Math" panose="02040503050406030204" pitchFamily="18" charset="0"/>
+                        <a:ea typeface="Cambria Math" panose="02040503050406030204" pitchFamily="18" charset="0"/>
+                      </a:rPr>
+                      <m:t>𝐸</m:t>
+                    </m:r>
+                  </m:oMath>
+                </a14:m>
+                <a:r>
+                  <a:rPr lang="de-AT" sz="2000" dirty="0" smtClean="0"/>
+                  <a:t>(</a:t>
+                </a:r>
+                <a14:m>
+                  <m:oMath xmlns:m="http://schemas.openxmlformats.org/officeDocument/2006/math">
+                    <m:sSub>
+                      <m:sSubPr>
+                        <m:ctrlPr>
+                          <a:rPr lang="de-AT" sz="2000" i="1">
+                            <a:latin typeface="Cambria Math" panose="02040503050406030204" pitchFamily="18" charset="0"/>
+                          </a:rPr>
+                        </m:ctrlPr>
+                      </m:sSubPr>
+                      <m:e>
+                        <m:r>
+                          <a:rPr lang="de-AT" sz="2000" i="1">
+                            <a:latin typeface="Cambria Math" panose="02040503050406030204" pitchFamily="18" charset="0"/>
+                          </a:rPr>
+                          <m:t>𝑟</m:t>
+                        </m:r>
+                      </m:e>
+                      <m:sub>
+                        <m:r>
+                          <a:rPr lang="de-AT" sz="2000" b="0" i="1" smtClean="0">
+                            <a:latin typeface="Cambria Math" panose="02040503050406030204" pitchFamily="18" charset="0"/>
+                          </a:rPr>
+                          <m:t>𝑀</m:t>
+                        </m:r>
+                      </m:sub>
+                    </m:sSub>
+                    <m:r>
+                      <a:rPr lang="de-AT" sz="2000" b="0" i="1" smtClean="0">
+                        <a:latin typeface="Cambria Math" panose="02040503050406030204" pitchFamily="18" charset="0"/>
+                      </a:rPr>
+                      <m:t>)</m:t>
+                    </m:r>
+                  </m:oMath>
+                </a14:m>
+                <a:endParaRPr lang="de-AT" sz="2000" dirty="0" smtClean="0"/>
+              </a:p>
+              <a:p>
+                <a:pPr marL="0" indent="0" algn="ctr">
+                  <a:buNone/>
+                </a:pPr>
+                <a:endParaRPr lang="de-AT" sz="2000" dirty="0" smtClean="0"/>
+              </a:p>
+              <a:p>
+                <a:r>
+                  <a:rPr lang="de-AT" sz="2800" dirty="0" smtClean="0"/>
+                  <a:t>Tangential Portfolio mit der größten Steigung stellt ein optimales riskantes Portfolio dar</a:t>
+                </a:r>
+                <a:endParaRPr lang="de-AT" sz="2800" dirty="0"/>
+              </a:p>
+            </p:txBody>
+          </p:sp>
+        </mc:Choice>
+        <mc:Fallback>
+          <p:sp>
+            <p:nvSpPr>
+              <p:cNvPr id="3" name="Inhaltsplatzhalter 2"/>
+              <p:cNvSpPr>
+                <a:spLocks noGrp="1" noRot="1" noChangeAspect="1" noMove="1" noResize="1" noEditPoints="1" noAdjustHandles="1" noChangeArrowheads="1" noChangeShapeType="1" noTextEdit="1"/>
+              </p:cNvSpPr>
+              <p:nvPr>
+                <p:ph idx="1"/>
+              </p:nvPr>
+            </p:nvSpPr>
+            <p:spPr>
+              <a:blipFill rotWithShape="0">
+                <a:blip r:embed="rId2"/>
+                <a:stretch>
+                  <a:fillRect l="-1300" t="-1613"/>
+                </a:stretch>
+              </a:blipFill>
+            </p:spPr>
+            <p:txBody>
+              <a:bodyPr/>
+              <a:lstStyle/>
+              <a:p>
+                <a:r>
+                  <a:rPr lang="de-AT">
+                    <a:noFill/>
+                  </a:rPr>
+                  <a:t> </a:t>
+                </a:r>
+              </a:p>
+            </p:txBody>
+          </p:sp>
+        </mc:Fallback>
+      </mc:AlternateContent>
+      <p:sp>
+        <p:nvSpPr>
+          <p:cNvPr id="4" name="Foliennummernplatzhalter 3"/>
+          <p:cNvSpPr>
+            <a:spLocks noGrp="1"/>
+          </p:cNvSpPr>
+          <p:nvPr>
+            <p:ph type="sldNum" sz="quarter" idx="12"/>
+          </p:nvPr>
+        </p:nvSpPr>
+        <p:spPr/>
+        <p:txBody>
+          <a:bodyPr/>
+          <a:lstStyle/>
+          <a:p>
+            <a:fld id="{15BF1572-E7A8-4393-8AEC-CE9971F61807}" type="slidenum">
+              <a:rPr lang="de-DE" smtClean="0"/>
+              <a:t>6</a:t>
+            </a:fld>
+            <a:endParaRPr lang="de-DE"/>
+          </a:p>
+        </p:txBody>
+      </p:sp>
+    </p:spTree>
+    <p:extLst>
+      <p:ext uri="{BB962C8B-B14F-4D97-AF65-F5344CB8AC3E}">
+        <p14:creationId xmlns:p14="http://schemas.microsoft.com/office/powerpoint/2010/main" val="472010197"/>
+      </p:ext>
+    </p:extLst>
+  </p:cSld>
+  <p:clrMapOvr>
+    <a:masterClrMapping/>
+  </p:clrMapOvr>
+</p:sld>
+</file>
+
+<file path=ppt/slides/slide7.xml><?xml version="1.0" encoding="utf-8"?>
+<p:sld xmlns:a="http://schemas.openxmlformats.org/drawingml/2006/main" xmlns:r="http://schemas.openxmlformats.org/officeDocument/2006/relationships" xmlns:p="http://schemas.openxmlformats.org/presentationml/2006/main">
+  <p:cSld>
+    <p:spTree>
+      <p:nvGrpSpPr>
+        <p:cNvPr id="1" name=""/>
+        <p:cNvGrpSpPr/>
+        <p:nvPr/>
+      </p:nvGrpSpPr>
+      <p:grpSpPr>
+        <a:xfrm>
+          <a:off x="0" y="0"/>
+          <a:ext cx="0" cy="0"/>
+          <a:chOff x="0" y="0"/>
+          <a:chExt cx="0" cy="0"/>
+        </a:xfrm>
+      </p:grpSpPr>
+      <p:sp>
+        <p:nvSpPr>
+          <p:cNvPr id="2" name="Titel 1"/>
+          <p:cNvSpPr>
+            <a:spLocks noGrp="1"/>
+          </p:cNvSpPr>
+          <p:nvPr>
+            <p:ph type="title"/>
+          </p:nvPr>
+        </p:nvSpPr>
         <p:spPr>
           <a:xfrm>
             <a:off x="2592925" y="545729"/>
@@ -15105,7 +15587,6 @@
               <a:rPr lang="de-DE" sz="2600" dirty="0" smtClean="0"/>
               <a:t> werden automatisch eingelesen</a:t>
             </a:r>
-            <a:endParaRPr lang="de-DE" sz="2600" dirty="0" smtClean="0"/>
           </a:p>
           <a:p>
             <a:pPr lvl="1">
@@ -15117,7 +15598,6 @@
               <a:rPr lang="de-DE" sz="2800" dirty="0" smtClean="0"/>
               <a:t>Maximal 2 (Weil N-Stocks die Algorithmen zur Berechnung sonst zu kompliziert werden)</a:t>
             </a:r>
-            <a:endParaRPr lang="de-DE" sz="2800" dirty="0" smtClean="0"/>
           </a:p>
         </p:txBody>
       </p:sp>
@@ -15138,7 +15618,7 @@
           <a:p>
             <a:fld id="{15BF1572-E7A8-4393-8AEC-CE9971F61807}" type="slidenum">
               <a:rPr lang="de-DE" smtClean="0"/>
-              <a:t>6</a:t>
+              <a:t>7</a:t>
             </a:fld>
             <a:endParaRPr lang="de-DE"/>
           </a:p>
@@ -15148,6 +15628,186 @@
     <p:extLst>
       <p:ext uri="{BB962C8B-B14F-4D97-AF65-F5344CB8AC3E}">
         <p14:creationId xmlns:p14="http://schemas.microsoft.com/office/powerpoint/2010/main" val="1241103291"/>
+      </p:ext>
+    </p:extLst>
+  </p:cSld>
+  <p:clrMapOvr>
+    <a:masterClrMapping/>
+  </p:clrMapOvr>
+  <p:timing>
+    <p:tnLst>
+      <p:par>
+        <p:cTn id="1" dur="indefinite" restart="never" nodeType="tmRoot"/>
+      </p:par>
+    </p:tnLst>
+  </p:timing>
+</p:sld>
+</file>
+
+<file path=ppt/slides/slide8.xml><?xml version="1.0" encoding="utf-8"?>
+<p:sld xmlns:a="http://schemas.openxmlformats.org/drawingml/2006/main" xmlns:r="http://schemas.openxmlformats.org/officeDocument/2006/relationships" xmlns:p="http://schemas.openxmlformats.org/presentationml/2006/main">
+  <p:cSld>
+    <p:spTree>
+      <p:nvGrpSpPr>
+        <p:cNvPr id="1" name=""/>
+        <p:cNvGrpSpPr/>
+        <p:nvPr/>
+      </p:nvGrpSpPr>
+      <p:grpSpPr>
+        <a:xfrm>
+          <a:off x="0" y="0"/>
+          <a:ext cx="0" cy="0"/>
+          <a:chOff x="0" y="0"/>
+          <a:chExt cx="0" cy="0"/>
+        </a:xfrm>
+      </p:grpSpPr>
+      <p:sp>
+        <p:nvSpPr>
+          <p:cNvPr id="2" name="Titel 1"/>
+          <p:cNvSpPr>
+            <a:spLocks noGrp="1"/>
+          </p:cNvSpPr>
+          <p:nvPr>
+            <p:ph type="title"/>
+          </p:nvPr>
+        </p:nvSpPr>
+        <p:spPr>
+          <a:xfrm>
+            <a:off x="2592925" y="545729"/>
+            <a:ext cx="8911687" cy="1280890"/>
+          </a:xfrm>
+        </p:spPr>
+        <p:txBody>
+          <a:bodyPr>
+            <a:normAutofit/>
+          </a:bodyPr>
+          <a:lstStyle/>
+          <a:p>
+            <a:r>
+              <a:rPr lang="de-DE" sz="4800" dirty="0" smtClean="0"/>
+              <a:t>Unser Tool</a:t>
+            </a:r>
+            <a:endParaRPr lang="de-DE" dirty="0">
+              <a:solidFill>
+                <a:schemeClr val="tx1">
+                  <a:lumMod val="50000"/>
+                  <a:lumOff val="50000"/>
+                </a:schemeClr>
+              </a:solidFill>
+            </a:endParaRPr>
+          </a:p>
+        </p:txBody>
+      </p:sp>
+      <p:sp>
+        <p:nvSpPr>
+          <p:cNvPr id="3" name="Inhaltsplatzhalter 2"/>
+          <p:cNvSpPr>
+            <a:spLocks noGrp="1"/>
+          </p:cNvSpPr>
+          <p:nvPr>
+            <p:ph idx="1"/>
+          </p:nvPr>
+        </p:nvSpPr>
+        <p:spPr>
+          <a:xfrm>
+            <a:off x="2159726" y="2222977"/>
+            <a:ext cx="9474925" cy="3777622"/>
+          </a:xfrm>
+        </p:spPr>
+        <p:txBody>
+          <a:bodyPr>
+            <a:normAutofit/>
+          </a:bodyPr>
+          <a:lstStyle/>
+          <a:p>
+            <a:pPr>
+              <a:lnSpc>
+                <a:spcPct val="150000"/>
+              </a:lnSpc>
+            </a:pPr>
+            <a:r>
+              <a:rPr lang="de-DE" sz="2800" dirty="0" smtClean="0"/>
+              <a:t>Folgende Parameter können festgelegt werden</a:t>
+            </a:r>
+          </a:p>
+          <a:p>
+            <a:pPr lvl="1">
+              <a:lnSpc>
+                <a:spcPct val="150000"/>
+              </a:lnSpc>
+            </a:pPr>
+            <a:r>
+              <a:rPr lang="de-DE" sz="2400" dirty="0" smtClean="0"/>
+              <a:t>Cash/Stock Aufteilung</a:t>
+            </a:r>
+          </a:p>
+          <a:p>
+            <a:pPr lvl="1">
+              <a:lnSpc>
+                <a:spcPct val="150000"/>
+              </a:lnSpc>
+            </a:pPr>
+            <a:r>
+              <a:rPr lang="de-DE" sz="2400" dirty="0" smtClean="0"/>
+              <a:t>Zinssatz für Cash</a:t>
+            </a:r>
+          </a:p>
+          <a:p>
+            <a:pPr>
+              <a:lnSpc>
+                <a:spcPct val="150000"/>
+              </a:lnSpc>
+            </a:pPr>
+            <a:r>
+              <a:rPr lang="de-DE" sz="2800" dirty="0" smtClean="0"/>
+              <a:t>Grafische Darstellung der Portfoliomöglichkeitskurve</a:t>
+            </a:r>
+          </a:p>
+          <a:p>
+            <a:pPr lvl="1">
+              <a:lnSpc>
+                <a:spcPct val="150000"/>
+              </a:lnSpc>
+            </a:pPr>
+            <a:r>
+              <a:rPr lang="de-DE" sz="2600" dirty="0" smtClean="0"/>
+              <a:t>MVP und optimal </a:t>
+            </a:r>
+            <a:r>
+              <a:rPr lang="de-DE" sz="2600" smtClean="0"/>
+              <a:t>riskantes Portfolioverteilung</a:t>
+            </a:r>
+            <a:endParaRPr lang="de-DE" sz="2600" dirty="0" smtClean="0"/>
+          </a:p>
+        </p:txBody>
+      </p:sp>
+      <p:sp>
+        <p:nvSpPr>
+          <p:cNvPr id="6" name="Foliennummernplatzhalter 5"/>
+          <p:cNvSpPr>
+            <a:spLocks noGrp="1"/>
+          </p:cNvSpPr>
+          <p:nvPr>
+            <p:ph type="sldNum" sz="quarter" idx="12"/>
+          </p:nvPr>
+        </p:nvSpPr>
+        <p:spPr/>
+        <p:txBody>
+          <a:bodyPr/>
+          <a:lstStyle/>
+          <a:p>
+            <a:fld id="{15BF1572-E7A8-4393-8AEC-CE9971F61807}" type="slidenum">
+              <a:rPr lang="de-DE" smtClean="0"/>
+              <a:t>8</a:t>
+            </a:fld>
+            <a:endParaRPr lang="de-DE"/>
+          </a:p>
+        </p:txBody>
+      </p:sp>
+    </p:spTree>
+    <p:extLst>
+      <p:ext uri="{BB962C8B-B14F-4D97-AF65-F5344CB8AC3E}">
+        <p14:creationId xmlns:p14="http://schemas.microsoft.com/office/powerpoint/2010/main" val="606792096"/>
       </p:ext>
     </p:extLst>
   </p:cSld>

--- a/Files/Unsere Folien.pptx
+++ b/Files/Unsere Folien.pptx
@@ -15771,13 +15771,8 @@
             </a:pPr>
             <a:r>
               <a:rPr lang="de-DE" sz="2600" dirty="0" smtClean="0"/>
-              <a:t>MVP und optimal </a:t>
-            </a:r>
-            <a:r>
-              <a:rPr lang="de-DE" sz="2600" smtClean="0"/>
-              <a:t>riskantes Portfolioverteilung</a:t>
-            </a:r>
-            <a:endParaRPr lang="de-DE" sz="2600" dirty="0" smtClean="0"/>
+              <a:t>MVP und optimal riskantes Portfolioverteilung</a:t>
+            </a:r>
           </a:p>
         </p:txBody>
       </p:sp>
